--- a/TITANIC SURVIVOR PREDICTION.pptx
+++ b/TITANIC SURVIVOR PREDICTION.pptx
@@ -647,7 +647,7 @@
             <a:fld id="{B61BEF0D-F0BB-DE4B-95CE-6DB70DBA9567}" type="datetimeFigureOut">
               <a:rPr lang="en-US" smtClean="0"/>
               <a:pPr/>
-              <a:t>6/21/2020</a:t>
+              <a:t>10/7/2020</a:t>
             </a:fld>
             <a:endParaRPr lang="en-US" dirty="0"/>
           </a:p>
@@ -944,7 +944,7 @@
             <a:fld id="{B61BEF0D-F0BB-DE4B-95CE-6DB70DBA9567}" type="datetimeFigureOut">
               <a:rPr lang="en-US" smtClean="0"/>
               <a:pPr/>
-              <a:t>6/21/2020</a:t>
+              <a:t>10/7/2020</a:t>
             </a:fld>
             <a:endParaRPr lang="en-US" dirty="0"/>
           </a:p>
@@ -1193,7 +1193,7 @@
             <a:fld id="{B61BEF0D-F0BB-DE4B-95CE-6DB70DBA9567}" type="datetimeFigureOut">
               <a:rPr lang="en-US" smtClean="0"/>
               <a:pPr/>
-              <a:t>6/21/2020</a:t>
+              <a:t>10/7/2020</a:t>
             </a:fld>
             <a:endParaRPr lang="en-US" dirty="0"/>
           </a:p>
@@ -1734,7 +1734,7 @@
             <a:fld id="{B61BEF0D-F0BB-DE4B-95CE-6DB70DBA9567}" type="datetimeFigureOut">
               <a:rPr lang="en-US" smtClean="0"/>
               <a:pPr/>
-              <a:t>6/21/2020</a:t>
+              <a:t>10/7/2020</a:t>
             </a:fld>
             <a:endParaRPr lang="en-US" dirty="0"/>
           </a:p>
@@ -1983,7 +1983,7 @@
             <a:fld id="{B61BEF0D-F0BB-DE4B-95CE-6DB70DBA9567}" type="datetimeFigureOut">
               <a:rPr lang="en-US" smtClean="0"/>
               <a:pPr/>
-              <a:t>6/21/2020</a:t>
+              <a:t>10/7/2020</a:t>
             </a:fld>
             <a:endParaRPr lang="en-US" dirty="0"/>
           </a:p>
@@ -2516,7 +2516,7 @@
             <a:fld id="{B61BEF0D-F0BB-DE4B-95CE-6DB70DBA9567}" type="datetimeFigureOut">
               <a:rPr lang="en-US" smtClean="0"/>
               <a:pPr/>
-              <a:t>6/21/2020</a:t>
+              <a:t>10/7/2020</a:t>
             </a:fld>
             <a:endParaRPr lang="en-US" dirty="0"/>
           </a:p>
@@ -2814,7 +2814,7 @@
             <a:fld id="{B61BEF0D-F0BB-DE4B-95CE-6DB70DBA9567}" type="datetimeFigureOut">
               <a:rPr lang="en-US" smtClean="0"/>
               <a:pPr/>
-              <a:t>6/21/2020</a:t>
+              <a:t>10/7/2020</a:t>
             </a:fld>
             <a:endParaRPr lang="en-US" dirty="0"/>
           </a:p>
@@ -2989,7 +2989,7 @@
             <a:fld id="{B61BEF0D-F0BB-DE4B-95CE-6DB70DBA9567}" type="datetimeFigureOut">
               <a:rPr lang="en-US" smtClean="0"/>
               <a:pPr/>
-              <a:t>6/21/2020</a:t>
+              <a:t>10/7/2020</a:t>
             </a:fld>
             <a:endParaRPr lang="en-US" dirty="0"/>
           </a:p>
@@ -3170,7 +3170,7 @@
             <a:fld id="{B61BEF0D-F0BB-DE4B-95CE-6DB70DBA9567}" type="datetimeFigureOut">
               <a:rPr lang="en-US" smtClean="0"/>
               <a:pPr/>
-              <a:t>6/21/2020</a:t>
+              <a:t>10/7/2020</a:t>
             </a:fld>
             <a:endParaRPr lang="en-US" dirty="0"/>
           </a:p>
@@ -3341,7 +3341,7 @@
             <a:fld id="{B61BEF0D-F0BB-DE4B-95CE-6DB70DBA9567}" type="datetimeFigureOut">
               <a:rPr lang="en-US" smtClean="0"/>
               <a:pPr/>
-              <a:t>6/21/2020</a:t>
+              <a:t>10/7/2020</a:t>
             </a:fld>
             <a:endParaRPr lang="en-US" dirty="0"/>
           </a:p>
@@ -3593,7 +3593,7 @@
             <a:fld id="{B61BEF0D-F0BB-DE4B-95CE-6DB70DBA9567}" type="datetimeFigureOut">
               <a:rPr lang="en-US" smtClean="0"/>
               <a:pPr/>
-              <a:t>6/21/2020</a:t>
+              <a:t>10/7/2020</a:t>
             </a:fld>
             <a:endParaRPr lang="en-US" dirty="0"/>
           </a:p>
@@ -3891,7 +3891,7 @@
             <a:fld id="{B61BEF0D-F0BB-DE4B-95CE-6DB70DBA9567}" type="datetimeFigureOut">
               <a:rPr lang="en-US" smtClean="0"/>
               <a:pPr/>
-              <a:t>6/21/2020</a:t>
+              <a:t>10/7/2020</a:t>
             </a:fld>
             <a:endParaRPr lang="en-US" dirty="0"/>
           </a:p>
@@ -4334,7 +4334,7 @@
             <a:fld id="{B61BEF0D-F0BB-DE4B-95CE-6DB70DBA9567}" type="datetimeFigureOut">
               <a:rPr lang="en-US" smtClean="0"/>
               <a:pPr/>
-              <a:t>6/21/2020</a:t>
+              <a:t>10/7/2020</a:t>
             </a:fld>
             <a:endParaRPr lang="en-US" dirty="0"/>
           </a:p>
@@ -4453,7 +4453,7 @@
             <a:fld id="{B61BEF0D-F0BB-DE4B-95CE-6DB70DBA9567}" type="datetimeFigureOut">
               <a:rPr lang="en-US" smtClean="0"/>
               <a:pPr/>
-              <a:t>6/21/2020</a:t>
+              <a:t>10/7/2020</a:t>
             </a:fld>
             <a:endParaRPr lang="en-US" dirty="0"/>
           </a:p>
@@ -4549,7 +4549,7 @@
             <a:fld id="{B61BEF0D-F0BB-DE4B-95CE-6DB70DBA9567}" type="datetimeFigureOut">
               <a:rPr lang="en-US" smtClean="0"/>
               <a:pPr/>
-              <a:t>6/21/2020</a:t>
+              <a:t>10/7/2020</a:t>
             </a:fld>
             <a:endParaRPr lang="en-US" dirty="0"/>
           </a:p>
@@ -4833,7 +4833,7 @@
             <a:fld id="{B61BEF0D-F0BB-DE4B-95CE-6DB70DBA9567}" type="datetimeFigureOut">
               <a:rPr lang="en-US" smtClean="0"/>
               <a:pPr/>
-              <a:t>6/21/2020</a:t>
+              <a:t>10/7/2020</a:t>
             </a:fld>
             <a:endParaRPr lang="en-US" dirty="0"/>
           </a:p>
@@ -5124,7 +5124,7 @@
           <a:p>
             <a:fld id="{8E67DEBC-032C-4F54-9D99-0B1037E4F17A}" type="datetimeFigureOut">
               <a:rPr lang="en-IN" smtClean="0"/>
-              <a:t>21-06-2020</a:t>
+              <a:t>07-10-2020</a:t>
             </a:fld>
             <a:endParaRPr lang="en-IN"/>
           </a:p>
@@ -5678,7 +5678,7 @@
             <a:fld id="{B61BEF0D-F0BB-DE4B-95CE-6DB70DBA9567}" type="datetimeFigureOut">
               <a:rPr lang="en-US" smtClean="0"/>
               <a:pPr/>
-              <a:t>6/21/2020</a:t>
+              <a:t>10/7/2020</a:t>
             </a:fld>
             <a:endParaRPr lang="en-US" dirty="0"/>
           </a:p>
@@ -9036,7 +9036,7 @@
             <a:pPr algn="l"/>
             <a:r>
               <a:rPr lang="en-IN" sz="4000" dirty="0"/>
-              <a:t>COMPARING MODELS</a:t>
+              <a:t>CONCLUSION</a:t>
             </a:r>
           </a:p>
         </p:txBody>

--- a/TITANIC SURVIVOR PREDICTION.pptx
+++ b/TITANIC SURVIVOR PREDICTION.pptx
@@ -6,26 +6,34 @@
   </p:sldMasterIdLst>
   <p:sldIdLst>
     <p:sldId id="257" r:id="rId2"/>
-    <p:sldId id="258" r:id="rId3"/>
-    <p:sldId id="259" r:id="rId4"/>
-    <p:sldId id="260" r:id="rId5"/>
-    <p:sldId id="261" r:id="rId6"/>
-    <p:sldId id="262" r:id="rId7"/>
-    <p:sldId id="263" r:id="rId8"/>
-    <p:sldId id="264" r:id="rId9"/>
-    <p:sldId id="265" r:id="rId10"/>
-    <p:sldId id="266" r:id="rId11"/>
-    <p:sldId id="267" r:id="rId12"/>
-    <p:sldId id="268" r:id="rId13"/>
-    <p:sldId id="269" r:id="rId14"/>
-    <p:sldId id="270" r:id="rId15"/>
-    <p:sldId id="271" r:id="rId16"/>
-    <p:sldId id="272" r:id="rId17"/>
-    <p:sldId id="273" r:id="rId18"/>
-    <p:sldId id="274" r:id="rId19"/>
-    <p:sldId id="275" r:id="rId20"/>
-    <p:sldId id="276" r:id="rId21"/>
-    <p:sldId id="277" r:id="rId22"/>
+    <p:sldId id="281" r:id="rId3"/>
+    <p:sldId id="258" r:id="rId4"/>
+    <p:sldId id="284" r:id="rId5"/>
+    <p:sldId id="285" r:id="rId6"/>
+    <p:sldId id="280" r:id="rId7"/>
+    <p:sldId id="282" r:id="rId8"/>
+    <p:sldId id="259" r:id="rId9"/>
+    <p:sldId id="283" r:id="rId10"/>
+    <p:sldId id="260" r:id="rId11"/>
+    <p:sldId id="261" r:id="rId12"/>
+    <p:sldId id="262" r:id="rId13"/>
+    <p:sldId id="263" r:id="rId14"/>
+    <p:sldId id="264" r:id="rId15"/>
+    <p:sldId id="265" r:id="rId16"/>
+    <p:sldId id="266" r:id="rId17"/>
+    <p:sldId id="267" r:id="rId18"/>
+    <p:sldId id="268" r:id="rId19"/>
+    <p:sldId id="269" r:id="rId20"/>
+    <p:sldId id="270" r:id="rId21"/>
+    <p:sldId id="271" r:id="rId22"/>
+    <p:sldId id="272" r:id="rId23"/>
+    <p:sldId id="273" r:id="rId24"/>
+    <p:sldId id="274" r:id="rId25"/>
+    <p:sldId id="275" r:id="rId26"/>
+    <p:sldId id="276" r:id="rId27"/>
+    <p:sldId id="277" r:id="rId28"/>
+    <p:sldId id="278" r:id="rId29"/>
+    <p:sldId id="279" r:id="rId30"/>
   </p:sldIdLst>
   <p:sldSz cx="12192000" cy="6858000"/>
   <p:notesSz cx="6858000" cy="9144000"/>
@@ -647,7 +655,7 @@
             <a:fld id="{B61BEF0D-F0BB-DE4B-95CE-6DB70DBA9567}" type="datetimeFigureOut">
               <a:rPr lang="en-US" smtClean="0"/>
               <a:pPr/>
-              <a:t>10/7/2020</a:t>
+              <a:t>1/12/2021</a:t>
             </a:fld>
             <a:endParaRPr lang="en-US" dirty="0"/>
           </a:p>
@@ -944,7 +952,7 @@
             <a:fld id="{B61BEF0D-F0BB-DE4B-95CE-6DB70DBA9567}" type="datetimeFigureOut">
               <a:rPr lang="en-US" smtClean="0"/>
               <a:pPr/>
-              <a:t>10/7/2020</a:t>
+              <a:t>1/12/2021</a:t>
             </a:fld>
             <a:endParaRPr lang="en-US" dirty="0"/>
           </a:p>
@@ -1193,7 +1201,7 @@
             <a:fld id="{B61BEF0D-F0BB-DE4B-95CE-6DB70DBA9567}" type="datetimeFigureOut">
               <a:rPr lang="en-US" smtClean="0"/>
               <a:pPr/>
-              <a:t>10/7/2020</a:t>
+              <a:t>1/12/2021</a:t>
             </a:fld>
             <a:endParaRPr lang="en-US" dirty="0"/>
           </a:p>
@@ -1734,7 +1742,7 @@
             <a:fld id="{B61BEF0D-F0BB-DE4B-95CE-6DB70DBA9567}" type="datetimeFigureOut">
               <a:rPr lang="en-US" smtClean="0"/>
               <a:pPr/>
-              <a:t>10/7/2020</a:t>
+              <a:t>1/12/2021</a:t>
             </a:fld>
             <a:endParaRPr lang="en-US" dirty="0"/>
           </a:p>
@@ -1983,7 +1991,7 @@
             <a:fld id="{B61BEF0D-F0BB-DE4B-95CE-6DB70DBA9567}" type="datetimeFigureOut">
               <a:rPr lang="en-US" smtClean="0"/>
               <a:pPr/>
-              <a:t>10/7/2020</a:t>
+              <a:t>1/12/2021</a:t>
             </a:fld>
             <a:endParaRPr lang="en-US" dirty="0"/>
           </a:p>
@@ -2516,7 +2524,7 @@
             <a:fld id="{B61BEF0D-F0BB-DE4B-95CE-6DB70DBA9567}" type="datetimeFigureOut">
               <a:rPr lang="en-US" smtClean="0"/>
               <a:pPr/>
-              <a:t>10/7/2020</a:t>
+              <a:t>1/12/2021</a:t>
             </a:fld>
             <a:endParaRPr lang="en-US" dirty="0"/>
           </a:p>
@@ -2814,7 +2822,7 @@
             <a:fld id="{B61BEF0D-F0BB-DE4B-95CE-6DB70DBA9567}" type="datetimeFigureOut">
               <a:rPr lang="en-US" smtClean="0"/>
               <a:pPr/>
-              <a:t>10/7/2020</a:t>
+              <a:t>1/12/2021</a:t>
             </a:fld>
             <a:endParaRPr lang="en-US" dirty="0"/>
           </a:p>
@@ -2989,7 +2997,7 @@
             <a:fld id="{B61BEF0D-F0BB-DE4B-95CE-6DB70DBA9567}" type="datetimeFigureOut">
               <a:rPr lang="en-US" smtClean="0"/>
               <a:pPr/>
-              <a:t>10/7/2020</a:t>
+              <a:t>1/12/2021</a:t>
             </a:fld>
             <a:endParaRPr lang="en-US" dirty="0"/>
           </a:p>
@@ -3170,7 +3178,7 @@
             <a:fld id="{B61BEF0D-F0BB-DE4B-95CE-6DB70DBA9567}" type="datetimeFigureOut">
               <a:rPr lang="en-US" smtClean="0"/>
               <a:pPr/>
-              <a:t>10/7/2020</a:t>
+              <a:t>1/12/2021</a:t>
             </a:fld>
             <a:endParaRPr lang="en-US" dirty="0"/>
           </a:p>
@@ -3341,7 +3349,7 @@
             <a:fld id="{B61BEF0D-F0BB-DE4B-95CE-6DB70DBA9567}" type="datetimeFigureOut">
               <a:rPr lang="en-US" smtClean="0"/>
               <a:pPr/>
-              <a:t>10/7/2020</a:t>
+              <a:t>1/12/2021</a:t>
             </a:fld>
             <a:endParaRPr lang="en-US" dirty="0"/>
           </a:p>
@@ -3593,7 +3601,7 @@
             <a:fld id="{B61BEF0D-F0BB-DE4B-95CE-6DB70DBA9567}" type="datetimeFigureOut">
               <a:rPr lang="en-US" smtClean="0"/>
               <a:pPr/>
-              <a:t>10/7/2020</a:t>
+              <a:t>1/12/2021</a:t>
             </a:fld>
             <a:endParaRPr lang="en-US" dirty="0"/>
           </a:p>
@@ -3891,7 +3899,7 @@
             <a:fld id="{B61BEF0D-F0BB-DE4B-95CE-6DB70DBA9567}" type="datetimeFigureOut">
               <a:rPr lang="en-US" smtClean="0"/>
               <a:pPr/>
-              <a:t>10/7/2020</a:t>
+              <a:t>1/12/2021</a:t>
             </a:fld>
             <a:endParaRPr lang="en-US" dirty="0"/>
           </a:p>
@@ -4334,7 +4342,7 @@
             <a:fld id="{B61BEF0D-F0BB-DE4B-95CE-6DB70DBA9567}" type="datetimeFigureOut">
               <a:rPr lang="en-US" smtClean="0"/>
               <a:pPr/>
-              <a:t>10/7/2020</a:t>
+              <a:t>1/12/2021</a:t>
             </a:fld>
             <a:endParaRPr lang="en-US" dirty="0"/>
           </a:p>
@@ -4453,7 +4461,7 @@
             <a:fld id="{B61BEF0D-F0BB-DE4B-95CE-6DB70DBA9567}" type="datetimeFigureOut">
               <a:rPr lang="en-US" smtClean="0"/>
               <a:pPr/>
-              <a:t>10/7/2020</a:t>
+              <a:t>1/12/2021</a:t>
             </a:fld>
             <a:endParaRPr lang="en-US" dirty="0"/>
           </a:p>
@@ -4549,7 +4557,7 @@
             <a:fld id="{B61BEF0D-F0BB-DE4B-95CE-6DB70DBA9567}" type="datetimeFigureOut">
               <a:rPr lang="en-US" smtClean="0"/>
               <a:pPr/>
-              <a:t>10/7/2020</a:t>
+              <a:t>1/12/2021</a:t>
             </a:fld>
             <a:endParaRPr lang="en-US" dirty="0"/>
           </a:p>
@@ -4833,7 +4841,7 @@
             <a:fld id="{B61BEF0D-F0BB-DE4B-95CE-6DB70DBA9567}" type="datetimeFigureOut">
               <a:rPr lang="en-US" smtClean="0"/>
               <a:pPr/>
-              <a:t>10/7/2020</a:t>
+              <a:t>1/12/2021</a:t>
             </a:fld>
             <a:endParaRPr lang="en-US" dirty="0"/>
           </a:p>
@@ -5124,7 +5132,7 @@
           <a:p>
             <a:fld id="{8E67DEBC-032C-4F54-9D99-0B1037E4F17A}" type="datetimeFigureOut">
               <a:rPr lang="en-IN" smtClean="0"/>
-              <a:t>07-10-2020</a:t>
+              <a:t>12-01-2021</a:t>
             </a:fld>
             <a:endParaRPr lang="en-IN"/>
           </a:p>
@@ -5678,7 +5686,7 @@
             <a:fld id="{B61BEF0D-F0BB-DE4B-95CE-6DB70DBA9567}" type="datetimeFigureOut">
               <a:rPr lang="en-US" smtClean="0"/>
               <a:pPr/>
-              <a:t>10/7/2020</a:t>
+              <a:t>1/12/2021</a:t>
             </a:fld>
             <a:endParaRPr lang="en-US" dirty="0"/>
           </a:p>
@@ -6331,18 +6339,20 @@
         </p:nvSpPr>
         <p:spPr>
           <a:xfrm>
-            <a:off x="1544445" y="2680145"/>
-            <a:ext cx="3932237" cy="2646286"/>
-          </a:xfrm>
-        </p:spPr>
-        <p:txBody>
-          <a:bodyPr/>
+            <a:off x="1750026" y="3678800"/>
+            <a:ext cx="3932237" cy="2301009"/>
+          </a:xfrm>
+        </p:spPr>
+        <p:txBody>
+          <a:bodyPr>
+            <a:normAutofit fontScale="92500" lnSpcReduction="10000"/>
+          </a:bodyPr>
           <a:lstStyle/>
           <a:p>
             <a:pPr algn="l"/>
             <a:r>
               <a:rPr lang="en-IN" dirty="0"/>
-              <a:t>Presented By:</a:t>
+              <a:t>Submitted by:</a:t>
             </a:r>
           </a:p>
           <a:p>
@@ -6351,6 +6361,32 @@
               <a:rPr lang="en-IN" dirty="0"/>
               <a:t>Virendra Verma</a:t>
             </a:r>
+          </a:p>
+          <a:p>
+            <a:pPr algn="l"/>
+            <a:endParaRPr lang="en-IN" dirty="0"/>
+          </a:p>
+          <a:p>
+            <a:pPr algn="l"/>
+            <a:endParaRPr lang="en-IN" dirty="0"/>
+          </a:p>
+          <a:p>
+            <a:pPr algn="l"/>
+            <a:r>
+              <a:rPr lang="en-US" sz="1800" dirty="0"/>
+              <a:t>Submitted to:</a:t>
+            </a:r>
+          </a:p>
+          <a:p>
+            <a:pPr algn="l"/>
+            <a:r>
+              <a:rPr lang="en-US" sz="1800" dirty="0"/>
+              <a:t>Prof . Alka Singh</a:t>
+            </a:r>
+          </a:p>
+          <a:p>
+            <a:pPr algn="l"/>
+            <a:endParaRPr lang="en-IN" dirty="0"/>
           </a:p>
         </p:txBody>
       </p:sp>
@@ -6441,33 +6477,25 @@
         </p:nvSpPr>
         <p:spPr>
           <a:xfrm>
-            <a:off x="1139109" y="1455043"/>
-            <a:ext cx="9913781" cy="538188"/>
-          </a:xfrm>
-        </p:spPr>
-        <p:txBody>
-          <a:bodyPr anchor="t">
+            <a:off x="1511508" y="1470495"/>
+            <a:ext cx="9881018" cy="723900"/>
+          </a:xfrm>
+        </p:spPr>
+        <p:txBody>
+          <a:bodyPr>
             <a:normAutofit/>
           </a:bodyPr>
           <a:lstStyle/>
           <a:p>
-            <a:pPr lvl="1">
+            <a:pPr algn="l">
               <a:buClr>
                 <a:schemeClr val="tx1"/>
               </a:buClr>
             </a:pPr>
             <a:r>
               <a:rPr lang="en-IN" sz="2400" dirty="0"/>
-              <a:t>Checking Max, Min, Mean, Mode</a:t>
-            </a:r>
-          </a:p>
-          <a:p>
-            <a:pPr lvl="1">
-              <a:buClr>
-                <a:schemeClr val="tx1"/>
-              </a:buClr>
-            </a:pPr>
-            <a:endParaRPr lang="en-IN" sz="2400" dirty="0"/>
+              <a:t> Analysing Data</a:t>
+            </a:r>
           </a:p>
         </p:txBody>
       </p:sp>
@@ -6515,47 +6543,12 @@
           </a:p>
         </p:txBody>
       </p:sp>
-      <p:sp>
-        <p:nvSpPr>
-          <p:cNvPr id="4" name="TextBox 3">
-            <a:extLst>
-              <a:ext uri="{FF2B5EF4-FFF2-40B4-BE49-F238E27FC236}">
-                <a16:creationId xmlns:a16="http://schemas.microsoft.com/office/drawing/2014/main" id="{E38A6E76-BCAF-4013-B908-C459D04107F1}"/>
-              </a:ext>
-            </a:extLst>
-          </p:cNvPr>
-          <p:cNvSpPr txBox="1"/>
-          <p:nvPr/>
-        </p:nvSpPr>
-        <p:spPr>
-          <a:xfrm>
-            <a:off x="1616439" y="2005701"/>
-            <a:ext cx="7329905" cy="369332"/>
-          </a:xfrm>
-          <a:prstGeom prst="rect">
-            <a:avLst/>
-          </a:prstGeom>
-          <a:noFill/>
-        </p:spPr>
-        <p:txBody>
-          <a:bodyPr wrap="square" rtlCol="0">
-            <a:spAutoFit/>
-          </a:bodyPr>
-          <a:lstStyle/>
-          <a:p>
-            <a:r>
-              <a:rPr lang="en-IN" dirty="0"/>
-              <a:t>For Fare:</a:t>
-            </a:r>
-          </a:p>
-        </p:txBody>
-      </p:sp>
       <p:pic>
         <p:nvPicPr>
-          <p:cNvPr id="8" name="Picture 7">
+          <p:cNvPr id="5" name="Picture 4">
             <a:extLst>
               <a:ext uri="{FF2B5EF4-FFF2-40B4-BE49-F238E27FC236}">
-                <a16:creationId xmlns:a16="http://schemas.microsoft.com/office/drawing/2014/main" id="{F89F3B13-B22B-4F54-9FF1-8B888E97D87A}"/>
+                <a16:creationId xmlns:a16="http://schemas.microsoft.com/office/drawing/2014/main" id="{E6E8BD31-34C9-4EBF-A9E0-8E811BD0EAE3}"/>
               </a:ext>
             </a:extLst>
           </p:cNvPr>
@@ -6578,161 +6571,302 @@
         </p:blipFill>
         <p:spPr>
           <a:xfrm>
-            <a:off x="2844138" y="1993231"/>
-            <a:ext cx="5033856" cy="369332"/>
+            <a:off x="1649203" y="2190023"/>
+            <a:ext cx="6490741" cy="3378823"/>
           </a:xfrm>
           <a:prstGeom prst="rect">
             <a:avLst/>
           </a:prstGeom>
         </p:spPr>
       </p:pic>
-      <p:pic>
-        <p:nvPicPr>
-          <p:cNvPr id="11" name="Picture 10">
+      <p:sp>
+        <p:nvSpPr>
+          <p:cNvPr id="7" name="Text Placeholder 5">
             <a:extLst>
               <a:ext uri="{FF2B5EF4-FFF2-40B4-BE49-F238E27FC236}">
-                <a16:creationId xmlns:a16="http://schemas.microsoft.com/office/drawing/2014/main" id="{A84A404D-682A-4A22-BB27-8AAB807FB1E0}"/>
+                <a16:creationId xmlns:a16="http://schemas.microsoft.com/office/drawing/2014/main" id="{A62020C8-B02B-4AB1-9A58-83F1A7CD64D2}"/>
               </a:ext>
             </a:extLst>
           </p:cNvPr>
-          <p:cNvPicPr>
-            <a:picLocks noChangeAspect="1"/>
-          </p:cNvPicPr>
+          <p:cNvSpPr txBox="1">
+            <a:spLocks/>
+          </p:cNvSpPr>
           <p:nvPr/>
-        </p:nvPicPr>
-        <p:blipFill>
-          <a:blip r:embed="rId3">
-            <a:extLst>
-              <a:ext uri="{28A0092B-C50C-407E-A947-70E740481C1C}">
-                <a14:useLocalDpi xmlns:a14="http://schemas.microsoft.com/office/drawing/2010/main" val="0"/>
-              </a:ext>
-            </a:extLst>
-          </a:blip>
-          <a:stretch>
-            <a:fillRect/>
-          </a:stretch>
-        </p:blipFill>
-        <p:spPr>
-          <a:xfrm>
-            <a:off x="2844138" y="2476804"/>
-            <a:ext cx="2904042" cy="1238691"/>
+        </p:nvSpPr>
+        <p:spPr>
+          <a:xfrm>
+            <a:off x="8139945" y="2190022"/>
+            <a:ext cx="3600138" cy="3378823"/>
           </a:xfrm>
           <a:prstGeom prst="rect">
             <a:avLst/>
           </a:prstGeom>
         </p:spPr>
-      </p:pic>
-      <p:sp>
-        <p:nvSpPr>
-          <p:cNvPr id="15" name="TextBox 14">
-            <a:extLst>
-              <a:ext uri="{FF2B5EF4-FFF2-40B4-BE49-F238E27FC236}">
-                <a16:creationId xmlns:a16="http://schemas.microsoft.com/office/drawing/2014/main" id="{7FE06B0D-B032-4996-B04F-E75E22792EFC}"/>
-              </a:ext>
-            </a:extLst>
-          </p:cNvPr>
-          <p:cNvSpPr txBox="1"/>
-          <p:nvPr/>
-        </p:nvSpPr>
-        <p:spPr>
-          <a:xfrm>
-            <a:off x="1616438" y="3971384"/>
-            <a:ext cx="7329905" cy="369332"/>
-          </a:xfrm>
-          <a:prstGeom prst="rect">
-            <a:avLst/>
-          </a:prstGeom>
-          <a:noFill/>
-        </p:spPr>
-        <p:txBody>
-          <a:bodyPr wrap="square" rtlCol="0">
-            <a:spAutoFit/>
+        <p:txBody>
+          <a:bodyPr vert="horz" lIns="91440" tIns="45720" rIns="91440" bIns="45720" rtlCol="0" anchor="t">
+            <a:normAutofit/>
           </a:bodyPr>
-          <a:lstStyle/>
-          <a:p>
-            <a:r>
-              <a:rPr lang="en-IN" dirty="0"/>
-              <a:t>For Age:</a:t>
-            </a:r>
-          </a:p>
-        </p:txBody>
-      </p:sp>
-      <p:pic>
-        <p:nvPicPr>
-          <p:cNvPr id="16" name="Picture 15">
-            <a:extLst>
-              <a:ext uri="{FF2B5EF4-FFF2-40B4-BE49-F238E27FC236}">
-                <a16:creationId xmlns:a16="http://schemas.microsoft.com/office/drawing/2014/main" id="{0ED6A239-7665-426E-A57C-DFCFA2488AF9}"/>
-              </a:ext>
-            </a:extLst>
-          </p:cNvPr>
-          <p:cNvPicPr>
-            <a:picLocks noChangeAspect="1"/>
-          </p:cNvPicPr>
-          <p:nvPr/>
-        </p:nvPicPr>
-        <p:blipFill>
-          <a:blip r:embed="rId4">
-            <a:extLst>
-              <a:ext uri="{28A0092B-C50C-407E-A947-70E740481C1C}">
-                <a14:useLocalDpi xmlns:a14="http://schemas.microsoft.com/office/drawing/2010/main" val="0"/>
-              </a:ext>
-            </a:extLst>
-          </a:blip>
-          <a:stretch>
-            <a:fillRect/>
-          </a:stretch>
-        </p:blipFill>
-        <p:spPr>
-          <a:xfrm>
-            <a:off x="2844138" y="3975541"/>
-            <a:ext cx="5235560" cy="348071"/>
-          </a:xfrm>
-          <a:prstGeom prst="rect">
-            <a:avLst/>
-          </a:prstGeom>
-        </p:spPr>
-      </p:pic>
-      <p:pic>
-        <p:nvPicPr>
-          <p:cNvPr id="18" name="Picture 17">
-            <a:extLst>
-              <a:ext uri="{FF2B5EF4-FFF2-40B4-BE49-F238E27FC236}">
-                <a16:creationId xmlns:a16="http://schemas.microsoft.com/office/drawing/2014/main" id="{DA5F893E-EC10-4984-A09C-5F2EF26C8739}"/>
-              </a:ext>
-            </a:extLst>
-          </p:cNvPr>
-          <p:cNvPicPr>
-            <a:picLocks noChangeAspect="1"/>
-          </p:cNvPicPr>
-          <p:nvPr/>
-        </p:nvPicPr>
-        <p:blipFill>
-          <a:blip r:embed="rId5">
-            <a:extLst>
-              <a:ext uri="{28A0092B-C50C-407E-A947-70E740481C1C}">
-                <a14:useLocalDpi xmlns:a14="http://schemas.microsoft.com/office/drawing/2010/main" val="0"/>
-              </a:ext>
-            </a:extLst>
-          </a:blip>
-          <a:stretch>
-            <a:fillRect/>
-          </a:stretch>
-        </p:blipFill>
-        <p:spPr>
-          <a:xfrm>
-            <a:off x="2844138" y="4447063"/>
-            <a:ext cx="2913532" cy="1246585"/>
-          </a:xfrm>
-          <a:prstGeom prst="rect">
-            <a:avLst/>
-          </a:prstGeom>
-        </p:spPr>
-      </p:pic>
+          <a:lstStyle>
+            <a:lvl1pPr marL="0" indent="0" algn="ctr" defTabSz="457200" rtl="0" eaLnBrk="1" latinLnBrk="0" hangingPunct="1">
+              <a:spcBef>
+                <a:spcPct val="20000"/>
+              </a:spcBef>
+              <a:spcAft>
+                <a:spcPts val="600"/>
+              </a:spcAft>
+              <a:buClr>
+                <a:schemeClr val="accent1">
+                  <a:lumMod val="75000"/>
+                </a:schemeClr>
+              </a:buClr>
+              <a:buSzPct val="145000"/>
+              <a:buFont typeface="Arial"/>
+              <a:buNone/>
+              <a:defRPr sz="2000" kern="1200" cap="none">
+                <a:solidFill>
+                  <a:schemeClr val="tx1"/>
+                </a:solidFill>
+                <a:effectLst/>
+                <a:latin typeface="+mn-lt"/>
+                <a:ea typeface="+mn-ea"/>
+                <a:cs typeface="+mn-cs"/>
+              </a:defRPr>
+            </a:lvl1pPr>
+            <a:lvl2pPr marL="457200" indent="0" algn="l" defTabSz="457200" rtl="0" eaLnBrk="1" latinLnBrk="0" hangingPunct="1">
+              <a:spcBef>
+                <a:spcPct val="20000"/>
+              </a:spcBef>
+              <a:spcAft>
+                <a:spcPts val="600"/>
+              </a:spcAft>
+              <a:buClr>
+                <a:schemeClr val="accent1">
+                  <a:lumMod val="75000"/>
+                </a:schemeClr>
+              </a:buClr>
+              <a:buSzPct val="145000"/>
+              <a:buFont typeface="Arial"/>
+              <a:buNone/>
+              <a:defRPr sz="1800" kern="1200" cap="none">
+                <a:solidFill>
+                  <a:schemeClr val="tx1">
+                    <a:tint val="75000"/>
+                  </a:schemeClr>
+                </a:solidFill>
+                <a:effectLst/>
+                <a:latin typeface="+mn-lt"/>
+                <a:ea typeface="+mn-ea"/>
+                <a:cs typeface="+mn-cs"/>
+              </a:defRPr>
+            </a:lvl2pPr>
+            <a:lvl3pPr marL="914400" indent="0" algn="l" defTabSz="457200" rtl="0" eaLnBrk="1" latinLnBrk="0" hangingPunct="1">
+              <a:spcBef>
+                <a:spcPct val="20000"/>
+              </a:spcBef>
+              <a:spcAft>
+                <a:spcPts val="600"/>
+              </a:spcAft>
+              <a:buClr>
+                <a:schemeClr val="accent1">
+                  <a:lumMod val="75000"/>
+                </a:schemeClr>
+              </a:buClr>
+              <a:buSzPct val="145000"/>
+              <a:buFont typeface="Arial"/>
+              <a:buNone/>
+              <a:defRPr sz="1600" kern="1200" cap="none">
+                <a:solidFill>
+                  <a:schemeClr val="tx1">
+                    <a:tint val="75000"/>
+                  </a:schemeClr>
+                </a:solidFill>
+                <a:effectLst/>
+                <a:latin typeface="+mn-lt"/>
+                <a:ea typeface="+mn-ea"/>
+                <a:cs typeface="+mn-cs"/>
+              </a:defRPr>
+            </a:lvl3pPr>
+            <a:lvl4pPr marL="1371600" indent="0" algn="l" defTabSz="457200" rtl="0" eaLnBrk="1" latinLnBrk="0" hangingPunct="1">
+              <a:spcBef>
+                <a:spcPct val="20000"/>
+              </a:spcBef>
+              <a:spcAft>
+                <a:spcPts val="600"/>
+              </a:spcAft>
+              <a:buClr>
+                <a:schemeClr val="accent1">
+                  <a:lumMod val="75000"/>
+                </a:schemeClr>
+              </a:buClr>
+              <a:buSzPct val="145000"/>
+              <a:buFont typeface="Arial"/>
+              <a:buNone/>
+              <a:defRPr sz="1400" kern="1200" cap="none">
+                <a:solidFill>
+                  <a:schemeClr val="tx1">
+                    <a:tint val="75000"/>
+                  </a:schemeClr>
+                </a:solidFill>
+                <a:effectLst/>
+                <a:latin typeface="+mn-lt"/>
+                <a:ea typeface="+mn-ea"/>
+                <a:cs typeface="+mn-cs"/>
+              </a:defRPr>
+            </a:lvl4pPr>
+            <a:lvl5pPr marL="1828800" indent="0" algn="l" defTabSz="457200" rtl="0" eaLnBrk="1" latinLnBrk="0" hangingPunct="1">
+              <a:spcBef>
+                <a:spcPct val="20000"/>
+              </a:spcBef>
+              <a:spcAft>
+                <a:spcPts val="600"/>
+              </a:spcAft>
+              <a:buClr>
+                <a:schemeClr val="accent1">
+                  <a:lumMod val="75000"/>
+                </a:schemeClr>
+              </a:buClr>
+              <a:buSzPct val="145000"/>
+              <a:buFont typeface="Arial"/>
+              <a:buNone/>
+              <a:defRPr sz="1400" kern="1200" cap="none">
+                <a:solidFill>
+                  <a:schemeClr val="tx1">
+                    <a:tint val="75000"/>
+                  </a:schemeClr>
+                </a:solidFill>
+                <a:effectLst/>
+                <a:latin typeface="+mn-lt"/>
+                <a:ea typeface="+mn-ea"/>
+                <a:cs typeface="+mn-cs"/>
+              </a:defRPr>
+            </a:lvl5pPr>
+            <a:lvl6pPr marL="2286000" indent="0" algn="l" defTabSz="457200" rtl="0" eaLnBrk="1" latinLnBrk="0" hangingPunct="1">
+              <a:spcBef>
+                <a:spcPct val="20000"/>
+              </a:spcBef>
+              <a:spcAft>
+                <a:spcPts val="600"/>
+              </a:spcAft>
+              <a:buClr>
+                <a:schemeClr val="accent1">
+                  <a:lumMod val="75000"/>
+                </a:schemeClr>
+              </a:buClr>
+              <a:buSzPct val="145000"/>
+              <a:buFont typeface="Arial"/>
+              <a:buNone/>
+              <a:defRPr sz="1400" kern="1200" cap="none">
+                <a:solidFill>
+                  <a:schemeClr val="tx1">
+                    <a:tint val="75000"/>
+                  </a:schemeClr>
+                </a:solidFill>
+                <a:effectLst/>
+                <a:latin typeface="+mn-lt"/>
+                <a:ea typeface="+mn-ea"/>
+                <a:cs typeface="+mn-cs"/>
+              </a:defRPr>
+            </a:lvl6pPr>
+            <a:lvl7pPr marL="2743200" indent="0" algn="l" defTabSz="457200" rtl="0" eaLnBrk="1" latinLnBrk="0" hangingPunct="1">
+              <a:spcBef>
+                <a:spcPct val="20000"/>
+              </a:spcBef>
+              <a:spcAft>
+                <a:spcPts val="600"/>
+              </a:spcAft>
+              <a:buClr>
+                <a:schemeClr val="accent1">
+                  <a:lumMod val="75000"/>
+                </a:schemeClr>
+              </a:buClr>
+              <a:buSzPct val="145000"/>
+              <a:buFont typeface="Arial"/>
+              <a:buNone/>
+              <a:defRPr sz="1400" kern="1200" cap="none">
+                <a:solidFill>
+                  <a:schemeClr val="tx1">
+                    <a:tint val="75000"/>
+                  </a:schemeClr>
+                </a:solidFill>
+                <a:effectLst/>
+                <a:latin typeface="+mn-lt"/>
+                <a:ea typeface="+mn-ea"/>
+                <a:cs typeface="+mn-cs"/>
+              </a:defRPr>
+            </a:lvl7pPr>
+            <a:lvl8pPr marL="3200400" indent="0" algn="l" defTabSz="457200" rtl="0" eaLnBrk="1" latinLnBrk="0" hangingPunct="1">
+              <a:spcBef>
+                <a:spcPct val="20000"/>
+              </a:spcBef>
+              <a:spcAft>
+                <a:spcPts val="600"/>
+              </a:spcAft>
+              <a:buClr>
+                <a:schemeClr val="accent1">
+                  <a:lumMod val="75000"/>
+                </a:schemeClr>
+              </a:buClr>
+              <a:buSzPct val="145000"/>
+              <a:buFont typeface="Arial"/>
+              <a:buNone/>
+              <a:defRPr sz="1400" kern="1200" cap="none">
+                <a:solidFill>
+                  <a:schemeClr val="tx1">
+                    <a:tint val="75000"/>
+                  </a:schemeClr>
+                </a:solidFill>
+                <a:effectLst/>
+                <a:latin typeface="+mn-lt"/>
+                <a:ea typeface="+mn-ea"/>
+                <a:cs typeface="+mn-cs"/>
+              </a:defRPr>
+            </a:lvl8pPr>
+            <a:lvl9pPr marL="3657600" indent="0" algn="l" defTabSz="457200" rtl="0" eaLnBrk="1" latinLnBrk="0" hangingPunct="1">
+              <a:spcBef>
+                <a:spcPct val="20000"/>
+              </a:spcBef>
+              <a:spcAft>
+                <a:spcPts val="600"/>
+              </a:spcAft>
+              <a:buClr>
+                <a:schemeClr val="accent1">
+                  <a:lumMod val="75000"/>
+                </a:schemeClr>
+              </a:buClr>
+              <a:buSzPct val="145000"/>
+              <a:buFont typeface="Arial"/>
+              <a:buNone/>
+              <a:defRPr sz="1400" kern="1200" cap="none">
+                <a:solidFill>
+                  <a:schemeClr val="tx1">
+                    <a:tint val="75000"/>
+                  </a:schemeClr>
+                </a:solidFill>
+                <a:effectLst/>
+                <a:latin typeface="+mn-lt"/>
+                <a:ea typeface="+mn-ea"/>
+                <a:cs typeface="+mn-cs"/>
+              </a:defRPr>
+            </a:lvl9pPr>
+          </a:lstStyle>
+          <a:p>
+            <a:pPr algn="l">
+              <a:buClr>
+                <a:schemeClr val="tx1"/>
+              </a:buClr>
+            </a:pPr>
+            <a:r>
+              <a:rPr lang="en-US" dirty="0"/>
+              <a:t>From this data, we get that there are 891 total rows with there mean, min, and max values to visualize the data.</a:t>
+            </a:r>
+            <a:endParaRPr lang="en-IN" dirty="0"/>
+          </a:p>
+        </p:txBody>
+      </p:sp>
     </p:spTree>
     <p:extLst>
       <p:ext uri="{BB962C8B-B14F-4D97-AF65-F5344CB8AC3E}">
-        <p14:creationId xmlns:p14="http://schemas.microsoft.com/office/powerpoint/2010/main" val="1277011450"/>
+        <p14:creationId xmlns:p14="http://schemas.microsoft.com/office/powerpoint/2010/main" val="1637052244"/>
       </p:ext>
     </p:extLst>
   </p:cSld>
@@ -6816,8 +6950,8 @@
         </p:nvSpPr>
         <p:spPr>
           <a:xfrm>
-            <a:off x="5168429" y="2629204"/>
-            <a:ext cx="6466721" cy="3381848"/>
+            <a:off x="1139109" y="1455043"/>
+            <a:ext cx="9913781" cy="538188"/>
           </a:xfrm>
         </p:spPr>
         <p:txBody>
@@ -6833,12 +6967,23 @@
             </a:pPr>
             <a:r>
               <a:rPr lang="en-IN" sz="2400" dirty="0"/>
-              <a:t>From this data we get that there are 177 null values in age column and 2 null in embarked column.</a:t>
-            </a:r>
-            <a:r>
-              <a:rPr lang="en-US" sz="2400" dirty="0"/>
-              <a:t> The data of the cabin is not useful thus, we will exclude that.</a:t>
-            </a:r>
+              <a:t>Comparing  </a:t>
+            </a:r>
+            <a:r>
+              <a:rPr lang="en-IN" sz="2400" dirty="0" err="1"/>
+              <a:t>Pclass</a:t>
+            </a:r>
+            <a:r>
+              <a:rPr lang="en-IN" sz="2400" dirty="0"/>
+              <a:t> with Survived</a:t>
+            </a:r>
+          </a:p>
+          <a:p>
+            <a:pPr lvl="1">
+              <a:buClr>
+                <a:schemeClr val="tx1"/>
+              </a:buClr>
+            </a:pPr>
             <a:endParaRPr lang="en-IN" sz="2400" dirty="0"/>
           </a:p>
         </p:txBody>
@@ -6892,7 +7037,7 @@
           <p:cNvPr id="7" name="Picture 6">
             <a:extLst>
               <a:ext uri="{FF2B5EF4-FFF2-40B4-BE49-F238E27FC236}">
-                <a16:creationId xmlns:a16="http://schemas.microsoft.com/office/drawing/2014/main" id="{133C23F3-96F2-404A-BA51-AD3C92354452}"/>
+                <a16:creationId xmlns:a16="http://schemas.microsoft.com/office/drawing/2014/main" id="{2734B4A2-D384-43AB-B5B2-E86633B04945}"/>
               </a:ext>
             </a:extLst>
           </p:cNvPr>
@@ -6915,8 +7060,8 @@
         </p:blipFill>
         <p:spPr>
           <a:xfrm>
-            <a:off x="1755448" y="2053762"/>
-            <a:ext cx="3273972" cy="423042"/>
+            <a:off x="1649202" y="2099158"/>
+            <a:ext cx="6625367" cy="377646"/>
           </a:xfrm>
           <a:prstGeom prst="rect">
             <a:avLst/>
@@ -6925,10 +7070,10 @@
       </p:pic>
       <p:pic>
         <p:nvPicPr>
-          <p:cNvPr id="10" name="Picture 9">
+          <p:cNvPr id="9" name="Picture 8">
             <a:extLst>
               <a:ext uri="{FF2B5EF4-FFF2-40B4-BE49-F238E27FC236}">
-                <a16:creationId xmlns:a16="http://schemas.microsoft.com/office/drawing/2014/main" id="{4F0AE0CB-8038-400C-9D48-F63F7066EA6B}"/>
+                <a16:creationId xmlns:a16="http://schemas.microsoft.com/office/drawing/2014/main" id="{E94B2FD0-2CD2-4A8B-B51D-AC6B0EFB82DD}"/>
               </a:ext>
             </a:extLst>
           </p:cNvPr>
@@ -6951,309 +7096,98 @@
         </p:blipFill>
         <p:spPr>
           <a:xfrm>
-            <a:off x="1755448" y="2537334"/>
-            <a:ext cx="2330402" cy="3533681"/>
+            <a:off x="1649202" y="3132490"/>
+            <a:ext cx="3020346" cy="2270467"/>
           </a:xfrm>
           <a:prstGeom prst="rect">
             <a:avLst/>
           </a:prstGeom>
         </p:spPr>
       </p:pic>
-      <p:sp>
-        <p:nvSpPr>
-          <p:cNvPr id="17" name="Text Placeholder 5">
+      <p:pic>
+        <p:nvPicPr>
+          <p:cNvPr id="11" name="Picture 10">
             <a:extLst>
               <a:ext uri="{FF2B5EF4-FFF2-40B4-BE49-F238E27FC236}">
-                <a16:creationId xmlns:a16="http://schemas.microsoft.com/office/drawing/2014/main" id="{FA1512E2-CC6B-463D-9B01-01EA54C041E9}"/>
+                <a16:creationId xmlns:a16="http://schemas.microsoft.com/office/drawing/2014/main" id="{BCB5BFE6-C027-4196-88AA-F0213A10320F}"/>
               </a:ext>
             </a:extLst>
           </p:cNvPr>
-          <p:cNvSpPr txBox="1">
-            <a:spLocks/>
-          </p:cNvSpPr>
+          <p:cNvPicPr>
+            <a:picLocks noChangeAspect="1"/>
+          </p:cNvPicPr>
           <p:nvPr/>
-        </p:nvSpPr>
-        <p:spPr>
-          <a:xfrm>
-            <a:off x="1291509" y="1607443"/>
-            <a:ext cx="9913781" cy="538188"/>
+        </p:nvPicPr>
+        <p:blipFill>
+          <a:blip r:embed="rId4">
+            <a:extLst>
+              <a:ext uri="{28A0092B-C50C-407E-A947-70E740481C1C}">
+                <a14:useLocalDpi xmlns:a14="http://schemas.microsoft.com/office/drawing/2010/main" val="0"/>
+              </a:ext>
+            </a:extLst>
+          </a:blip>
+          <a:stretch>
+            <a:fillRect/>
+          </a:stretch>
+        </p:blipFill>
+        <p:spPr>
+          <a:xfrm>
+            <a:off x="6834775" y="2802200"/>
+            <a:ext cx="4800375" cy="3283807"/>
           </a:xfrm>
           <a:prstGeom prst="rect">
             <a:avLst/>
           </a:prstGeom>
         </p:spPr>
-        <p:txBody>
-          <a:bodyPr vert="horz" lIns="91440" tIns="45720" rIns="91440" bIns="45720" rtlCol="0" anchor="t">
-            <a:normAutofit/>
-          </a:bodyPr>
-          <a:lstStyle>
-            <a:lvl1pPr marL="0" indent="0" algn="ctr" defTabSz="457200" rtl="0" eaLnBrk="1" latinLnBrk="0" hangingPunct="1">
-              <a:spcBef>
-                <a:spcPct val="20000"/>
-              </a:spcBef>
-              <a:spcAft>
-                <a:spcPts val="600"/>
-              </a:spcAft>
-              <a:buClr>
-                <a:schemeClr val="accent1">
-                  <a:lumMod val="75000"/>
-                </a:schemeClr>
-              </a:buClr>
-              <a:buSzPct val="145000"/>
-              <a:buFont typeface="Arial"/>
-              <a:buNone/>
-              <a:defRPr sz="2000" kern="1200" cap="none">
-                <a:solidFill>
-                  <a:schemeClr val="tx1"/>
-                </a:solidFill>
-                <a:effectLst/>
-                <a:latin typeface="+mn-lt"/>
-                <a:ea typeface="+mn-ea"/>
-                <a:cs typeface="+mn-cs"/>
-              </a:defRPr>
-            </a:lvl1pPr>
-            <a:lvl2pPr marL="457200" indent="0" algn="l" defTabSz="457200" rtl="0" eaLnBrk="1" latinLnBrk="0" hangingPunct="1">
-              <a:spcBef>
-                <a:spcPct val="20000"/>
-              </a:spcBef>
-              <a:spcAft>
-                <a:spcPts val="600"/>
-              </a:spcAft>
-              <a:buClr>
-                <a:schemeClr val="accent1">
-                  <a:lumMod val="75000"/>
-                </a:schemeClr>
-              </a:buClr>
-              <a:buSzPct val="145000"/>
-              <a:buFont typeface="Arial"/>
-              <a:buNone/>
-              <a:defRPr sz="1800" kern="1200" cap="none">
-                <a:solidFill>
-                  <a:schemeClr val="tx1">
-                    <a:tint val="75000"/>
-                  </a:schemeClr>
-                </a:solidFill>
-                <a:effectLst/>
-                <a:latin typeface="+mn-lt"/>
-                <a:ea typeface="+mn-ea"/>
-                <a:cs typeface="+mn-cs"/>
-              </a:defRPr>
-            </a:lvl2pPr>
-            <a:lvl3pPr marL="914400" indent="0" algn="l" defTabSz="457200" rtl="0" eaLnBrk="1" latinLnBrk="0" hangingPunct="1">
-              <a:spcBef>
-                <a:spcPct val="20000"/>
-              </a:spcBef>
-              <a:spcAft>
-                <a:spcPts val="600"/>
-              </a:spcAft>
-              <a:buClr>
-                <a:schemeClr val="accent1">
-                  <a:lumMod val="75000"/>
-                </a:schemeClr>
-              </a:buClr>
-              <a:buSzPct val="145000"/>
-              <a:buFont typeface="Arial"/>
-              <a:buNone/>
-              <a:defRPr sz="1600" kern="1200" cap="none">
-                <a:solidFill>
-                  <a:schemeClr val="tx1">
-                    <a:tint val="75000"/>
-                  </a:schemeClr>
-                </a:solidFill>
-                <a:effectLst/>
-                <a:latin typeface="+mn-lt"/>
-                <a:ea typeface="+mn-ea"/>
-                <a:cs typeface="+mn-cs"/>
-              </a:defRPr>
-            </a:lvl3pPr>
-            <a:lvl4pPr marL="1371600" indent="0" algn="l" defTabSz="457200" rtl="0" eaLnBrk="1" latinLnBrk="0" hangingPunct="1">
-              <a:spcBef>
-                <a:spcPct val="20000"/>
-              </a:spcBef>
-              <a:spcAft>
-                <a:spcPts val="600"/>
-              </a:spcAft>
-              <a:buClr>
-                <a:schemeClr val="accent1">
-                  <a:lumMod val="75000"/>
-                </a:schemeClr>
-              </a:buClr>
-              <a:buSzPct val="145000"/>
-              <a:buFont typeface="Arial"/>
-              <a:buNone/>
-              <a:defRPr sz="1400" kern="1200" cap="none">
-                <a:solidFill>
-                  <a:schemeClr val="tx1">
-                    <a:tint val="75000"/>
-                  </a:schemeClr>
-                </a:solidFill>
-                <a:effectLst/>
-                <a:latin typeface="+mn-lt"/>
-                <a:ea typeface="+mn-ea"/>
-                <a:cs typeface="+mn-cs"/>
-              </a:defRPr>
-            </a:lvl4pPr>
-            <a:lvl5pPr marL="1828800" indent="0" algn="l" defTabSz="457200" rtl="0" eaLnBrk="1" latinLnBrk="0" hangingPunct="1">
-              <a:spcBef>
-                <a:spcPct val="20000"/>
-              </a:spcBef>
-              <a:spcAft>
-                <a:spcPts val="600"/>
-              </a:spcAft>
-              <a:buClr>
-                <a:schemeClr val="accent1">
-                  <a:lumMod val="75000"/>
-                </a:schemeClr>
-              </a:buClr>
-              <a:buSzPct val="145000"/>
-              <a:buFont typeface="Arial"/>
-              <a:buNone/>
-              <a:defRPr sz="1400" kern="1200" cap="none">
-                <a:solidFill>
-                  <a:schemeClr val="tx1">
-                    <a:tint val="75000"/>
-                  </a:schemeClr>
-                </a:solidFill>
-                <a:effectLst/>
-                <a:latin typeface="+mn-lt"/>
-                <a:ea typeface="+mn-ea"/>
-                <a:cs typeface="+mn-cs"/>
-              </a:defRPr>
-            </a:lvl5pPr>
-            <a:lvl6pPr marL="2286000" indent="0" algn="l" defTabSz="457200" rtl="0" eaLnBrk="1" latinLnBrk="0" hangingPunct="1">
-              <a:spcBef>
-                <a:spcPct val="20000"/>
-              </a:spcBef>
-              <a:spcAft>
-                <a:spcPts val="600"/>
-              </a:spcAft>
-              <a:buClr>
-                <a:schemeClr val="accent1">
-                  <a:lumMod val="75000"/>
-                </a:schemeClr>
-              </a:buClr>
-              <a:buSzPct val="145000"/>
-              <a:buFont typeface="Arial"/>
-              <a:buNone/>
-              <a:defRPr sz="1400" kern="1200" cap="none">
-                <a:solidFill>
-                  <a:schemeClr val="tx1">
-                    <a:tint val="75000"/>
-                  </a:schemeClr>
-                </a:solidFill>
-                <a:effectLst/>
-                <a:latin typeface="+mn-lt"/>
-                <a:ea typeface="+mn-ea"/>
-                <a:cs typeface="+mn-cs"/>
-              </a:defRPr>
-            </a:lvl6pPr>
-            <a:lvl7pPr marL="2743200" indent="0" algn="l" defTabSz="457200" rtl="0" eaLnBrk="1" latinLnBrk="0" hangingPunct="1">
-              <a:spcBef>
-                <a:spcPct val="20000"/>
-              </a:spcBef>
-              <a:spcAft>
-                <a:spcPts val="600"/>
-              </a:spcAft>
-              <a:buClr>
-                <a:schemeClr val="accent1">
-                  <a:lumMod val="75000"/>
-                </a:schemeClr>
-              </a:buClr>
-              <a:buSzPct val="145000"/>
-              <a:buFont typeface="Arial"/>
-              <a:buNone/>
-              <a:defRPr sz="1400" kern="1200" cap="none">
-                <a:solidFill>
-                  <a:schemeClr val="tx1">
-                    <a:tint val="75000"/>
-                  </a:schemeClr>
-                </a:solidFill>
-                <a:effectLst/>
-                <a:latin typeface="+mn-lt"/>
-                <a:ea typeface="+mn-ea"/>
-                <a:cs typeface="+mn-cs"/>
-              </a:defRPr>
-            </a:lvl7pPr>
-            <a:lvl8pPr marL="3200400" indent="0" algn="l" defTabSz="457200" rtl="0" eaLnBrk="1" latinLnBrk="0" hangingPunct="1">
-              <a:spcBef>
-                <a:spcPct val="20000"/>
-              </a:spcBef>
-              <a:spcAft>
-                <a:spcPts val="600"/>
-              </a:spcAft>
-              <a:buClr>
-                <a:schemeClr val="accent1">
-                  <a:lumMod val="75000"/>
-                </a:schemeClr>
-              </a:buClr>
-              <a:buSzPct val="145000"/>
-              <a:buFont typeface="Arial"/>
-              <a:buNone/>
-              <a:defRPr sz="1400" kern="1200" cap="none">
-                <a:solidFill>
-                  <a:schemeClr val="tx1">
-                    <a:tint val="75000"/>
-                  </a:schemeClr>
-                </a:solidFill>
-                <a:effectLst/>
-                <a:latin typeface="+mn-lt"/>
-                <a:ea typeface="+mn-ea"/>
-                <a:cs typeface="+mn-cs"/>
-              </a:defRPr>
-            </a:lvl8pPr>
-            <a:lvl9pPr marL="3657600" indent="0" algn="l" defTabSz="457200" rtl="0" eaLnBrk="1" latinLnBrk="0" hangingPunct="1">
-              <a:spcBef>
-                <a:spcPct val="20000"/>
-              </a:spcBef>
-              <a:spcAft>
-                <a:spcPts val="600"/>
-              </a:spcAft>
-              <a:buClr>
-                <a:schemeClr val="accent1">
-                  <a:lumMod val="75000"/>
-                </a:schemeClr>
-              </a:buClr>
-              <a:buSzPct val="145000"/>
-              <a:buFont typeface="Arial"/>
-              <a:buNone/>
-              <a:defRPr sz="1400" kern="1200" cap="none">
-                <a:solidFill>
-                  <a:schemeClr val="tx1">
-                    <a:tint val="75000"/>
-                  </a:schemeClr>
-                </a:solidFill>
-                <a:effectLst/>
-                <a:latin typeface="+mn-lt"/>
-                <a:ea typeface="+mn-ea"/>
-                <a:cs typeface="+mn-cs"/>
-              </a:defRPr>
-            </a:lvl9pPr>
-          </a:lstStyle>
-          <a:p>
-            <a:pPr lvl="1">
-              <a:buClr>
-                <a:schemeClr val="tx1"/>
-              </a:buClr>
-            </a:pPr>
-            <a:r>
-              <a:rPr lang="en-IN" sz="2400"/>
-              <a:t>Checking for null values</a:t>
-            </a:r>
-          </a:p>
-          <a:p>
-            <a:pPr lvl="1">
-              <a:buClr>
-                <a:schemeClr val="tx1"/>
-              </a:buClr>
-            </a:pPr>
-            <a:endParaRPr lang="en-IN" sz="2400" dirty="0"/>
+      </p:pic>
+      <p:sp>
+        <p:nvSpPr>
+          <p:cNvPr id="12" name="Rectangle 11">
+            <a:extLst>
+              <a:ext uri="{FF2B5EF4-FFF2-40B4-BE49-F238E27FC236}">
+                <a16:creationId xmlns:a16="http://schemas.microsoft.com/office/drawing/2014/main" id="{98EDB369-4D64-4115-94A5-7BDD2079B491}"/>
+              </a:ext>
+            </a:extLst>
+          </p:cNvPr>
+          <p:cNvSpPr/>
+          <p:nvPr/>
+        </p:nvSpPr>
+        <p:spPr>
+          <a:xfrm>
+            <a:off x="5696262" y="2802200"/>
+            <a:ext cx="74951" cy="3478679"/>
+          </a:xfrm>
+          <a:prstGeom prst="rect">
+            <a:avLst/>
+          </a:prstGeom>
+        </p:spPr>
+        <p:style>
+          <a:lnRef idx="0">
+            <a:schemeClr val="accent3"/>
+          </a:lnRef>
+          <a:fillRef idx="3">
+            <a:schemeClr val="accent3"/>
+          </a:fillRef>
+          <a:effectRef idx="3">
+            <a:schemeClr val="accent3"/>
+          </a:effectRef>
+          <a:fontRef idx="minor">
+            <a:schemeClr val="lt1"/>
+          </a:fontRef>
+        </p:style>
+        <p:txBody>
+          <a:bodyPr rtlCol="0" anchor="ctr"/>
+          <a:lstStyle/>
+          <a:p>
+            <a:pPr algn="ctr"/>
+            <a:endParaRPr lang="en-IN"/>
           </a:p>
         </p:txBody>
       </p:sp>
     </p:spTree>
     <p:extLst>
       <p:ext uri="{BB962C8B-B14F-4D97-AF65-F5344CB8AC3E}">
-        <p14:creationId xmlns:p14="http://schemas.microsoft.com/office/powerpoint/2010/main" val="1592243477"/>
+        <p14:creationId xmlns:p14="http://schemas.microsoft.com/office/powerpoint/2010/main" val="80207388"/>
       </p:ext>
     </p:extLst>
   </p:cSld>
@@ -7337,8 +7271,8 @@
         </p:nvSpPr>
         <p:spPr>
           <a:xfrm>
-            <a:off x="1139109" y="1455042"/>
-            <a:ext cx="9913781" cy="1973958"/>
+            <a:off x="1139109" y="1455043"/>
+            <a:ext cx="9913781" cy="538188"/>
           </a:xfrm>
         </p:spPr>
         <p:txBody>
@@ -7353,9 +7287,17 @@
               </a:buClr>
             </a:pPr>
             <a:r>
-              <a:rPr lang="en-US" sz="2400" dirty="0"/>
-              <a:t>The Survived column is dependent upon the Age and Embarked column. They contain some null values, to remove the null value we are filling mean in Age column and S in Embarked column because the occurrence of S is more in the Embarked column. We are filling this to utilize the whole data given in the dataset.</a:t>
-            </a:r>
+              <a:rPr lang="en-IN" sz="2400" dirty="0"/>
+              <a:t>Comparing  Sex with Survived</a:t>
+            </a:r>
+          </a:p>
+          <a:p>
+            <a:pPr lvl="1">
+              <a:buClr>
+                <a:schemeClr val="tx1"/>
+              </a:buClr>
+            </a:pPr>
+            <a:endParaRPr lang="en-IN" sz="2400" dirty="0"/>
           </a:p>
         </p:txBody>
       </p:sp>
@@ -7403,12 +7345,56 @@
           </a:p>
         </p:txBody>
       </p:sp>
+      <p:sp>
+        <p:nvSpPr>
+          <p:cNvPr id="12" name="Rectangle 11">
+            <a:extLst>
+              <a:ext uri="{FF2B5EF4-FFF2-40B4-BE49-F238E27FC236}">
+                <a16:creationId xmlns:a16="http://schemas.microsoft.com/office/drawing/2014/main" id="{98EDB369-4D64-4115-94A5-7BDD2079B491}"/>
+              </a:ext>
+            </a:extLst>
+          </p:cNvPr>
+          <p:cNvSpPr/>
+          <p:nvPr/>
+        </p:nvSpPr>
+        <p:spPr>
+          <a:xfrm>
+            <a:off x="5696262" y="2802200"/>
+            <a:ext cx="74951" cy="3478679"/>
+          </a:xfrm>
+          <a:prstGeom prst="rect">
+            <a:avLst/>
+          </a:prstGeom>
+        </p:spPr>
+        <p:style>
+          <a:lnRef idx="0">
+            <a:schemeClr val="accent3"/>
+          </a:lnRef>
+          <a:fillRef idx="3">
+            <a:schemeClr val="accent3"/>
+          </a:fillRef>
+          <a:effectRef idx="3">
+            <a:schemeClr val="accent3"/>
+          </a:effectRef>
+          <a:fontRef idx="minor">
+            <a:schemeClr val="lt1"/>
+          </a:fontRef>
+        </p:style>
+        <p:txBody>
+          <a:bodyPr rtlCol="0" anchor="ctr"/>
+          <a:lstStyle/>
+          <a:p>
+            <a:pPr algn="ctr"/>
+            <a:endParaRPr lang="en-IN"/>
+          </a:p>
+        </p:txBody>
+      </p:sp>
       <p:pic>
         <p:nvPicPr>
           <p:cNvPr id="5" name="Picture 4">
             <a:extLst>
               <a:ext uri="{FF2B5EF4-FFF2-40B4-BE49-F238E27FC236}">
-                <a16:creationId xmlns:a16="http://schemas.microsoft.com/office/drawing/2014/main" id="{097DBD0A-A49E-4F17-BFD5-FD87F9B74946}"/>
+                <a16:creationId xmlns:a16="http://schemas.microsoft.com/office/drawing/2014/main" id="{BFF3CB95-8832-4F04-A875-9E2088E565B5}"/>
               </a:ext>
             </a:extLst>
           </p:cNvPr>
@@ -7431,8 +7417,80 @@
         </p:blipFill>
         <p:spPr>
           <a:xfrm>
-            <a:off x="1649203" y="3664847"/>
-            <a:ext cx="7280397" cy="1002374"/>
+            <a:off x="1623933" y="1919282"/>
+            <a:ext cx="6681436" cy="334741"/>
+          </a:xfrm>
+          <a:prstGeom prst="rect">
+            <a:avLst/>
+          </a:prstGeom>
+        </p:spPr>
+      </p:pic>
+      <p:pic>
+        <p:nvPicPr>
+          <p:cNvPr id="10" name="Picture 9">
+            <a:extLst>
+              <a:ext uri="{FF2B5EF4-FFF2-40B4-BE49-F238E27FC236}">
+                <a16:creationId xmlns:a16="http://schemas.microsoft.com/office/drawing/2014/main" id="{6FBE43B7-FEAC-4D06-A258-A72F0186C71F}"/>
+              </a:ext>
+            </a:extLst>
+          </p:cNvPr>
+          <p:cNvPicPr>
+            <a:picLocks noChangeAspect="1"/>
+          </p:cNvPicPr>
+          <p:nvPr/>
+        </p:nvPicPr>
+        <p:blipFill>
+          <a:blip r:embed="rId3">
+            <a:extLst>
+              <a:ext uri="{28A0092B-C50C-407E-A947-70E740481C1C}">
+                <a14:useLocalDpi xmlns:a14="http://schemas.microsoft.com/office/drawing/2010/main" val="0"/>
+              </a:ext>
+            </a:extLst>
+          </a:blip>
+          <a:stretch>
+            <a:fillRect/>
+          </a:stretch>
+        </p:blipFill>
+        <p:spPr>
+          <a:xfrm>
+            <a:off x="1649203" y="3120385"/>
+            <a:ext cx="2596754" cy="1576601"/>
+          </a:xfrm>
+          <a:prstGeom prst="rect">
+            <a:avLst/>
+          </a:prstGeom>
+        </p:spPr>
+      </p:pic>
+      <p:pic>
+        <p:nvPicPr>
+          <p:cNvPr id="14" name="Picture 13">
+            <a:extLst>
+              <a:ext uri="{FF2B5EF4-FFF2-40B4-BE49-F238E27FC236}">
+                <a16:creationId xmlns:a16="http://schemas.microsoft.com/office/drawing/2014/main" id="{0C5CCA10-1BB3-4FBD-A463-05BD46D37285}"/>
+              </a:ext>
+            </a:extLst>
+          </p:cNvPr>
+          <p:cNvPicPr>
+            <a:picLocks noChangeAspect="1"/>
+          </p:cNvPicPr>
+          <p:nvPr/>
+        </p:nvPicPr>
+        <p:blipFill>
+          <a:blip r:embed="rId4">
+            <a:extLst>
+              <a:ext uri="{28A0092B-C50C-407E-A947-70E740481C1C}">
+                <a14:useLocalDpi xmlns:a14="http://schemas.microsoft.com/office/drawing/2010/main" val="0"/>
+              </a:ext>
+            </a:extLst>
+          </a:blip>
+          <a:stretch>
+            <a:fillRect/>
+          </a:stretch>
+        </p:blipFill>
+        <p:spPr>
+          <a:xfrm>
+            <a:off x="6612178" y="2802200"/>
+            <a:ext cx="4780348" cy="3343767"/>
           </a:xfrm>
           <a:prstGeom prst="rect">
             <a:avLst/>
@@ -7442,7 +7500,7 @@
     </p:spTree>
     <p:extLst>
       <p:ext uri="{BB962C8B-B14F-4D97-AF65-F5344CB8AC3E}">
-        <p14:creationId xmlns:p14="http://schemas.microsoft.com/office/powerpoint/2010/main" val="4140828669"/>
+        <p14:creationId xmlns:p14="http://schemas.microsoft.com/office/powerpoint/2010/main" val="2693296323"/>
       </p:ext>
     </p:extLst>
   </p:cSld>
@@ -7503,7 +7561,7 @@
             <a:pPr algn="l"/>
             <a:r>
               <a:rPr lang="en-IN" sz="4000" dirty="0"/>
-              <a:t>SPLITING DATA FOR TESTING AND TRAINING</a:t>
+              <a:t>DATA   VISUALIZATION</a:t>
             </a:r>
           </a:p>
         </p:txBody>
@@ -7526,8 +7584,8 @@
         </p:nvSpPr>
         <p:spPr>
           <a:xfrm>
-            <a:off x="1139109" y="1455042"/>
-            <a:ext cx="9913781" cy="1243185"/>
+            <a:off x="1139109" y="1455043"/>
+            <a:ext cx="9913781" cy="538188"/>
           </a:xfrm>
         </p:spPr>
         <p:txBody>
@@ -7542,9 +7600,24 @@
               </a:buClr>
             </a:pPr>
             <a:r>
-              <a:rPr lang="en-US" sz="2400" dirty="0"/>
-              <a:t>From the data visualization, there are four main columns where the output depends upon. Age, Sex, P-class, Embarked. These features are stored in the X list and survived is stored in y.</a:t>
-            </a:r>
+              <a:rPr lang="en-IN" sz="2400" dirty="0"/>
+              <a:t>Comparing  </a:t>
+            </a:r>
+            <a:r>
+              <a:rPr lang="en-IN" sz="2400" dirty="0" err="1"/>
+              <a:t>SibSp</a:t>
+            </a:r>
+            <a:r>
+              <a:rPr lang="en-IN" sz="2400" dirty="0"/>
+              <a:t> with Survived</a:t>
+            </a:r>
+          </a:p>
+          <a:p>
+            <a:pPr lvl="1">
+              <a:buClr>
+                <a:schemeClr val="tx1"/>
+              </a:buClr>
+            </a:pPr>
             <a:endParaRPr lang="en-IN" sz="2400" dirty="0"/>
           </a:p>
         </p:txBody>
@@ -7593,12 +7666,56 @@
           </a:p>
         </p:txBody>
       </p:sp>
+      <p:sp>
+        <p:nvSpPr>
+          <p:cNvPr id="12" name="Rectangle 11">
+            <a:extLst>
+              <a:ext uri="{FF2B5EF4-FFF2-40B4-BE49-F238E27FC236}">
+                <a16:creationId xmlns:a16="http://schemas.microsoft.com/office/drawing/2014/main" id="{98EDB369-4D64-4115-94A5-7BDD2079B491}"/>
+              </a:ext>
+            </a:extLst>
+          </p:cNvPr>
+          <p:cNvSpPr/>
+          <p:nvPr/>
+        </p:nvSpPr>
+        <p:spPr>
+          <a:xfrm>
+            <a:off x="5696262" y="2802200"/>
+            <a:ext cx="74951" cy="3478679"/>
+          </a:xfrm>
+          <a:prstGeom prst="rect">
+            <a:avLst/>
+          </a:prstGeom>
+        </p:spPr>
+        <p:style>
+          <a:lnRef idx="0">
+            <a:schemeClr val="accent3"/>
+          </a:lnRef>
+          <a:fillRef idx="3">
+            <a:schemeClr val="accent3"/>
+          </a:fillRef>
+          <a:effectRef idx="3">
+            <a:schemeClr val="accent3"/>
+          </a:effectRef>
+          <a:fontRef idx="minor">
+            <a:schemeClr val="lt1"/>
+          </a:fontRef>
+        </p:style>
+        <p:txBody>
+          <a:bodyPr rtlCol="0" anchor="ctr"/>
+          <a:lstStyle/>
+          <a:p>
+            <a:pPr algn="ctr"/>
+            <a:endParaRPr lang="en-IN"/>
+          </a:p>
+        </p:txBody>
+      </p:sp>
       <p:pic>
         <p:nvPicPr>
-          <p:cNvPr id="7" name="Picture 6">
+          <p:cNvPr id="5" name="Picture 4">
             <a:extLst>
               <a:ext uri="{FF2B5EF4-FFF2-40B4-BE49-F238E27FC236}">
-                <a16:creationId xmlns:a16="http://schemas.microsoft.com/office/drawing/2014/main" id="{A1CD9F02-D61E-4229-BCBB-724549152C70}"/>
+                <a16:creationId xmlns:a16="http://schemas.microsoft.com/office/drawing/2014/main" id="{B1ECC571-7E79-4310-8824-EB6A8E90B95F}"/>
               </a:ext>
             </a:extLst>
           </p:cNvPr>
@@ -7621,8 +7738,80 @@
         </p:blipFill>
         <p:spPr>
           <a:xfrm>
-            <a:off x="1649203" y="2858443"/>
-            <a:ext cx="8686088" cy="2942750"/>
+            <a:off x="1616439" y="1993230"/>
+            <a:ext cx="6625367" cy="377646"/>
+          </a:xfrm>
+          <a:prstGeom prst="rect">
+            <a:avLst/>
+          </a:prstGeom>
+        </p:spPr>
+      </p:pic>
+      <p:pic>
+        <p:nvPicPr>
+          <p:cNvPr id="10" name="Picture 9">
+            <a:extLst>
+              <a:ext uri="{FF2B5EF4-FFF2-40B4-BE49-F238E27FC236}">
+                <a16:creationId xmlns:a16="http://schemas.microsoft.com/office/drawing/2014/main" id="{97132A56-574C-458E-9382-419322481345}"/>
+              </a:ext>
+            </a:extLst>
+          </p:cNvPr>
+          <p:cNvPicPr>
+            <a:picLocks noChangeAspect="1"/>
+          </p:cNvPicPr>
+          <p:nvPr/>
+        </p:nvPicPr>
+        <p:blipFill>
+          <a:blip r:embed="rId3">
+            <a:extLst>
+              <a:ext uri="{28A0092B-C50C-407E-A947-70E740481C1C}">
+                <a14:useLocalDpi xmlns:a14="http://schemas.microsoft.com/office/drawing/2010/main" val="0"/>
+              </a:ext>
+            </a:extLst>
+          </a:blip>
+          <a:stretch>
+            <a:fillRect/>
+          </a:stretch>
+        </p:blipFill>
+        <p:spPr>
+          <a:xfrm>
+            <a:off x="1649203" y="2802200"/>
+            <a:ext cx="1978417" cy="3119256"/>
+          </a:xfrm>
+          <a:prstGeom prst="rect">
+            <a:avLst/>
+          </a:prstGeom>
+        </p:spPr>
+      </p:pic>
+      <p:pic>
+        <p:nvPicPr>
+          <p:cNvPr id="14" name="Picture 13">
+            <a:extLst>
+              <a:ext uri="{FF2B5EF4-FFF2-40B4-BE49-F238E27FC236}">
+                <a16:creationId xmlns:a16="http://schemas.microsoft.com/office/drawing/2014/main" id="{813B1734-73F3-4C52-A004-F5AB6058DEF7}"/>
+              </a:ext>
+            </a:extLst>
+          </p:cNvPr>
+          <p:cNvPicPr>
+            <a:picLocks noChangeAspect="1"/>
+          </p:cNvPicPr>
+          <p:nvPr/>
+        </p:nvPicPr>
+        <p:blipFill>
+          <a:blip r:embed="rId4">
+            <a:extLst>
+              <a:ext uri="{28A0092B-C50C-407E-A947-70E740481C1C}">
+                <a14:useLocalDpi xmlns:a14="http://schemas.microsoft.com/office/drawing/2010/main" val="0"/>
+              </a:ext>
+            </a:extLst>
+          </a:blip>
+          <a:stretch>
+            <a:fillRect/>
+          </a:stretch>
+        </p:blipFill>
+        <p:spPr>
+          <a:xfrm>
+            <a:off x="6346838" y="2802200"/>
+            <a:ext cx="5007188" cy="3478678"/>
           </a:xfrm>
           <a:prstGeom prst="rect">
             <a:avLst/>
@@ -7632,7 +7821,7 @@
     </p:spTree>
     <p:extLst>
       <p:ext uri="{BB962C8B-B14F-4D97-AF65-F5344CB8AC3E}">
-        <p14:creationId xmlns:p14="http://schemas.microsoft.com/office/powerpoint/2010/main" val="1318252294"/>
+        <p14:creationId xmlns:p14="http://schemas.microsoft.com/office/powerpoint/2010/main" val="1410007095"/>
       </p:ext>
     </p:extLst>
   </p:cSld>
@@ -7680,8 +7869,8 @@
         </p:nvSpPr>
         <p:spPr>
           <a:xfrm>
-            <a:off x="1616439" y="569626"/>
-            <a:ext cx="10018711" cy="779489"/>
+            <a:off x="1616439" y="-677124"/>
+            <a:ext cx="10018711" cy="3048000"/>
           </a:xfrm>
         </p:spPr>
         <p:txBody>
@@ -7692,10 +7881,57 @@
           <a:p>
             <a:pPr algn="l"/>
             <a:r>
-              <a:rPr lang="en-US" sz="4000" dirty="0"/>
-              <a:t>Training Data using Decision Tree</a:t>
-            </a:r>
-            <a:endParaRPr lang="en-IN" sz="4000" dirty="0"/>
+              <a:rPr lang="en-IN" sz="4000" dirty="0"/>
+              <a:t>DATA   VISUALIZATION</a:t>
+            </a:r>
+          </a:p>
+        </p:txBody>
+      </p:sp>
+      <p:sp>
+        <p:nvSpPr>
+          <p:cNvPr id="6" name="Text Placeholder 5">
+            <a:extLst>
+              <a:ext uri="{FF2B5EF4-FFF2-40B4-BE49-F238E27FC236}">
+                <a16:creationId xmlns:a16="http://schemas.microsoft.com/office/drawing/2014/main" id="{C67787DD-8D7A-4908-BC9D-1662A06AE8E9}"/>
+              </a:ext>
+            </a:extLst>
+          </p:cNvPr>
+          <p:cNvSpPr>
+            <a:spLocks noGrp="1"/>
+          </p:cNvSpPr>
+          <p:nvPr>
+            <p:ph type="body" idx="1"/>
+          </p:nvPr>
+        </p:nvSpPr>
+        <p:spPr>
+          <a:xfrm>
+            <a:off x="1139109" y="1455043"/>
+            <a:ext cx="9913781" cy="538188"/>
+          </a:xfrm>
+        </p:spPr>
+        <p:txBody>
+          <a:bodyPr anchor="t">
+            <a:normAutofit/>
+          </a:bodyPr>
+          <a:lstStyle/>
+          <a:p>
+            <a:pPr lvl="1">
+              <a:buClr>
+                <a:schemeClr val="tx1"/>
+              </a:buClr>
+            </a:pPr>
+            <a:r>
+              <a:rPr lang="en-IN" sz="2400" dirty="0"/>
+              <a:t>Comparing  Parch with Survived</a:t>
+            </a:r>
+          </a:p>
+          <a:p>
+            <a:pPr lvl="1">
+              <a:buClr>
+                <a:schemeClr val="tx1"/>
+              </a:buClr>
+            </a:pPr>
+            <a:endParaRPr lang="en-IN" sz="2400" dirty="0"/>
           </a:p>
         </p:txBody>
       </p:sp>
@@ -7743,12 +7979,56 @@
           </a:p>
         </p:txBody>
       </p:sp>
+      <p:sp>
+        <p:nvSpPr>
+          <p:cNvPr id="12" name="Rectangle 11">
+            <a:extLst>
+              <a:ext uri="{FF2B5EF4-FFF2-40B4-BE49-F238E27FC236}">
+                <a16:creationId xmlns:a16="http://schemas.microsoft.com/office/drawing/2014/main" id="{98EDB369-4D64-4115-94A5-7BDD2079B491}"/>
+              </a:ext>
+            </a:extLst>
+          </p:cNvPr>
+          <p:cNvSpPr/>
+          <p:nvPr/>
+        </p:nvSpPr>
+        <p:spPr>
+          <a:xfrm>
+            <a:off x="5696262" y="2802200"/>
+            <a:ext cx="74951" cy="3478679"/>
+          </a:xfrm>
+          <a:prstGeom prst="rect">
+            <a:avLst/>
+          </a:prstGeom>
+        </p:spPr>
+        <p:style>
+          <a:lnRef idx="0">
+            <a:schemeClr val="accent3"/>
+          </a:lnRef>
+          <a:fillRef idx="3">
+            <a:schemeClr val="accent3"/>
+          </a:fillRef>
+          <a:effectRef idx="3">
+            <a:schemeClr val="accent3"/>
+          </a:effectRef>
+          <a:fontRef idx="minor">
+            <a:schemeClr val="lt1"/>
+          </a:fontRef>
+        </p:style>
+        <p:txBody>
+          <a:bodyPr rtlCol="0" anchor="ctr"/>
+          <a:lstStyle/>
+          <a:p>
+            <a:pPr algn="ctr"/>
+            <a:endParaRPr lang="en-IN"/>
+          </a:p>
+        </p:txBody>
+      </p:sp>
       <p:pic>
         <p:nvPicPr>
-          <p:cNvPr id="11" name="Picture 10">
+          <p:cNvPr id="5" name="Picture 4">
             <a:extLst>
               <a:ext uri="{FF2B5EF4-FFF2-40B4-BE49-F238E27FC236}">
-                <a16:creationId xmlns:a16="http://schemas.microsoft.com/office/drawing/2014/main" id="{3EDAC0B0-9703-4CCC-9634-9449FD076A7D}"/>
+                <a16:creationId xmlns:a16="http://schemas.microsoft.com/office/drawing/2014/main" id="{DEF1F1AC-7D70-4034-8E7C-8B19CD6B68DE}"/>
               </a:ext>
             </a:extLst>
           </p:cNvPr>
@@ -7771,8 +8051,80 @@
         </p:blipFill>
         <p:spPr>
           <a:xfrm>
-            <a:off x="1889046" y="1475535"/>
-            <a:ext cx="8034443" cy="4546733"/>
+            <a:off x="1649202" y="1991650"/>
+            <a:ext cx="7060083" cy="379226"/>
+          </a:xfrm>
+          <a:prstGeom prst="rect">
+            <a:avLst/>
+          </a:prstGeom>
+        </p:spPr>
+      </p:pic>
+      <p:pic>
+        <p:nvPicPr>
+          <p:cNvPr id="10" name="Picture 9">
+            <a:extLst>
+              <a:ext uri="{FF2B5EF4-FFF2-40B4-BE49-F238E27FC236}">
+                <a16:creationId xmlns:a16="http://schemas.microsoft.com/office/drawing/2014/main" id="{807F1D8C-2D9F-4823-9567-9EE4D0F2402B}"/>
+              </a:ext>
+            </a:extLst>
+          </p:cNvPr>
+          <p:cNvPicPr>
+            <a:picLocks noChangeAspect="1"/>
+          </p:cNvPicPr>
+          <p:nvPr/>
+        </p:nvPicPr>
+        <p:blipFill>
+          <a:blip r:embed="rId3">
+            <a:extLst>
+              <a:ext uri="{28A0092B-C50C-407E-A947-70E740481C1C}">
+                <a14:useLocalDpi xmlns:a14="http://schemas.microsoft.com/office/drawing/2010/main" val="0"/>
+              </a:ext>
+            </a:extLst>
+          </a:blip>
+          <a:stretch>
+            <a:fillRect/>
+          </a:stretch>
+        </p:blipFill>
+        <p:spPr>
+          <a:xfrm>
+            <a:off x="1616439" y="2802200"/>
+            <a:ext cx="2071559" cy="3283807"/>
+          </a:xfrm>
+          <a:prstGeom prst="rect">
+            <a:avLst/>
+          </a:prstGeom>
+        </p:spPr>
+      </p:pic>
+      <p:pic>
+        <p:nvPicPr>
+          <p:cNvPr id="14" name="Picture 13">
+            <a:extLst>
+              <a:ext uri="{FF2B5EF4-FFF2-40B4-BE49-F238E27FC236}">
+                <a16:creationId xmlns:a16="http://schemas.microsoft.com/office/drawing/2014/main" id="{6CE96BAB-53E3-4E07-8CDC-8D5C40D8264E}"/>
+              </a:ext>
+            </a:extLst>
+          </p:cNvPr>
+          <p:cNvPicPr>
+            <a:picLocks noChangeAspect="1"/>
+          </p:cNvPicPr>
+          <p:nvPr/>
+        </p:nvPicPr>
+        <p:blipFill>
+          <a:blip r:embed="rId4">
+            <a:extLst>
+              <a:ext uri="{28A0092B-C50C-407E-A947-70E740481C1C}">
+                <a14:useLocalDpi xmlns:a14="http://schemas.microsoft.com/office/drawing/2010/main" val="0"/>
+              </a:ext>
+            </a:extLst>
+          </a:blip>
+          <a:stretch>
+            <a:fillRect/>
+          </a:stretch>
+        </p:blipFill>
+        <p:spPr>
+          <a:xfrm>
+            <a:off x="5947301" y="2802200"/>
+            <a:ext cx="5105589" cy="3478679"/>
           </a:xfrm>
           <a:prstGeom prst="rect">
             <a:avLst/>
@@ -7782,7 +8134,7 @@
     </p:spTree>
     <p:extLst>
       <p:ext uri="{BB962C8B-B14F-4D97-AF65-F5344CB8AC3E}">
-        <p14:creationId xmlns:p14="http://schemas.microsoft.com/office/powerpoint/2010/main" val="1915401415"/>
+        <p14:creationId xmlns:p14="http://schemas.microsoft.com/office/powerpoint/2010/main" val="237419994"/>
       </p:ext>
     </p:extLst>
   </p:cSld>
@@ -7830,8 +8182,8 @@
         </p:nvSpPr>
         <p:spPr>
           <a:xfrm>
-            <a:off x="1616439" y="569626"/>
-            <a:ext cx="10018711" cy="779489"/>
+            <a:off x="1616439" y="-677124"/>
+            <a:ext cx="10018711" cy="3048000"/>
           </a:xfrm>
         </p:spPr>
         <p:txBody>
@@ -7842,10 +8194,57 @@
           <a:p>
             <a:pPr algn="l"/>
             <a:r>
-              <a:rPr lang="en-US" sz="4000" dirty="0"/>
-              <a:t>Training Data using Random Forest Classifier</a:t>
-            </a:r>
-            <a:endParaRPr lang="en-IN" sz="4000" dirty="0"/>
+              <a:rPr lang="en-IN" sz="4000" dirty="0"/>
+              <a:t>DATA   VISUALIZATION</a:t>
+            </a:r>
+          </a:p>
+        </p:txBody>
+      </p:sp>
+      <p:sp>
+        <p:nvSpPr>
+          <p:cNvPr id="6" name="Text Placeholder 5">
+            <a:extLst>
+              <a:ext uri="{FF2B5EF4-FFF2-40B4-BE49-F238E27FC236}">
+                <a16:creationId xmlns:a16="http://schemas.microsoft.com/office/drawing/2014/main" id="{C67787DD-8D7A-4908-BC9D-1662A06AE8E9}"/>
+              </a:ext>
+            </a:extLst>
+          </p:cNvPr>
+          <p:cNvSpPr>
+            <a:spLocks noGrp="1"/>
+          </p:cNvSpPr>
+          <p:nvPr>
+            <p:ph type="body" idx="1"/>
+          </p:nvPr>
+        </p:nvSpPr>
+        <p:spPr>
+          <a:xfrm>
+            <a:off x="1139109" y="1455043"/>
+            <a:ext cx="9913781" cy="538188"/>
+          </a:xfrm>
+        </p:spPr>
+        <p:txBody>
+          <a:bodyPr anchor="t">
+            <a:normAutofit/>
+          </a:bodyPr>
+          <a:lstStyle/>
+          <a:p>
+            <a:pPr lvl="1">
+              <a:buClr>
+                <a:schemeClr val="tx1"/>
+              </a:buClr>
+            </a:pPr>
+            <a:r>
+              <a:rPr lang="en-IN" sz="2400" dirty="0"/>
+              <a:t>Comparing  Embarked with Survived</a:t>
+            </a:r>
+          </a:p>
+          <a:p>
+            <a:pPr lvl="1">
+              <a:buClr>
+                <a:schemeClr val="tx1"/>
+              </a:buClr>
+            </a:pPr>
+            <a:endParaRPr lang="en-IN" sz="2400" dirty="0"/>
           </a:p>
         </p:txBody>
       </p:sp>
@@ -7893,12 +8292,56 @@
           </a:p>
         </p:txBody>
       </p:sp>
+      <p:sp>
+        <p:nvSpPr>
+          <p:cNvPr id="12" name="Rectangle 11">
+            <a:extLst>
+              <a:ext uri="{FF2B5EF4-FFF2-40B4-BE49-F238E27FC236}">
+                <a16:creationId xmlns:a16="http://schemas.microsoft.com/office/drawing/2014/main" id="{98EDB369-4D64-4115-94A5-7BDD2079B491}"/>
+              </a:ext>
+            </a:extLst>
+          </p:cNvPr>
+          <p:cNvSpPr/>
+          <p:nvPr/>
+        </p:nvSpPr>
+        <p:spPr>
+          <a:xfrm>
+            <a:off x="5696262" y="2802200"/>
+            <a:ext cx="74951" cy="3478679"/>
+          </a:xfrm>
+          <a:prstGeom prst="rect">
+            <a:avLst/>
+          </a:prstGeom>
+        </p:spPr>
+        <p:style>
+          <a:lnRef idx="0">
+            <a:schemeClr val="accent3"/>
+          </a:lnRef>
+          <a:fillRef idx="3">
+            <a:schemeClr val="accent3"/>
+          </a:fillRef>
+          <a:effectRef idx="3">
+            <a:schemeClr val="accent3"/>
+          </a:effectRef>
+          <a:fontRef idx="minor">
+            <a:schemeClr val="lt1"/>
+          </a:fontRef>
+        </p:style>
+        <p:txBody>
+          <a:bodyPr rtlCol="0" anchor="ctr"/>
+          <a:lstStyle/>
+          <a:p>
+            <a:pPr algn="ctr"/>
+            <a:endParaRPr lang="en-IN"/>
+          </a:p>
+        </p:txBody>
+      </p:sp>
       <p:pic>
         <p:nvPicPr>
           <p:cNvPr id="5" name="Picture 4">
             <a:extLst>
               <a:ext uri="{FF2B5EF4-FFF2-40B4-BE49-F238E27FC236}">
-                <a16:creationId xmlns:a16="http://schemas.microsoft.com/office/drawing/2014/main" id="{523FFDD8-FD45-4061-94E4-95DC21BE934D}"/>
+                <a16:creationId xmlns:a16="http://schemas.microsoft.com/office/drawing/2014/main" id="{3017FF28-823E-47E1-958B-9D21EB221FB7}"/>
               </a:ext>
             </a:extLst>
           </p:cNvPr>
@@ -7921,8 +8364,80 @@
         </p:blipFill>
         <p:spPr>
           <a:xfrm>
-            <a:off x="2006939" y="1485762"/>
-            <a:ext cx="7376904" cy="4708971"/>
+            <a:off x="1649202" y="2002510"/>
+            <a:ext cx="8146541" cy="368366"/>
+          </a:xfrm>
+          <a:prstGeom prst="rect">
+            <a:avLst/>
+          </a:prstGeom>
+        </p:spPr>
+      </p:pic>
+      <p:pic>
+        <p:nvPicPr>
+          <p:cNvPr id="10" name="Picture 9">
+            <a:extLst>
+              <a:ext uri="{FF2B5EF4-FFF2-40B4-BE49-F238E27FC236}">
+                <a16:creationId xmlns:a16="http://schemas.microsoft.com/office/drawing/2014/main" id="{BCD3FF3E-417A-4732-83C5-ADCFA49B9815}"/>
+              </a:ext>
+            </a:extLst>
+          </p:cNvPr>
+          <p:cNvPicPr>
+            <a:picLocks noChangeAspect="1"/>
+          </p:cNvPicPr>
+          <p:nvPr/>
+        </p:nvPicPr>
+        <p:blipFill>
+          <a:blip r:embed="rId3">
+            <a:extLst>
+              <a:ext uri="{28A0092B-C50C-407E-A947-70E740481C1C}">
+                <a14:useLocalDpi xmlns:a14="http://schemas.microsoft.com/office/drawing/2010/main" val="0"/>
+              </a:ext>
+            </a:extLst>
+          </a:blip>
+          <a:stretch>
+            <a:fillRect/>
+          </a:stretch>
+        </p:blipFill>
+        <p:spPr>
+          <a:xfrm>
+            <a:off x="1649202" y="2802200"/>
+            <a:ext cx="3191810" cy="2114574"/>
+          </a:xfrm>
+          <a:prstGeom prst="rect">
+            <a:avLst/>
+          </a:prstGeom>
+        </p:spPr>
+      </p:pic>
+      <p:pic>
+        <p:nvPicPr>
+          <p:cNvPr id="14" name="Picture 13">
+            <a:extLst>
+              <a:ext uri="{FF2B5EF4-FFF2-40B4-BE49-F238E27FC236}">
+                <a16:creationId xmlns:a16="http://schemas.microsoft.com/office/drawing/2014/main" id="{1C931B53-B782-4737-86B9-B878EBA07B94}"/>
+              </a:ext>
+            </a:extLst>
+          </p:cNvPr>
+          <p:cNvPicPr>
+            <a:picLocks noChangeAspect="1"/>
+          </p:cNvPicPr>
+          <p:nvPr/>
+        </p:nvPicPr>
+        <p:blipFill>
+          <a:blip r:embed="rId4">
+            <a:extLst>
+              <a:ext uri="{28A0092B-C50C-407E-A947-70E740481C1C}">
+                <a14:useLocalDpi xmlns:a14="http://schemas.microsoft.com/office/drawing/2010/main" val="0"/>
+              </a:ext>
+            </a:extLst>
+          </a:blip>
+          <a:stretch>
+            <a:fillRect/>
+          </a:stretch>
+        </p:blipFill>
+        <p:spPr>
+          <a:xfrm>
+            <a:off x="6517093" y="2802199"/>
+            <a:ext cx="5118057" cy="3478679"/>
           </a:xfrm>
           <a:prstGeom prst="rect">
             <a:avLst/>
@@ -7932,7 +8447,7 @@
     </p:spTree>
     <p:extLst>
       <p:ext uri="{BB962C8B-B14F-4D97-AF65-F5344CB8AC3E}">
-        <p14:creationId xmlns:p14="http://schemas.microsoft.com/office/powerpoint/2010/main" val="2432351012"/>
+        <p14:creationId xmlns:p14="http://schemas.microsoft.com/office/powerpoint/2010/main" val="3599123523"/>
       </p:ext>
     </p:extLst>
   </p:cSld>
@@ -7980,8 +8495,8 @@
         </p:nvSpPr>
         <p:spPr>
           <a:xfrm>
-            <a:off x="1616439" y="569626"/>
-            <a:ext cx="10018711" cy="779489"/>
+            <a:off x="1616439" y="-677124"/>
+            <a:ext cx="10018711" cy="3048000"/>
           </a:xfrm>
         </p:spPr>
         <p:txBody>
@@ -7992,14 +8507,57 @@
           <a:p>
             <a:pPr algn="l"/>
             <a:r>
-              <a:rPr lang="en-US" sz="4000" dirty="0"/>
-              <a:t>Training Data using </a:t>
-            </a:r>
-            <a:r>
-              <a:rPr lang="en-US" sz="4000" dirty="0" err="1"/>
-              <a:t>GaussianNB</a:t>
-            </a:r>
-            <a:endParaRPr lang="en-IN" sz="4000" dirty="0"/>
+              <a:rPr lang="en-IN" sz="4000" dirty="0"/>
+              <a:t>DATA   VISUALIZATION</a:t>
+            </a:r>
+          </a:p>
+        </p:txBody>
+      </p:sp>
+      <p:sp>
+        <p:nvSpPr>
+          <p:cNvPr id="6" name="Text Placeholder 5">
+            <a:extLst>
+              <a:ext uri="{FF2B5EF4-FFF2-40B4-BE49-F238E27FC236}">
+                <a16:creationId xmlns:a16="http://schemas.microsoft.com/office/drawing/2014/main" id="{C67787DD-8D7A-4908-BC9D-1662A06AE8E9}"/>
+              </a:ext>
+            </a:extLst>
+          </p:cNvPr>
+          <p:cNvSpPr>
+            <a:spLocks noGrp="1"/>
+          </p:cNvSpPr>
+          <p:nvPr>
+            <p:ph type="body" idx="1"/>
+          </p:nvPr>
+        </p:nvSpPr>
+        <p:spPr>
+          <a:xfrm>
+            <a:off x="1139109" y="1455043"/>
+            <a:ext cx="9913781" cy="538188"/>
+          </a:xfrm>
+        </p:spPr>
+        <p:txBody>
+          <a:bodyPr anchor="t">
+            <a:normAutofit/>
+          </a:bodyPr>
+          <a:lstStyle/>
+          <a:p>
+            <a:pPr lvl="1">
+              <a:buClr>
+                <a:schemeClr val="tx1"/>
+              </a:buClr>
+            </a:pPr>
+            <a:r>
+              <a:rPr lang="en-IN" sz="2400" dirty="0"/>
+              <a:t>Checking Max, Min, Mean, Mode</a:t>
+            </a:r>
+          </a:p>
+          <a:p>
+            <a:pPr lvl="1">
+              <a:buClr>
+                <a:schemeClr val="tx1"/>
+              </a:buClr>
+            </a:pPr>
+            <a:endParaRPr lang="en-IN" sz="2400" dirty="0"/>
           </a:p>
         </p:txBody>
       </p:sp>
@@ -8047,12 +8605,47 @@
           </a:p>
         </p:txBody>
       </p:sp>
+      <p:sp>
+        <p:nvSpPr>
+          <p:cNvPr id="4" name="TextBox 3">
+            <a:extLst>
+              <a:ext uri="{FF2B5EF4-FFF2-40B4-BE49-F238E27FC236}">
+                <a16:creationId xmlns:a16="http://schemas.microsoft.com/office/drawing/2014/main" id="{E38A6E76-BCAF-4013-B908-C459D04107F1}"/>
+              </a:ext>
+            </a:extLst>
+          </p:cNvPr>
+          <p:cNvSpPr txBox="1"/>
+          <p:nvPr/>
+        </p:nvSpPr>
+        <p:spPr>
+          <a:xfrm>
+            <a:off x="1616439" y="2005701"/>
+            <a:ext cx="7329905" cy="369332"/>
+          </a:xfrm>
+          <a:prstGeom prst="rect">
+            <a:avLst/>
+          </a:prstGeom>
+          <a:noFill/>
+        </p:spPr>
+        <p:txBody>
+          <a:bodyPr wrap="square" rtlCol="0">
+            <a:spAutoFit/>
+          </a:bodyPr>
+          <a:lstStyle/>
+          <a:p>
+            <a:r>
+              <a:rPr lang="en-IN" dirty="0"/>
+              <a:t>For Fare:</a:t>
+            </a:r>
+          </a:p>
+        </p:txBody>
+      </p:sp>
       <p:pic>
         <p:nvPicPr>
-          <p:cNvPr id="6" name="Picture 5">
+          <p:cNvPr id="8" name="Picture 7">
             <a:extLst>
               <a:ext uri="{FF2B5EF4-FFF2-40B4-BE49-F238E27FC236}">
-                <a16:creationId xmlns:a16="http://schemas.microsoft.com/office/drawing/2014/main" id="{D9BF7125-1F8C-4E5D-9D2F-A9D9BFF5CDE4}"/>
+                <a16:creationId xmlns:a16="http://schemas.microsoft.com/office/drawing/2014/main" id="{F89F3B13-B22B-4F54-9FF1-8B888E97D87A}"/>
               </a:ext>
             </a:extLst>
           </p:cNvPr>
@@ -8075,8 +8668,151 @@
         </p:blipFill>
         <p:spPr>
           <a:xfrm>
-            <a:off x="2186707" y="1494147"/>
-            <a:ext cx="6747429" cy="4794227"/>
+            <a:off x="2844138" y="1993231"/>
+            <a:ext cx="5033856" cy="369332"/>
+          </a:xfrm>
+          <a:prstGeom prst="rect">
+            <a:avLst/>
+          </a:prstGeom>
+        </p:spPr>
+      </p:pic>
+      <p:pic>
+        <p:nvPicPr>
+          <p:cNvPr id="11" name="Picture 10">
+            <a:extLst>
+              <a:ext uri="{FF2B5EF4-FFF2-40B4-BE49-F238E27FC236}">
+                <a16:creationId xmlns:a16="http://schemas.microsoft.com/office/drawing/2014/main" id="{A84A404D-682A-4A22-BB27-8AAB807FB1E0}"/>
+              </a:ext>
+            </a:extLst>
+          </p:cNvPr>
+          <p:cNvPicPr>
+            <a:picLocks noChangeAspect="1"/>
+          </p:cNvPicPr>
+          <p:nvPr/>
+        </p:nvPicPr>
+        <p:blipFill>
+          <a:blip r:embed="rId3">
+            <a:extLst>
+              <a:ext uri="{28A0092B-C50C-407E-A947-70E740481C1C}">
+                <a14:useLocalDpi xmlns:a14="http://schemas.microsoft.com/office/drawing/2010/main" val="0"/>
+              </a:ext>
+            </a:extLst>
+          </a:blip>
+          <a:stretch>
+            <a:fillRect/>
+          </a:stretch>
+        </p:blipFill>
+        <p:spPr>
+          <a:xfrm>
+            <a:off x="2844138" y="2476804"/>
+            <a:ext cx="2904042" cy="1238691"/>
+          </a:xfrm>
+          <a:prstGeom prst="rect">
+            <a:avLst/>
+          </a:prstGeom>
+        </p:spPr>
+      </p:pic>
+      <p:sp>
+        <p:nvSpPr>
+          <p:cNvPr id="15" name="TextBox 14">
+            <a:extLst>
+              <a:ext uri="{FF2B5EF4-FFF2-40B4-BE49-F238E27FC236}">
+                <a16:creationId xmlns:a16="http://schemas.microsoft.com/office/drawing/2014/main" id="{7FE06B0D-B032-4996-B04F-E75E22792EFC}"/>
+              </a:ext>
+            </a:extLst>
+          </p:cNvPr>
+          <p:cNvSpPr txBox="1"/>
+          <p:nvPr/>
+        </p:nvSpPr>
+        <p:spPr>
+          <a:xfrm>
+            <a:off x="1616438" y="3971384"/>
+            <a:ext cx="7329905" cy="369332"/>
+          </a:xfrm>
+          <a:prstGeom prst="rect">
+            <a:avLst/>
+          </a:prstGeom>
+          <a:noFill/>
+        </p:spPr>
+        <p:txBody>
+          <a:bodyPr wrap="square" rtlCol="0">
+            <a:spAutoFit/>
+          </a:bodyPr>
+          <a:lstStyle/>
+          <a:p>
+            <a:r>
+              <a:rPr lang="en-IN" dirty="0"/>
+              <a:t>For Age:</a:t>
+            </a:r>
+          </a:p>
+        </p:txBody>
+      </p:sp>
+      <p:pic>
+        <p:nvPicPr>
+          <p:cNvPr id="16" name="Picture 15">
+            <a:extLst>
+              <a:ext uri="{FF2B5EF4-FFF2-40B4-BE49-F238E27FC236}">
+                <a16:creationId xmlns:a16="http://schemas.microsoft.com/office/drawing/2014/main" id="{0ED6A239-7665-426E-A57C-DFCFA2488AF9}"/>
+              </a:ext>
+            </a:extLst>
+          </p:cNvPr>
+          <p:cNvPicPr>
+            <a:picLocks noChangeAspect="1"/>
+          </p:cNvPicPr>
+          <p:nvPr/>
+        </p:nvPicPr>
+        <p:blipFill>
+          <a:blip r:embed="rId4">
+            <a:extLst>
+              <a:ext uri="{28A0092B-C50C-407E-A947-70E740481C1C}">
+                <a14:useLocalDpi xmlns:a14="http://schemas.microsoft.com/office/drawing/2010/main" val="0"/>
+              </a:ext>
+            </a:extLst>
+          </a:blip>
+          <a:stretch>
+            <a:fillRect/>
+          </a:stretch>
+        </p:blipFill>
+        <p:spPr>
+          <a:xfrm>
+            <a:off x="2844138" y="3975541"/>
+            <a:ext cx="5235560" cy="348071"/>
+          </a:xfrm>
+          <a:prstGeom prst="rect">
+            <a:avLst/>
+          </a:prstGeom>
+        </p:spPr>
+      </p:pic>
+      <p:pic>
+        <p:nvPicPr>
+          <p:cNvPr id="18" name="Picture 17">
+            <a:extLst>
+              <a:ext uri="{FF2B5EF4-FFF2-40B4-BE49-F238E27FC236}">
+                <a16:creationId xmlns:a16="http://schemas.microsoft.com/office/drawing/2014/main" id="{DA5F893E-EC10-4984-A09C-5F2EF26C8739}"/>
+              </a:ext>
+            </a:extLst>
+          </p:cNvPr>
+          <p:cNvPicPr>
+            <a:picLocks noChangeAspect="1"/>
+          </p:cNvPicPr>
+          <p:nvPr/>
+        </p:nvPicPr>
+        <p:blipFill>
+          <a:blip r:embed="rId5">
+            <a:extLst>
+              <a:ext uri="{28A0092B-C50C-407E-A947-70E740481C1C}">
+                <a14:useLocalDpi xmlns:a14="http://schemas.microsoft.com/office/drawing/2010/main" val="0"/>
+              </a:ext>
+            </a:extLst>
+          </a:blip>
+          <a:stretch>
+            <a:fillRect/>
+          </a:stretch>
+        </p:blipFill>
+        <p:spPr>
+          <a:xfrm>
+            <a:off x="2844138" y="4447063"/>
+            <a:ext cx="2913532" cy="1246585"/>
           </a:xfrm>
           <a:prstGeom prst="rect">
             <a:avLst/>
@@ -8086,7 +8822,7 @@
     </p:spTree>
     <p:extLst>
       <p:ext uri="{BB962C8B-B14F-4D97-AF65-F5344CB8AC3E}">
-        <p14:creationId xmlns:p14="http://schemas.microsoft.com/office/powerpoint/2010/main" val="2554830097"/>
+        <p14:creationId xmlns:p14="http://schemas.microsoft.com/office/powerpoint/2010/main" val="1277011450"/>
       </p:ext>
     </p:extLst>
   </p:cSld>
@@ -8134,8 +8870,8 @@
         </p:nvSpPr>
         <p:spPr>
           <a:xfrm>
-            <a:off x="1616439" y="569626"/>
-            <a:ext cx="10018711" cy="779489"/>
+            <a:off x="1616439" y="-677124"/>
+            <a:ext cx="10018711" cy="3048000"/>
           </a:xfrm>
         </p:spPr>
         <p:txBody>
@@ -8146,14 +8882,54 @@
           <a:p>
             <a:pPr algn="l"/>
             <a:r>
-              <a:rPr lang="en-US" sz="4000" dirty="0"/>
-              <a:t>Training Data using </a:t>
-            </a:r>
-            <a:r>
-              <a:rPr lang="en-US" sz="4000" dirty="0" err="1"/>
-              <a:t>KNeighborsClassifier</a:t>
-            </a:r>
-            <a:endParaRPr lang="en-IN" sz="4000" dirty="0"/>
+              <a:rPr lang="en-IN" sz="4000" dirty="0"/>
+              <a:t>DATA   VISUALIZATION</a:t>
+            </a:r>
+          </a:p>
+        </p:txBody>
+      </p:sp>
+      <p:sp>
+        <p:nvSpPr>
+          <p:cNvPr id="6" name="Text Placeholder 5">
+            <a:extLst>
+              <a:ext uri="{FF2B5EF4-FFF2-40B4-BE49-F238E27FC236}">
+                <a16:creationId xmlns:a16="http://schemas.microsoft.com/office/drawing/2014/main" id="{C67787DD-8D7A-4908-BC9D-1662A06AE8E9}"/>
+              </a:ext>
+            </a:extLst>
+          </p:cNvPr>
+          <p:cNvSpPr>
+            <a:spLocks noGrp="1"/>
+          </p:cNvSpPr>
+          <p:nvPr>
+            <p:ph type="body" idx="1"/>
+          </p:nvPr>
+        </p:nvSpPr>
+        <p:spPr>
+          <a:xfrm>
+            <a:off x="5168429" y="2629204"/>
+            <a:ext cx="6466721" cy="3381848"/>
+          </a:xfrm>
+        </p:spPr>
+        <p:txBody>
+          <a:bodyPr anchor="t">
+            <a:normAutofit/>
+          </a:bodyPr>
+          <a:lstStyle/>
+          <a:p>
+            <a:pPr lvl="1">
+              <a:buClr>
+                <a:schemeClr val="tx1"/>
+              </a:buClr>
+            </a:pPr>
+            <a:r>
+              <a:rPr lang="en-IN" sz="2400" dirty="0"/>
+              <a:t>From this data we get that there are 177 null values in age column and 2 null in embarked column.</a:t>
+            </a:r>
+            <a:r>
+              <a:rPr lang="en-US" sz="2400" dirty="0"/>
+              <a:t> The data of the cabin is not useful thus, we will exclude that.</a:t>
+            </a:r>
+            <a:endParaRPr lang="en-IN" sz="2400" dirty="0"/>
           </a:p>
         </p:txBody>
       </p:sp>
@@ -8203,10 +8979,10 @@
       </p:sp>
       <p:pic>
         <p:nvPicPr>
-          <p:cNvPr id="5" name="Picture 4">
+          <p:cNvPr id="7" name="Picture 6">
             <a:extLst>
               <a:ext uri="{FF2B5EF4-FFF2-40B4-BE49-F238E27FC236}">
-                <a16:creationId xmlns:a16="http://schemas.microsoft.com/office/drawing/2014/main" id="{7910A997-1F02-472C-A0B2-0B95894C9203}"/>
+                <a16:creationId xmlns:a16="http://schemas.microsoft.com/office/drawing/2014/main" id="{133C23F3-96F2-404A-BA51-AD3C92354452}"/>
               </a:ext>
             </a:extLst>
           </p:cNvPr>
@@ -8229,18 +9005,345 @@
         </p:blipFill>
         <p:spPr>
           <a:xfrm>
-            <a:off x="2014782" y="1516444"/>
-            <a:ext cx="6424680" cy="4613315"/>
+            <a:off x="1755448" y="2053762"/>
+            <a:ext cx="3273972" cy="423042"/>
           </a:xfrm>
           <a:prstGeom prst="rect">
             <a:avLst/>
           </a:prstGeom>
         </p:spPr>
       </p:pic>
+      <p:pic>
+        <p:nvPicPr>
+          <p:cNvPr id="10" name="Picture 9">
+            <a:extLst>
+              <a:ext uri="{FF2B5EF4-FFF2-40B4-BE49-F238E27FC236}">
+                <a16:creationId xmlns:a16="http://schemas.microsoft.com/office/drawing/2014/main" id="{4F0AE0CB-8038-400C-9D48-F63F7066EA6B}"/>
+              </a:ext>
+            </a:extLst>
+          </p:cNvPr>
+          <p:cNvPicPr>
+            <a:picLocks noChangeAspect="1"/>
+          </p:cNvPicPr>
+          <p:nvPr/>
+        </p:nvPicPr>
+        <p:blipFill>
+          <a:blip r:embed="rId3">
+            <a:extLst>
+              <a:ext uri="{28A0092B-C50C-407E-A947-70E740481C1C}">
+                <a14:useLocalDpi xmlns:a14="http://schemas.microsoft.com/office/drawing/2010/main" val="0"/>
+              </a:ext>
+            </a:extLst>
+          </a:blip>
+          <a:stretch>
+            <a:fillRect/>
+          </a:stretch>
+        </p:blipFill>
+        <p:spPr>
+          <a:xfrm>
+            <a:off x="1755448" y="2537334"/>
+            <a:ext cx="2330402" cy="3533681"/>
+          </a:xfrm>
+          <a:prstGeom prst="rect">
+            <a:avLst/>
+          </a:prstGeom>
+        </p:spPr>
+      </p:pic>
+      <p:sp>
+        <p:nvSpPr>
+          <p:cNvPr id="17" name="Text Placeholder 5">
+            <a:extLst>
+              <a:ext uri="{FF2B5EF4-FFF2-40B4-BE49-F238E27FC236}">
+                <a16:creationId xmlns:a16="http://schemas.microsoft.com/office/drawing/2014/main" id="{FA1512E2-CC6B-463D-9B01-01EA54C041E9}"/>
+              </a:ext>
+            </a:extLst>
+          </p:cNvPr>
+          <p:cNvSpPr txBox="1">
+            <a:spLocks/>
+          </p:cNvSpPr>
+          <p:nvPr/>
+        </p:nvSpPr>
+        <p:spPr>
+          <a:xfrm>
+            <a:off x="1291509" y="1607443"/>
+            <a:ext cx="9913781" cy="538188"/>
+          </a:xfrm>
+          <a:prstGeom prst="rect">
+            <a:avLst/>
+          </a:prstGeom>
+        </p:spPr>
+        <p:txBody>
+          <a:bodyPr vert="horz" lIns="91440" tIns="45720" rIns="91440" bIns="45720" rtlCol="0" anchor="t">
+            <a:normAutofit/>
+          </a:bodyPr>
+          <a:lstStyle>
+            <a:lvl1pPr marL="0" indent="0" algn="ctr" defTabSz="457200" rtl="0" eaLnBrk="1" latinLnBrk="0" hangingPunct="1">
+              <a:spcBef>
+                <a:spcPct val="20000"/>
+              </a:spcBef>
+              <a:spcAft>
+                <a:spcPts val="600"/>
+              </a:spcAft>
+              <a:buClr>
+                <a:schemeClr val="accent1">
+                  <a:lumMod val="75000"/>
+                </a:schemeClr>
+              </a:buClr>
+              <a:buSzPct val="145000"/>
+              <a:buFont typeface="Arial"/>
+              <a:buNone/>
+              <a:defRPr sz="2000" kern="1200" cap="none">
+                <a:solidFill>
+                  <a:schemeClr val="tx1"/>
+                </a:solidFill>
+                <a:effectLst/>
+                <a:latin typeface="+mn-lt"/>
+                <a:ea typeface="+mn-ea"/>
+                <a:cs typeface="+mn-cs"/>
+              </a:defRPr>
+            </a:lvl1pPr>
+            <a:lvl2pPr marL="457200" indent="0" algn="l" defTabSz="457200" rtl="0" eaLnBrk="1" latinLnBrk="0" hangingPunct="1">
+              <a:spcBef>
+                <a:spcPct val="20000"/>
+              </a:spcBef>
+              <a:spcAft>
+                <a:spcPts val="600"/>
+              </a:spcAft>
+              <a:buClr>
+                <a:schemeClr val="accent1">
+                  <a:lumMod val="75000"/>
+                </a:schemeClr>
+              </a:buClr>
+              <a:buSzPct val="145000"/>
+              <a:buFont typeface="Arial"/>
+              <a:buNone/>
+              <a:defRPr sz="1800" kern="1200" cap="none">
+                <a:solidFill>
+                  <a:schemeClr val="tx1">
+                    <a:tint val="75000"/>
+                  </a:schemeClr>
+                </a:solidFill>
+                <a:effectLst/>
+                <a:latin typeface="+mn-lt"/>
+                <a:ea typeface="+mn-ea"/>
+                <a:cs typeface="+mn-cs"/>
+              </a:defRPr>
+            </a:lvl2pPr>
+            <a:lvl3pPr marL="914400" indent="0" algn="l" defTabSz="457200" rtl="0" eaLnBrk="1" latinLnBrk="0" hangingPunct="1">
+              <a:spcBef>
+                <a:spcPct val="20000"/>
+              </a:spcBef>
+              <a:spcAft>
+                <a:spcPts val="600"/>
+              </a:spcAft>
+              <a:buClr>
+                <a:schemeClr val="accent1">
+                  <a:lumMod val="75000"/>
+                </a:schemeClr>
+              </a:buClr>
+              <a:buSzPct val="145000"/>
+              <a:buFont typeface="Arial"/>
+              <a:buNone/>
+              <a:defRPr sz="1600" kern="1200" cap="none">
+                <a:solidFill>
+                  <a:schemeClr val="tx1">
+                    <a:tint val="75000"/>
+                  </a:schemeClr>
+                </a:solidFill>
+                <a:effectLst/>
+                <a:latin typeface="+mn-lt"/>
+                <a:ea typeface="+mn-ea"/>
+                <a:cs typeface="+mn-cs"/>
+              </a:defRPr>
+            </a:lvl3pPr>
+            <a:lvl4pPr marL="1371600" indent="0" algn="l" defTabSz="457200" rtl="0" eaLnBrk="1" latinLnBrk="0" hangingPunct="1">
+              <a:spcBef>
+                <a:spcPct val="20000"/>
+              </a:spcBef>
+              <a:spcAft>
+                <a:spcPts val="600"/>
+              </a:spcAft>
+              <a:buClr>
+                <a:schemeClr val="accent1">
+                  <a:lumMod val="75000"/>
+                </a:schemeClr>
+              </a:buClr>
+              <a:buSzPct val="145000"/>
+              <a:buFont typeface="Arial"/>
+              <a:buNone/>
+              <a:defRPr sz="1400" kern="1200" cap="none">
+                <a:solidFill>
+                  <a:schemeClr val="tx1">
+                    <a:tint val="75000"/>
+                  </a:schemeClr>
+                </a:solidFill>
+                <a:effectLst/>
+                <a:latin typeface="+mn-lt"/>
+                <a:ea typeface="+mn-ea"/>
+                <a:cs typeface="+mn-cs"/>
+              </a:defRPr>
+            </a:lvl4pPr>
+            <a:lvl5pPr marL="1828800" indent="0" algn="l" defTabSz="457200" rtl="0" eaLnBrk="1" latinLnBrk="0" hangingPunct="1">
+              <a:spcBef>
+                <a:spcPct val="20000"/>
+              </a:spcBef>
+              <a:spcAft>
+                <a:spcPts val="600"/>
+              </a:spcAft>
+              <a:buClr>
+                <a:schemeClr val="accent1">
+                  <a:lumMod val="75000"/>
+                </a:schemeClr>
+              </a:buClr>
+              <a:buSzPct val="145000"/>
+              <a:buFont typeface="Arial"/>
+              <a:buNone/>
+              <a:defRPr sz="1400" kern="1200" cap="none">
+                <a:solidFill>
+                  <a:schemeClr val="tx1">
+                    <a:tint val="75000"/>
+                  </a:schemeClr>
+                </a:solidFill>
+                <a:effectLst/>
+                <a:latin typeface="+mn-lt"/>
+                <a:ea typeface="+mn-ea"/>
+                <a:cs typeface="+mn-cs"/>
+              </a:defRPr>
+            </a:lvl5pPr>
+            <a:lvl6pPr marL="2286000" indent="0" algn="l" defTabSz="457200" rtl="0" eaLnBrk="1" latinLnBrk="0" hangingPunct="1">
+              <a:spcBef>
+                <a:spcPct val="20000"/>
+              </a:spcBef>
+              <a:spcAft>
+                <a:spcPts val="600"/>
+              </a:spcAft>
+              <a:buClr>
+                <a:schemeClr val="accent1">
+                  <a:lumMod val="75000"/>
+                </a:schemeClr>
+              </a:buClr>
+              <a:buSzPct val="145000"/>
+              <a:buFont typeface="Arial"/>
+              <a:buNone/>
+              <a:defRPr sz="1400" kern="1200" cap="none">
+                <a:solidFill>
+                  <a:schemeClr val="tx1">
+                    <a:tint val="75000"/>
+                  </a:schemeClr>
+                </a:solidFill>
+                <a:effectLst/>
+                <a:latin typeface="+mn-lt"/>
+                <a:ea typeface="+mn-ea"/>
+                <a:cs typeface="+mn-cs"/>
+              </a:defRPr>
+            </a:lvl6pPr>
+            <a:lvl7pPr marL="2743200" indent="0" algn="l" defTabSz="457200" rtl="0" eaLnBrk="1" latinLnBrk="0" hangingPunct="1">
+              <a:spcBef>
+                <a:spcPct val="20000"/>
+              </a:spcBef>
+              <a:spcAft>
+                <a:spcPts val="600"/>
+              </a:spcAft>
+              <a:buClr>
+                <a:schemeClr val="accent1">
+                  <a:lumMod val="75000"/>
+                </a:schemeClr>
+              </a:buClr>
+              <a:buSzPct val="145000"/>
+              <a:buFont typeface="Arial"/>
+              <a:buNone/>
+              <a:defRPr sz="1400" kern="1200" cap="none">
+                <a:solidFill>
+                  <a:schemeClr val="tx1">
+                    <a:tint val="75000"/>
+                  </a:schemeClr>
+                </a:solidFill>
+                <a:effectLst/>
+                <a:latin typeface="+mn-lt"/>
+                <a:ea typeface="+mn-ea"/>
+                <a:cs typeface="+mn-cs"/>
+              </a:defRPr>
+            </a:lvl7pPr>
+            <a:lvl8pPr marL="3200400" indent="0" algn="l" defTabSz="457200" rtl="0" eaLnBrk="1" latinLnBrk="0" hangingPunct="1">
+              <a:spcBef>
+                <a:spcPct val="20000"/>
+              </a:spcBef>
+              <a:spcAft>
+                <a:spcPts val="600"/>
+              </a:spcAft>
+              <a:buClr>
+                <a:schemeClr val="accent1">
+                  <a:lumMod val="75000"/>
+                </a:schemeClr>
+              </a:buClr>
+              <a:buSzPct val="145000"/>
+              <a:buFont typeface="Arial"/>
+              <a:buNone/>
+              <a:defRPr sz="1400" kern="1200" cap="none">
+                <a:solidFill>
+                  <a:schemeClr val="tx1">
+                    <a:tint val="75000"/>
+                  </a:schemeClr>
+                </a:solidFill>
+                <a:effectLst/>
+                <a:latin typeface="+mn-lt"/>
+                <a:ea typeface="+mn-ea"/>
+                <a:cs typeface="+mn-cs"/>
+              </a:defRPr>
+            </a:lvl8pPr>
+            <a:lvl9pPr marL="3657600" indent="0" algn="l" defTabSz="457200" rtl="0" eaLnBrk="1" latinLnBrk="0" hangingPunct="1">
+              <a:spcBef>
+                <a:spcPct val="20000"/>
+              </a:spcBef>
+              <a:spcAft>
+                <a:spcPts val="600"/>
+              </a:spcAft>
+              <a:buClr>
+                <a:schemeClr val="accent1">
+                  <a:lumMod val="75000"/>
+                </a:schemeClr>
+              </a:buClr>
+              <a:buSzPct val="145000"/>
+              <a:buFont typeface="Arial"/>
+              <a:buNone/>
+              <a:defRPr sz="1400" kern="1200" cap="none">
+                <a:solidFill>
+                  <a:schemeClr val="tx1">
+                    <a:tint val="75000"/>
+                  </a:schemeClr>
+                </a:solidFill>
+                <a:effectLst/>
+                <a:latin typeface="+mn-lt"/>
+                <a:ea typeface="+mn-ea"/>
+                <a:cs typeface="+mn-cs"/>
+              </a:defRPr>
+            </a:lvl9pPr>
+          </a:lstStyle>
+          <a:p>
+            <a:pPr lvl="1">
+              <a:buClr>
+                <a:schemeClr val="tx1"/>
+              </a:buClr>
+            </a:pPr>
+            <a:r>
+              <a:rPr lang="en-IN" sz="2400"/>
+              <a:t>Checking for null values</a:t>
+            </a:r>
+          </a:p>
+          <a:p>
+            <a:pPr lvl="1">
+              <a:buClr>
+                <a:schemeClr val="tx1"/>
+              </a:buClr>
+            </a:pPr>
+            <a:endParaRPr lang="en-IN" sz="2400" dirty="0"/>
+          </a:p>
+        </p:txBody>
+      </p:sp>
     </p:spTree>
     <p:extLst>
       <p:ext uri="{BB962C8B-B14F-4D97-AF65-F5344CB8AC3E}">
-        <p14:creationId xmlns:p14="http://schemas.microsoft.com/office/powerpoint/2010/main" val="2661820477"/>
+        <p14:creationId xmlns:p14="http://schemas.microsoft.com/office/powerpoint/2010/main" val="1592243477"/>
       </p:ext>
     </p:extLst>
   </p:cSld>
@@ -8288,8 +9391,8 @@
         </p:nvSpPr>
         <p:spPr>
           <a:xfrm>
-            <a:off x="1616439" y="569626"/>
-            <a:ext cx="10018711" cy="779489"/>
+            <a:off x="1616439" y="-677124"/>
+            <a:ext cx="10018711" cy="3048000"/>
           </a:xfrm>
         </p:spPr>
         <p:txBody>
@@ -8300,14 +9403,49 @@
           <a:p>
             <a:pPr algn="l"/>
             <a:r>
-              <a:rPr lang="en-US" sz="4000" dirty="0"/>
-              <a:t>Training Data using </a:t>
-            </a:r>
-            <a:r>
-              <a:rPr lang="en-US" sz="4000" dirty="0" err="1"/>
-              <a:t>LogisticRegression</a:t>
-            </a:r>
-            <a:endParaRPr lang="en-IN" sz="4000" dirty="0"/>
+              <a:rPr lang="en-IN" sz="4000" dirty="0"/>
+              <a:t>DATA   VISUALIZATION</a:t>
+            </a:r>
+          </a:p>
+        </p:txBody>
+      </p:sp>
+      <p:sp>
+        <p:nvSpPr>
+          <p:cNvPr id="6" name="Text Placeholder 5">
+            <a:extLst>
+              <a:ext uri="{FF2B5EF4-FFF2-40B4-BE49-F238E27FC236}">
+                <a16:creationId xmlns:a16="http://schemas.microsoft.com/office/drawing/2014/main" id="{C67787DD-8D7A-4908-BC9D-1662A06AE8E9}"/>
+              </a:ext>
+            </a:extLst>
+          </p:cNvPr>
+          <p:cNvSpPr>
+            <a:spLocks noGrp="1"/>
+          </p:cNvSpPr>
+          <p:nvPr>
+            <p:ph type="body" idx="1"/>
+          </p:nvPr>
+        </p:nvSpPr>
+        <p:spPr>
+          <a:xfrm>
+            <a:off x="1139109" y="1455042"/>
+            <a:ext cx="9913781" cy="1973958"/>
+          </a:xfrm>
+        </p:spPr>
+        <p:txBody>
+          <a:bodyPr anchor="t">
+            <a:normAutofit/>
+          </a:bodyPr>
+          <a:lstStyle/>
+          <a:p>
+            <a:pPr lvl="1">
+              <a:buClr>
+                <a:schemeClr val="tx1"/>
+              </a:buClr>
+            </a:pPr>
+            <a:r>
+              <a:rPr lang="en-US" sz="2400" dirty="0"/>
+              <a:t>The Survived column is dependent upon the Age and Embarked column. They contain some null values, to remove the null value we are filling mean in Age column and S in Embarked column because the occurrence of S is more in the Embarked column. We are filling this to utilize the whole data given in the dataset.</a:t>
+            </a:r>
           </a:p>
         </p:txBody>
       </p:sp>
@@ -8357,10 +9495,10 @@
       </p:sp>
       <p:pic>
         <p:nvPicPr>
-          <p:cNvPr id="6" name="Picture 5">
+          <p:cNvPr id="5" name="Picture 4">
             <a:extLst>
               <a:ext uri="{FF2B5EF4-FFF2-40B4-BE49-F238E27FC236}">
-                <a16:creationId xmlns:a16="http://schemas.microsoft.com/office/drawing/2014/main" id="{D4DC8BC1-72A6-46B3-9DFD-5745B25E8F9E}"/>
+                <a16:creationId xmlns:a16="http://schemas.microsoft.com/office/drawing/2014/main" id="{097DBD0A-A49E-4F17-BFD5-FD87F9B74946}"/>
               </a:ext>
             </a:extLst>
           </p:cNvPr>
@@ -8383,8 +9521,8 @@
         </p:blipFill>
         <p:spPr>
           <a:xfrm>
-            <a:off x="2083857" y="1536197"/>
-            <a:ext cx="8662553" cy="4692216"/>
+            <a:off x="1649203" y="3664847"/>
+            <a:ext cx="7280397" cy="1002374"/>
           </a:xfrm>
           <a:prstGeom prst="rect">
             <a:avLst/>
@@ -8394,7 +9532,7 @@
     </p:spTree>
     <p:extLst>
       <p:ext uri="{BB962C8B-B14F-4D97-AF65-F5344CB8AC3E}">
-        <p14:creationId xmlns:p14="http://schemas.microsoft.com/office/powerpoint/2010/main" val="1148388603"/>
+        <p14:creationId xmlns:p14="http://schemas.microsoft.com/office/powerpoint/2010/main" val="4140828669"/>
       </p:ext>
     </p:extLst>
   </p:cSld>
@@ -8442,8 +9580,8 @@
         </p:nvSpPr>
         <p:spPr>
           <a:xfrm>
-            <a:off x="1616439" y="569626"/>
-            <a:ext cx="10018711" cy="779489"/>
+            <a:off x="1616439" y="-677124"/>
+            <a:ext cx="10018711" cy="3048000"/>
           </a:xfrm>
         </p:spPr>
         <p:txBody>
@@ -8454,22 +9592,50 @@
           <a:p>
             <a:pPr algn="l"/>
             <a:r>
-              <a:rPr lang="en-US" sz="4000" dirty="0"/>
-              <a:t>Training Data using </a:t>
-            </a:r>
-            <a:r>
-              <a:rPr lang="en-IN" dirty="0"/>
-              <a:t> </a:t>
-            </a:r>
-            <a:r>
-              <a:rPr lang="en-IN" b="1" dirty="0"/>
-              <a:t>Support Vector Machines</a:t>
-            </a:r>
-            <a:r>
-              <a:rPr lang="en-IN" dirty="0"/>
-              <a:t> </a:t>
-            </a:r>
-            <a:endParaRPr lang="en-IN" sz="4000" dirty="0"/>
+              <a:rPr lang="en-IN" sz="4000" dirty="0"/>
+              <a:t>SPLITING DATA FOR TESTING AND TRAINING</a:t>
+            </a:r>
+          </a:p>
+        </p:txBody>
+      </p:sp>
+      <p:sp>
+        <p:nvSpPr>
+          <p:cNvPr id="6" name="Text Placeholder 5">
+            <a:extLst>
+              <a:ext uri="{FF2B5EF4-FFF2-40B4-BE49-F238E27FC236}">
+                <a16:creationId xmlns:a16="http://schemas.microsoft.com/office/drawing/2014/main" id="{C67787DD-8D7A-4908-BC9D-1662A06AE8E9}"/>
+              </a:ext>
+            </a:extLst>
+          </p:cNvPr>
+          <p:cNvSpPr>
+            <a:spLocks noGrp="1"/>
+          </p:cNvSpPr>
+          <p:nvPr>
+            <p:ph type="body" idx="1"/>
+          </p:nvPr>
+        </p:nvSpPr>
+        <p:spPr>
+          <a:xfrm>
+            <a:off x="1139109" y="1455042"/>
+            <a:ext cx="9913781" cy="1243185"/>
+          </a:xfrm>
+        </p:spPr>
+        <p:txBody>
+          <a:bodyPr anchor="t">
+            <a:normAutofit/>
+          </a:bodyPr>
+          <a:lstStyle/>
+          <a:p>
+            <a:pPr lvl="1">
+              <a:buClr>
+                <a:schemeClr val="tx1"/>
+              </a:buClr>
+            </a:pPr>
+            <a:r>
+              <a:rPr lang="en-US" sz="2400" dirty="0"/>
+              <a:t>From the data visualization, there are four main columns where the output depends upon. Age, Sex, P-class, Embarked. These features are stored in the X list and survived is stored in y.</a:t>
+            </a:r>
+            <a:endParaRPr lang="en-IN" sz="2400" dirty="0"/>
           </a:p>
         </p:txBody>
       </p:sp>
@@ -8519,10 +9685,10 @@
       </p:sp>
       <p:pic>
         <p:nvPicPr>
-          <p:cNvPr id="8" name="Picture 7">
+          <p:cNvPr id="7" name="Picture 6">
             <a:extLst>
               <a:ext uri="{FF2B5EF4-FFF2-40B4-BE49-F238E27FC236}">
-                <a16:creationId xmlns:a16="http://schemas.microsoft.com/office/drawing/2014/main" id="{94AC3652-EA4D-48D0-BCBD-F0972378C79D}"/>
+                <a16:creationId xmlns:a16="http://schemas.microsoft.com/office/drawing/2014/main" id="{A1CD9F02-D61E-4229-BCBB-724549152C70}"/>
               </a:ext>
             </a:extLst>
           </p:cNvPr>
@@ -8545,8 +9711,8 @@
         </p:blipFill>
         <p:spPr>
           <a:xfrm>
-            <a:off x="2295378" y="1422185"/>
-            <a:ext cx="6803652" cy="4866189"/>
+            <a:off x="1649203" y="2858443"/>
+            <a:ext cx="8686088" cy="2942750"/>
           </a:xfrm>
           <a:prstGeom prst="rect">
             <a:avLst/>
@@ -8556,7 +9722,7 @@
     </p:spTree>
     <p:extLst>
       <p:ext uri="{BB962C8B-B14F-4D97-AF65-F5344CB8AC3E}">
-        <p14:creationId xmlns:p14="http://schemas.microsoft.com/office/powerpoint/2010/main" val="3134068972"/>
+        <p14:creationId xmlns:p14="http://schemas.microsoft.com/office/powerpoint/2010/main" val="1318252294"/>
       </p:ext>
     </p:extLst>
   </p:cSld>
@@ -8617,7 +9783,7 @@
             <a:pPr algn="l"/>
             <a:r>
               <a:rPr lang="en-IN" sz="4000" dirty="0"/>
-              <a:t>INTRODUCTION</a:t>
+              <a:t>TABLE OF CONTENT</a:t>
             </a:r>
           </a:p>
         </p:txBody>
@@ -8640,8 +9806,8 @@
         </p:nvSpPr>
         <p:spPr>
           <a:xfrm>
-            <a:off x="1653124" y="1716258"/>
-            <a:ext cx="10018711" cy="3912549"/>
+            <a:off x="1653125" y="1444978"/>
+            <a:ext cx="9544528" cy="5023555"/>
           </a:xfrm>
           <a:ln>
             <a:noFill/>
@@ -8649,20 +9815,153 @@
         </p:spPr>
         <p:txBody>
           <a:bodyPr anchor="t">
-            <a:normAutofit/>
+            <a:noAutofit/>
           </a:bodyPr>
           <a:lstStyle/>
           <a:p>
-            <a:pPr algn="l">
+            <a:pPr marL="171450" indent="-171450" algn="l">
               <a:buClr>
                 <a:schemeClr val="tx1"/>
               </a:buClr>
+              <a:buFont typeface="Arial" panose="020B0604020202020204" pitchFamily="34" charset="0"/>
+              <a:buChar char="•"/>
             </a:pPr>
             <a:r>
-              <a:rPr lang="en-US" sz="2400" dirty="0"/>
-              <a:t>The RMS Titanic was a British passenger liner that struck an iceberg on her maiden voyage and sank, taking the lives of more than 1500 passengers. We are interested in predicting the survival probability for a given passenger. There are many factors which played into which passengers made it into lifeboats and which passengers did not, most notably gender and class assignment. Our purpose is to find a conclusion using different predicting models by the data given a sample of 342 survivors and find if this hypothesis is true or not.</a:t>
-            </a:r>
-            <a:endParaRPr lang="en-IN" sz="2400" dirty="0"/>
+              <a:rPr lang="en-US" sz="1600" dirty="0"/>
+              <a:t>INTRODUCTION</a:t>
+            </a:r>
+          </a:p>
+          <a:p>
+            <a:pPr marL="171450" indent="-171450" algn="l">
+              <a:buClr>
+                <a:schemeClr val="tx1"/>
+              </a:buClr>
+              <a:buFont typeface="Arial" panose="020B0604020202020204" pitchFamily="34" charset="0"/>
+              <a:buChar char="•"/>
+            </a:pPr>
+            <a:r>
+              <a:rPr lang="en-IN" sz="1600" dirty="0"/>
+              <a:t>PROBLEM STATEMENT</a:t>
+            </a:r>
+          </a:p>
+          <a:p>
+            <a:pPr marL="171450" indent="-171450" algn="l">
+              <a:buClr>
+                <a:schemeClr val="tx1"/>
+              </a:buClr>
+              <a:buFont typeface="Arial" panose="020B0604020202020204" pitchFamily="34" charset="0"/>
+              <a:buChar char="•"/>
+            </a:pPr>
+            <a:r>
+              <a:rPr lang="en-IN" sz="1600" dirty="0"/>
+              <a:t>OBJECTIVE</a:t>
+            </a:r>
+            <a:endParaRPr lang="en-US" sz="1600" dirty="0"/>
+          </a:p>
+          <a:p>
+            <a:pPr marL="171450" indent="-171450" algn="l">
+              <a:buClr>
+                <a:schemeClr val="tx1"/>
+              </a:buClr>
+              <a:buFont typeface="Arial" panose="020B0604020202020204" pitchFamily="34" charset="0"/>
+              <a:buChar char="•"/>
+            </a:pPr>
+            <a:r>
+              <a:rPr lang="en-US" sz="1600" dirty="0"/>
+              <a:t>FEASIBILITY STUDY</a:t>
+            </a:r>
+          </a:p>
+          <a:p>
+            <a:pPr marL="171450" indent="-171450" algn="l">
+              <a:buClr>
+                <a:schemeClr val="tx1"/>
+              </a:buClr>
+              <a:buFont typeface="Arial" panose="020B0604020202020204" pitchFamily="34" charset="0"/>
+              <a:buChar char="•"/>
+            </a:pPr>
+            <a:r>
+              <a:rPr lang="en-US" sz="1600" dirty="0"/>
+              <a:t>HARDWARE REQUIREMENT</a:t>
+            </a:r>
+          </a:p>
+          <a:p>
+            <a:pPr marL="171450" indent="-171450" algn="l">
+              <a:buClr>
+                <a:schemeClr val="tx1"/>
+              </a:buClr>
+              <a:buFont typeface="Arial" panose="020B0604020202020204" pitchFamily="34" charset="0"/>
+              <a:buChar char="•"/>
+            </a:pPr>
+            <a:r>
+              <a:rPr lang="en-US" sz="1600" dirty="0"/>
+              <a:t>SOFTWARE REQUIREMENT</a:t>
+            </a:r>
+          </a:p>
+          <a:p>
+            <a:pPr marL="171450" indent="-171450" algn="l">
+              <a:buClr>
+                <a:schemeClr val="tx1"/>
+              </a:buClr>
+              <a:buFont typeface="Arial" panose="020B0604020202020204" pitchFamily="34" charset="0"/>
+              <a:buChar char="•"/>
+            </a:pPr>
+            <a:r>
+              <a:rPr lang="en-US" sz="1600" dirty="0"/>
+              <a:t>TECHNOLOGIES REQUIRED</a:t>
+            </a:r>
+          </a:p>
+          <a:p>
+            <a:pPr marL="171450" indent="-171450" algn="l">
+              <a:buClr>
+                <a:schemeClr val="tx1"/>
+              </a:buClr>
+              <a:buFont typeface="Arial" panose="020B0604020202020204" pitchFamily="34" charset="0"/>
+              <a:buChar char="•"/>
+            </a:pPr>
+            <a:r>
+              <a:rPr lang="en-US" sz="1600" dirty="0"/>
+              <a:t>DATA VISULIZATION</a:t>
+            </a:r>
+          </a:p>
+          <a:p>
+            <a:pPr marL="171450" indent="-171450" algn="l">
+              <a:buClr>
+                <a:schemeClr val="tx1"/>
+              </a:buClr>
+              <a:buFont typeface="Arial" panose="020B0604020202020204" pitchFamily="34" charset="0"/>
+              <a:buChar char="•"/>
+            </a:pPr>
+            <a:r>
+              <a:rPr lang="en-US" sz="1600" dirty="0"/>
+              <a:t>TRAINING DATA</a:t>
+            </a:r>
+          </a:p>
+          <a:p>
+            <a:pPr marL="171450" indent="-171450" algn="l">
+              <a:buClr>
+                <a:schemeClr val="tx1"/>
+              </a:buClr>
+              <a:buFont typeface="Arial" panose="020B0604020202020204" pitchFamily="34" charset="0"/>
+              <a:buChar char="•"/>
+            </a:pPr>
+            <a:r>
+              <a:rPr lang="en-US" sz="1600" dirty="0"/>
+              <a:t>COMPARING MODELS</a:t>
+            </a:r>
+          </a:p>
+          <a:p>
+            <a:pPr marL="171450" indent="-171450" algn="l">
+              <a:buClr>
+                <a:schemeClr val="tx1"/>
+              </a:buClr>
+              <a:buFont typeface="Arial" panose="020B0604020202020204" pitchFamily="34" charset="0"/>
+              <a:buChar char="•"/>
+            </a:pPr>
+            <a:r>
+              <a:rPr lang="en-US" sz="1600" dirty="0"/>
+              <a:t>REFERENCES.</a:t>
+            </a:r>
+            <a:endParaRPr lang="en-IN" sz="1600" dirty="0"/>
           </a:p>
         </p:txBody>
       </p:sp>
@@ -8713,7 +10012,7 @@
     </p:spTree>
     <p:extLst>
       <p:ext uri="{BB962C8B-B14F-4D97-AF65-F5344CB8AC3E}">
-        <p14:creationId xmlns:p14="http://schemas.microsoft.com/office/powerpoint/2010/main" val="1066380841"/>
+        <p14:creationId xmlns:p14="http://schemas.microsoft.com/office/powerpoint/2010/main" val="2813555813"/>
       </p:ext>
     </p:extLst>
   </p:cSld>
@@ -8773,9 +10072,10 @@
           <a:p>
             <a:pPr algn="l"/>
             <a:r>
-              <a:rPr lang="en-IN" sz="4000" dirty="0"/>
-              <a:t>COMPARING MODELS</a:t>
-            </a:r>
+              <a:rPr lang="en-US" sz="4000" dirty="0"/>
+              <a:t>Training and Testing Data using Decision Tree</a:t>
+            </a:r>
+            <a:endParaRPr lang="en-IN" sz="4000" dirty="0"/>
           </a:p>
         </p:txBody>
       </p:sp>
@@ -8823,125 +10123,12 @@
           </a:p>
         </p:txBody>
       </p:sp>
-      <p:sp>
-        <p:nvSpPr>
-          <p:cNvPr id="5" name="Title 1">
-            <a:extLst>
-              <a:ext uri="{FF2B5EF4-FFF2-40B4-BE49-F238E27FC236}">
-                <a16:creationId xmlns:a16="http://schemas.microsoft.com/office/drawing/2014/main" id="{CB2AB175-D6E3-4E44-A31C-45C3ADAC4676}"/>
-              </a:ext>
-            </a:extLst>
-          </p:cNvPr>
-          <p:cNvSpPr txBox="1">
-            <a:spLocks/>
-          </p:cNvSpPr>
-          <p:nvPr/>
-        </p:nvSpPr>
-        <p:spPr>
-          <a:xfrm>
-            <a:off x="1511508" y="1349115"/>
-            <a:ext cx="10018711" cy="779489"/>
-          </a:xfrm>
-          <a:prstGeom prst="rect">
-            <a:avLst/>
-          </a:prstGeom>
-          <a:effectLst/>
-        </p:spPr>
-        <p:txBody>
-          <a:bodyPr vert="horz" lIns="91440" tIns="45720" rIns="91440" bIns="45720" rtlCol="0" anchor="ctr">
-            <a:normAutofit/>
-          </a:bodyPr>
-          <a:lstStyle>
-            <a:lvl1pPr algn="ctr" defTabSz="457200" rtl="0" eaLnBrk="1" latinLnBrk="0" hangingPunct="1">
-              <a:spcBef>
-                <a:spcPct val="0"/>
-              </a:spcBef>
-              <a:buNone/>
-              <a:defRPr sz="3200" b="0" kern="1200" cap="none">
-                <a:ln w="3175" cmpd="sng">
-                  <a:noFill/>
-                </a:ln>
-                <a:solidFill>
-                  <a:schemeClr val="tx1"/>
-                </a:solidFill>
-                <a:effectLst/>
-                <a:latin typeface="+mj-lt"/>
-                <a:ea typeface="+mj-ea"/>
-                <a:cs typeface="+mj-cs"/>
-              </a:defRPr>
-            </a:lvl1pPr>
-            <a:lvl2pPr eaLnBrk="1" hangingPunct="1">
-              <a:defRPr>
-                <a:solidFill>
-                  <a:schemeClr val="tx2"/>
-                </a:solidFill>
-              </a:defRPr>
-            </a:lvl2pPr>
-            <a:lvl3pPr eaLnBrk="1" hangingPunct="1">
-              <a:defRPr>
-                <a:solidFill>
-                  <a:schemeClr val="tx2"/>
-                </a:solidFill>
-              </a:defRPr>
-            </a:lvl3pPr>
-            <a:lvl4pPr eaLnBrk="1" hangingPunct="1">
-              <a:defRPr>
-                <a:solidFill>
-                  <a:schemeClr val="tx2"/>
-                </a:solidFill>
-              </a:defRPr>
-            </a:lvl4pPr>
-            <a:lvl5pPr eaLnBrk="1" hangingPunct="1">
-              <a:defRPr>
-                <a:solidFill>
-                  <a:schemeClr val="tx2"/>
-                </a:solidFill>
-              </a:defRPr>
-            </a:lvl5pPr>
-            <a:lvl6pPr eaLnBrk="1" hangingPunct="1">
-              <a:defRPr>
-                <a:solidFill>
-                  <a:schemeClr val="tx2"/>
-                </a:solidFill>
-              </a:defRPr>
-            </a:lvl6pPr>
-            <a:lvl7pPr eaLnBrk="1" hangingPunct="1">
-              <a:defRPr>
-                <a:solidFill>
-                  <a:schemeClr val="tx2"/>
-                </a:solidFill>
-              </a:defRPr>
-            </a:lvl7pPr>
-            <a:lvl8pPr eaLnBrk="1" hangingPunct="1">
-              <a:defRPr>
-                <a:solidFill>
-                  <a:schemeClr val="tx2"/>
-                </a:solidFill>
-              </a:defRPr>
-            </a:lvl8pPr>
-            <a:lvl9pPr eaLnBrk="1" hangingPunct="1">
-              <a:defRPr>
-                <a:solidFill>
-                  <a:schemeClr val="tx2"/>
-                </a:solidFill>
-              </a:defRPr>
-            </a:lvl9pPr>
-          </a:lstStyle>
-          <a:p>
-            <a:pPr algn="l"/>
-            <a:r>
-              <a:rPr lang="en-IN" sz="2400" dirty="0"/>
-              <a:t>Comparing all the models with there accuracy</a:t>
-            </a:r>
-          </a:p>
-        </p:txBody>
-      </p:sp>
       <p:pic>
         <p:nvPicPr>
-          <p:cNvPr id="6" name="Picture 5">
+          <p:cNvPr id="11" name="Picture 10">
             <a:extLst>
               <a:ext uri="{FF2B5EF4-FFF2-40B4-BE49-F238E27FC236}">
-                <a16:creationId xmlns:a16="http://schemas.microsoft.com/office/drawing/2014/main" id="{FDD6419F-B90A-4B2B-93A4-2EF20657AB69}"/>
+                <a16:creationId xmlns:a16="http://schemas.microsoft.com/office/drawing/2014/main" id="{3EDAC0B0-9703-4CCC-9634-9449FD076A7D}"/>
               </a:ext>
             </a:extLst>
           </p:cNvPr>
@@ -8964,8 +10151,8 @@
         </p:blipFill>
         <p:spPr>
           <a:xfrm>
-            <a:off x="2808750" y="2068643"/>
-            <a:ext cx="7245412" cy="4557009"/>
+            <a:off x="1889046" y="1475535"/>
+            <a:ext cx="8034443" cy="4546733"/>
           </a:xfrm>
           <a:prstGeom prst="rect">
             <a:avLst/>
@@ -8975,7 +10162,7 @@
     </p:spTree>
     <p:extLst>
       <p:ext uri="{BB962C8B-B14F-4D97-AF65-F5344CB8AC3E}">
-        <p14:creationId xmlns:p14="http://schemas.microsoft.com/office/powerpoint/2010/main" val="1862750991"/>
+        <p14:creationId xmlns:p14="http://schemas.microsoft.com/office/powerpoint/2010/main" val="1915401415"/>
       </p:ext>
     </p:extLst>
   </p:cSld>
@@ -9035,9 +10222,10 @@
           <a:p>
             <a:pPr algn="l"/>
             <a:r>
-              <a:rPr lang="en-IN" sz="4000" dirty="0"/>
-              <a:t>CONCLUSION</a:t>
-            </a:r>
+              <a:rPr lang="en-US" sz="4000" dirty="0"/>
+              <a:t>Training Data using Random Forest Classifier</a:t>
+            </a:r>
+            <a:endParaRPr lang="en-IN" sz="4000" dirty="0"/>
           </a:p>
         </p:txBody>
       </p:sp>
@@ -9085,6 +10273,1041 @@
           </a:p>
         </p:txBody>
       </p:sp>
+      <p:pic>
+        <p:nvPicPr>
+          <p:cNvPr id="5" name="Picture 4">
+            <a:extLst>
+              <a:ext uri="{FF2B5EF4-FFF2-40B4-BE49-F238E27FC236}">
+                <a16:creationId xmlns:a16="http://schemas.microsoft.com/office/drawing/2014/main" id="{523FFDD8-FD45-4061-94E4-95DC21BE934D}"/>
+              </a:ext>
+            </a:extLst>
+          </p:cNvPr>
+          <p:cNvPicPr>
+            <a:picLocks noChangeAspect="1"/>
+          </p:cNvPicPr>
+          <p:nvPr/>
+        </p:nvPicPr>
+        <p:blipFill>
+          <a:blip r:embed="rId2">
+            <a:extLst>
+              <a:ext uri="{28A0092B-C50C-407E-A947-70E740481C1C}">
+                <a14:useLocalDpi xmlns:a14="http://schemas.microsoft.com/office/drawing/2010/main" val="0"/>
+              </a:ext>
+            </a:extLst>
+          </a:blip>
+          <a:stretch>
+            <a:fillRect/>
+          </a:stretch>
+        </p:blipFill>
+        <p:spPr>
+          <a:xfrm>
+            <a:off x="2006939" y="1485762"/>
+            <a:ext cx="7376904" cy="4708971"/>
+          </a:xfrm>
+          <a:prstGeom prst="rect">
+            <a:avLst/>
+          </a:prstGeom>
+        </p:spPr>
+      </p:pic>
+    </p:spTree>
+    <p:extLst>
+      <p:ext uri="{BB962C8B-B14F-4D97-AF65-F5344CB8AC3E}">
+        <p14:creationId xmlns:p14="http://schemas.microsoft.com/office/powerpoint/2010/main" val="2432351012"/>
+      </p:ext>
+    </p:extLst>
+  </p:cSld>
+  <p:clrMapOvr>
+    <a:masterClrMapping/>
+  </p:clrMapOvr>
+  <p:transition spd="slow">
+    <p:wipe/>
+  </p:transition>
+</p:sld>
+</file>
+
+<file path=ppt/slides/slide22.xml><?xml version="1.0" encoding="utf-8"?>
+<p:sld xmlns:a="http://schemas.openxmlformats.org/drawingml/2006/main" xmlns:r="http://schemas.openxmlformats.org/officeDocument/2006/relationships" xmlns:p="http://schemas.openxmlformats.org/presentationml/2006/main">
+  <p:cSld>
+    <p:spTree>
+      <p:nvGrpSpPr>
+        <p:cNvPr id="1" name=""/>
+        <p:cNvGrpSpPr/>
+        <p:nvPr/>
+      </p:nvGrpSpPr>
+      <p:grpSpPr>
+        <a:xfrm>
+          <a:off x="0" y="0"/>
+          <a:ext cx="0" cy="0"/>
+          <a:chOff x="0" y="0"/>
+          <a:chExt cx="0" cy="0"/>
+        </a:xfrm>
+      </p:grpSpPr>
+      <p:sp>
+        <p:nvSpPr>
+          <p:cNvPr id="2" name="Title 1">
+            <a:extLst>
+              <a:ext uri="{FF2B5EF4-FFF2-40B4-BE49-F238E27FC236}">
+                <a16:creationId xmlns:a16="http://schemas.microsoft.com/office/drawing/2014/main" id="{1D1C873C-48D5-4475-BF62-474CE434F2E4}"/>
+              </a:ext>
+            </a:extLst>
+          </p:cNvPr>
+          <p:cNvSpPr>
+            <a:spLocks noGrp="1"/>
+          </p:cNvSpPr>
+          <p:nvPr>
+            <p:ph type="title"/>
+          </p:nvPr>
+        </p:nvSpPr>
+        <p:spPr>
+          <a:xfrm>
+            <a:off x="1616439" y="569626"/>
+            <a:ext cx="10018711" cy="779489"/>
+          </a:xfrm>
+        </p:spPr>
+        <p:txBody>
+          <a:bodyPr>
+            <a:normAutofit/>
+          </a:bodyPr>
+          <a:lstStyle/>
+          <a:p>
+            <a:pPr algn="l"/>
+            <a:r>
+              <a:rPr lang="en-US" sz="4000" dirty="0"/>
+              <a:t>Training Data using </a:t>
+            </a:r>
+            <a:r>
+              <a:rPr lang="en-US" sz="4000" dirty="0" err="1"/>
+              <a:t>GaussianNB</a:t>
+            </a:r>
+            <a:endParaRPr lang="en-IN" sz="4000" dirty="0"/>
+          </a:p>
+        </p:txBody>
+      </p:sp>
+      <p:sp>
+        <p:nvSpPr>
+          <p:cNvPr id="3" name="Rectangle 2">
+            <a:extLst>
+              <a:ext uri="{FF2B5EF4-FFF2-40B4-BE49-F238E27FC236}">
+                <a16:creationId xmlns:a16="http://schemas.microsoft.com/office/drawing/2014/main" id="{74F054A0-4674-48EC-8F86-E8FFDE6C155D}"/>
+              </a:ext>
+            </a:extLst>
+          </p:cNvPr>
+          <p:cNvSpPr/>
+          <p:nvPr/>
+        </p:nvSpPr>
+        <p:spPr>
+          <a:xfrm>
+            <a:off x="1649203" y="1289154"/>
+            <a:ext cx="9743322" cy="59961"/>
+          </a:xfrm>
+          <a:prstGeom prst="rect">
+            <a:avLst/>
+          </a:prstGeom>
+        </p:spPr>
+        <p:style>
+          <a:lnRef idx="0">
+            <a:schemeClr val="accent6"/>
+          </a:lnRef>
+          <a:fillRef idx="3">
+            <a:schemeClr val="accent6"/>
+          </a:fillRef>
+          <a:effectRef idx="3">
+            <a:schemeClr val="accent6"/>
+          </a:effectRef>
+          <a:fontRef idx="minor">
+            <a:schemeClr val="lt1"/>
+          </a:fontRef>
+        </p:style>
+        <p:txBody>
+          <a:bodyPr rtlCol="0" anchor="ctr"/>
+          <a:lstStyle/>
+          <a:p>
+            <a:pPr algn="ctr"/>
+            <a:endParaRPr lang="en-IN"/>
+          </a:p>
+        </p:txBody>
+      </p:sp>
+      <p:pic>
+        <p:nvPicPr>
+          <p:cNvPr id="6" name="Picture 5">
+            <a:extLst>
+              <a:ext uri="{FF2B5EF4-FFF2-40B4-BE49-F238E27FC236}">
+                <a16:creationId xmlns:a16="http://schemas.microsoft.com/office/drawing/2014/main" id="{D9BF7125-1F8C-4E5D-9D2F-A9D9BFF5CDE4}"/>
+              </a:ext>
+            </a:extLst>
+          </p:cNvPr>
+          <p:cNvPicPr>
+            <a:picLocks noChangeAspect="1"/>
+          </p:cNvPicPr>
+          <p:nvPr/>
+        </p:nvPicPr>
+        <p:blipFill>
+          <a:blip r:embed="rId2">
+            <a:extLst>
+              <a:ext uri="{28A0092B-C50C-407E-A947-70E740481C1C}">
+                <a14:useLocalDpi xmlns:a14="http://schemas.microsoft.com/office/drawing/2010/main" val="0"/>
+              </a:ext>
+            </a:extLst>
+          </a:blip>
+          <a:stretch>
+            <a:fillRect/>
+          </a:stretch>
+        </p:blipFill>
+        <p:spPr>
+          <a:xfrm>
+            <a:off x="2186707" y="1494147"/>
+            <a:ext cx="6747429" cy="4794227"/>
+          </a:xfrm>
+          <a:prstGeom prst="rect">
+            <a:avLst/>
+          </a:prstGeom>
+        </p:spPr>
+      </p:pic>
+    </p:spTree>
+    <p:extLst>
+      <p:ext uri="{BB962C8B-B14F-4D97-AF65-F5344CB8AC3E}">
+        <p14:creationId xmlns:p14="http://schemas.microsoft.com/office/powerpoint/2010/main" val="2554830097"/>
+      </p:ext>
+    </p:extLst>
+  </p:cSld>
+  <p:clrMapOvr>
+    <a:masterClrMapping/>
+  </p:clrMapOvr>
+  <p:transition spd="slow">
+    <p:wipe/>
+  </p:transition>
+</p:sld>
+</file>
+
+<file path=ppt/slides/slide23.xml><?xml version="1.0" encoding="utf-8"?>
+<p:sld xmlns:a="http://schemas.openxmlformats.org/drawingml/2006/main" xmlns:r="http://schemas.openxmlformats.org/officeDocument/2006/relationships" xmlns:p="http://schemas.openxmlformats.org/presentationml/2006/main">
+  <p:cSld>
+    <p:spTree>
+      <p:nvGrpSpPr>
+        <p:cNvPr id="1" name=""/>
+        <p:cNvGrpSpPr/>
+        <p:nvPr/>
+      </p:nvGrpSpPr>
+      <p:grpSpPr>
+        <a:xfrm>
+          <a:off x="0" y="0"/>
+          <a:ext cx="0" cy="0"/>
+          <a:chOff x="0" y="0"/>
+          <a:chExt cx="0" cy="0"/>
+        </a:xfrm>
+      </p:grpSpPr>
+      <p:sp>
+        <p:nvSpPr>
+          <p:cNvPr id="2" name="Title 1">
+            <a:extLst>
+              <a:ext uri="{FF2B5EF4-FFF2-40B4-BE49-F238E27FC236}">
+                <a16:creationId xmlns:a16="http://schemas.microsoft.com/office/drawing/2014/main" id="{1D1C873C-48D5-4475-BF62-474CE434F2E4}"/>
+              </a:ext>
+            </a:extLst>
+          </p:cNvPr>
+          <p:cNvSpPr>
+            <a:spLocks noGrp="1"/>
+          </p:cNvSpPr>
+          <p:nvPr>
+            <p:ph type="title"/>
+          </p:nvPr>
+        </p:nvSpPr>
+        <p:spPr>
+          <a:xfrm>
+            <a:off x="1616439" y="569626"/>
+            <a:ext cx="10018711" cy="779489"/>
+          </a:xfrm>
+        </p:spPr>
+        <p:txBody>
+          <a:bodyPr>
+            <a:normAutofit/>
+          </a:bodyPr>
+          <a:lstStyle/>
+          <a:p>
+            <a:pPr algn="l"/>
+            <a:r>
+              <a:rPr lang="en-US" sz="4000" dirty="0"/>
+              <a:t>Training Data using </a:t>
+            </a:r>
+            <a:r>
+              <a:rPr lang="en-US" sz="4000" dirty="0" err="1"/>
+              <a:t>KNeighborsClassifier</a:t>
+            </a:r>
+            <a:endParaRPr lang="en-IN" sz="4000" dirty="0"/>
+          </a:p>
+        </p:txBody>
+      </p:sp>
+      <p:sp>
+        <p:nvSpPr>
+          <p:cNvPr id="3" name="Rectangle 2">
+            <a:extLst>
+              <a:ext uri="{FF2B5EF4-FFF2-40B4-BE49-F238E27FC236}">
+                <a16:creationId xmlns:a16="http://schemas.microsoft.com/office/drawing/2014/main" id="{74F054A0-4674-48EC-8F86-E8FFDE6C155D}"/>
+              </a:ext>
+            </a:extLst>
+          </p:cNvPr>
+          <p:cNvSpPr/>
+          <p:nvPr/>
+        </p:nvSpPr>
+        <p:spPr>
+          <a:xfrm>
+            <a:off x="1649203" y="1289154"/>
+            <a:ext cx="9743322" cy="59961"/>
+          </a:xfrm>
+          <a:prstGeom prst="rect">
+            <a:avLst/>
+          </a:prstGeom>
+        </p:spPr>
+        <p:style>
+          <a:lnRef idx="0">
+            <a:schemeClr val="accent6"/>
+          </a:lnRef>
+          <a:fillRef idx="3">
+            <a:schemeClr val="accent6"/>
+          </a:fillRef>
+          <a:effectRef idx="3">
+            <a:schemeClr val="accent6"/>
+          </a:effectRef>
+          <a:fontRef idx="minor">
+            <a:schemeClr val="lt1"/>
+          </a:fontRef>
+        </p:style>
+        <p:txBody>
+          <a:bodyPr rtlCol="0" anchor="ctr"/>
+          <a:lstStyle/>
+          <a:p>
+            <a:pPr algn="ctr"/>
+            <a:endParaRPr lang="en-IN"/>
+          </a:p>
+        </p:txBody>
+      </p:sp>
+      <p:pic>
+        <p:nvPicPr>
+          <p:cNvPr id="5" name="Picture 4">
+            <a:extLst>
+              <a:ext uri="{FF2B5EF4-FFF2-40B4-BE49-F238E27FC236}">
+                <a16:creationId xmlns:a16="http://schemas.microsoft.com/office/drawing/2014/main" id="{7910A997-1F02-472C-A0B2-0B95894C9203}"/>
+              </a:ext>
+            </a:extLst>
+          </p:cNvPr>
+          <p:cNvPicPr>
+            <a:picLocks noChangeAspect="1"/>
+          </p:cNvPicPr>
+          <p:nvPr/>
+        </p:nvPicPr>
+        <p:blipFill>
+          <a:blip r:embed="rId2">
+            <a:extLst>
+              <a:ext uri="{28A0092B-C50C-407E-A947-70E740481C1C}">
+                <a14:useLocalDpi xmlns:a14="http://schemas.microsoft.com/office/drawing/2010/main" val="0"/>
+              </a:ext>
+            </a:extLst>
+          </a:blip>
+          <a:stretch>
+            <a:fillRect/>
+          </a:stretch>
+        </p:blipFill>
+        <p:spPr>
+          <a:xfrm>
+            <a:off x="2014782" y="1516444"/>
+            <a:ext cx="6424680" cy="4613315"/>
+          </a:xfrm>
+          <a:prstGeom prst="rect">
+            <a:avLst/>
+          </a:prstGeom>
+        </p:spPr>
+      </p:pic>
+    </p:spTree>
+    <p:extLst>
+      <p:ext uri="{BB962C8B-B14F-4D97-AF65-F5344CB8AC3E}">
+        <p14:creationId xmlns:p14="http://schemas.microsoft.com/office/powerpoint/2010/main" val="2661820477"/>
+      </p:ext>
+    </p:extLst>
+  </p:cSld>
+  <p:clrMapOvr>
+    <a:masterClrMapping/>
+  </p:clrMapOvr>
+  <p:transition spd="slow">
+    <p:wipe/>
+  </p:transition>
+</p:sld>
+</file>
+
+<file path=ppt/slides/slide24.xml><?xml version="1.0" encoding="utf-8"?>
+<p:sld xmlns:a="http://schemas.openxmlformats.org/drawingml/2006/main" xmlns:r="http://schemas.openxmlformats.org/officeDocument/2006/relationships" xmlns:p="http://schemas.openxmlformats.org/presentationml/2006/main">
+  <p:cSld>
+    <p:spTree>
+      <p:nvGrpSpPr>
+        <p:cNvPr id="1" name=""/>
+        <p:cNvGrpSpPr/>
+        <p:nvPr/>
+      </p:nvGrpSpPr>
+      <p:grpSpPr>
+        <a:xfrm>
+          <a:off x="0" y="0"/>
+          <a:ext cx="0" cy="0"/>
+          <a:chOff x="0" y="0"/>
+          <a:chExt cx="0" cy="0"/>
+        </a:xfrm>
+      </p:grpSpPr>
+      <p:sp>
+        <p:nvSpPr>
+          <p:cNvPr id="2" name="Title 1">
+            <a:extLst>
+              <a:ext uri="{FF2B5EF4-FFF2-40B4-BE49-F238E27FC236}">
+                <a16:creationId xmlns:a16="http://schemas.microsoft.com/office/drawing/2014/main" id="{1D1C873C-48D5-4475-BF62-474CE434F2E4}"/>
+              </a:ext>
+            </a:extLst>
+          </p:cNvPr>
+          <p:cNvSpPr>
+            <a:spLocks noGrp="1"/>
+          </p:cNvSpPr>
+          <p:nvPr>
+            <p:ph type="title"/>
+          </p:nvPr>
+        </p:nvSpPr>
+        <p:spPr>
+          <a:xfrm>
+            <a:off x="1616439" y="569626"/>
+            <a:ext cx="10018711" cy="779489"/>
+          </a:xfrm>
+        </p:spPr>
+        <p:txBody>
+          <a:bodyPr>
+            <a:normAutofit/>
+          </a:bodyPr>
+          <a:lstStyle/>
+          <a:p>
+            <a:pPr algn="l"/>
+            <a:r>
+              <a:rPr lang="en-US" sz="4000" dirty="0"/>
+              <a:t>Training Data using </a:t>
+            </a:r>
+            <a:r>
+              <a:rPr lang="en-US" sz="4000" dirty="0" err="1"/>
+              <a:t>LogisticRegression</a:t>
+            </a:r>
+            <a:endParaRPr lang="en-IN" sz="4000" dirty="0"/>
+          </a:p>
+        </p:txBody>
+      </p:sp>
+      <p:sp>
+        <p:nvSpPr>
+          <p:cNvPr id="3" name="Rectangle 2">
+            <a:extLst>
+              <a:ext uri="{FF2B5EF4-FFF2-40B4-BE49-F238E27FC236}">
+                <a16:creationId xmlns:a16="http://schemas.microsoft.com/office/drawing/2014/main" id="{74F054A0-4674-48EC-8F86-E8FFDE6C155D}"/>
+              </a:ext>
+            </a:extLst>
+          </p:cNvPr>
+          <p:cNvSpPr/>
+          <p:nvPr/>
+        </p:nvSpPr>
+        <p:spPr>
+          <a:xfrm>
+            <a:off x="1649203" y="1289154"/>
+            <a:ext cx="9743322" cy="59961"/>
+          </a:xfrm>
+          <a:prstGeom prst="rect">
+            <a:avLst/>
+          </a:prstGeom>
+        </p:spPr>
+        <p:style>
+          <a:lnRef idx="0">
+            <a:schemeClr val="accent6"/>
+          </a:lnRef>
+          <a:fillRef idx="3">
+            <a:schemeClr val="accent6"/>
+          </a:fillRef>
+          <a:effectRef idx="3">
+            <a:schemeClr val="accent6"/>
+          </a:effectRef>
+          <a:fontRef idx="minor">
+            <a:schemeClr val="lt1"/>
+          </a:fontRef>
+        </p:style>
+        <p:txBody>
+          <a:bodyPr rtlCol="0" anchor="ctr"/>
+          <a:lstStyle/>
+          <a:p>
+            <a:pPr algn="ctr"/>
+            <a:endParaRPr lang="en-IN"/>
+          </a:p>
+        </p:txBody>
+      </p:sp>
+      <p:pic>
+        <p:nvPicPr>
+          <p:cNvPr id="6" name="Picture 5">
+            <a:extLst>
+              <a:ext uri="{FF2B5EF4-FFF2-40B4-BE49-F238E27FC236}">
+                <a16:creationId xmlns:a16="http://schemas.microsoft.com/office/drawing/2014/main" id="{D4DC8BC1-72A6-46B3-9DFD-5745B25E8F9E}"/>
+              </a:ext>
+            </a:extLst>
+          </p:cNvPr>
+          <p:cNvPicPr>
+            <a:picLocks noChangeAspect="1"/>
+          </p:cNvPicPr>
+          <p:nvPr/>
+        </p:nvPicPr>
+        <p:blipFill>
+          <a:blip r:embed="rId2">
+            <a:extLst>
+              <a:ext uri="{28A0092B-C50C-407E-A947-70E740481C1C}">
+                <a14:useLocalDpi xmlns:a14="http://schemas.microsoft.com/office/drawing/2010/main" val="0"/>
+              </a:ext>
+            </a:extLst>
+          </a:blip>
+          <a:stretch>
+            <a:fillRect/>
+          </a:stretch>
+        </p:blipFill>
+        <p:spPr>
+          <a:xfrm>
+            <a:off x="2083857" y="1536197"/>
+            <a:ext cx="8662553" cy="4692216"/>
+          </a:xfrm>
+          <a:prstGeom prst="rect">
+            <a:avLst/>
+          </a:prstGeom>
+        </p:spPr>
+      </p:pic>
+    </p:spTree>
+    <p:extLst>
+      <p:ext uri="{BB962C8B-B14F-4D97-AF65-F5344CB8AC3E}">
+        <p14:creationId xmlns:p14="http://schemas.microsoft.com/office/powerpoint/2010/main" val="1148388603"/>
+      </p:ext>
+    </p:extLst>
+  </p:cSld>
+  <p:clrMapOvr>
+    <a:masterClrMapping/>
+  </p:clrMapOvr>
+  <p:transition spd="slow">
+    <p:wipe/>
+  </p:transition>
+</p:sld>
+</file>
+
+<file path=ppt/slides/slide25.xml><?xml version="1.0" encoding="utf-8"?>
+<p:sld xmlns:a="http://schemas.openxmlformats.org/drawingml/2006/main" xmlns:r="http://schemas.openxmlformats.org/officeDocument/2006/relationships" xmlns:p="http://schemas.openxmlformats.org/presentationml/2006/main">
+  <p:cSld>
+    <p:spTree>
+      <p:nvGrpSpPr>
+        <p:cNvPr id="1" name=""/>
+        <p:cNvGrpSpPr/>
+        <p:nvPr/>
+      </p:nvGrpSpPr>
+      <p:grpSpPr>
+        <a:xfrm>
+          <a:off x="0" y="0"/>
+          <a:ext cx="0" cy="0"/>
+          <a:chOff x="0" y="0"/>
+          <a:chExt cx="0" cy="0"/>
+        </a:xfrm>
+      </p:grpSpPr>
+      <p:sp>
+        <p:nvSpPr>
+          <p:cNvPr id="2" name="Title 1">
+            <a:extLst>
+              <a:ext uri="{FF2B5EF4-FFF2-40B4-BE49-F238E27FC236}">
+                <a16:creationId xmlns:a16="http://schemas.microsoft.com/office/drawing/2014/main" id="{1D1C873C-48D5-4475-BF62-474CE434F2E4}"/>
+              </a:ext>
+            </a:extLst>
+          </p:cNvPr>
+          <p:cNvSpPr>
+            <a:spLocks noGrp="1"/>
+          </p:cNvSpPr>
+          <p:nvPr>
+            <p:ph type="title"/>
+          </p:nvPr>
+        </p:nvSpPr>
+        <p:spPr>
+          <a:xfrm>
+            <a:off x="1616439" y="569626"/>
+            <a:ext cx="10018711" cy="779489"/>
+          </a:xfrm>
+        </p:spPr>
+        <p:txBody>
+          <a:bodyPr>
+            <a:normAutofit/>
+          </a:bodyPr>
+          <a:lstStyle/>
+          <a:p>
+            <a:pPr algn="l"/>
+            <a:r>
+              <a:rPr lang="en-US" sz="4000" dirty="0"/>
+              <a:t>Training Data using </a:t>
+            </a:r>
+            <a:r>
+              <a:rPr lang="en-IN" dirty="0"/>
+              <a:t> </a:t>
+            </a:r>
+            <a:r>
+              <a:rPr lang="en-IN" b="1" dirty="0"/>
+              <a:t>Support Vector Machines</a:t>
+            </a:r>
+            <a:r>
+              <a:rPr lang="en-IN" dirty="0"/>
+              <a:t> </a:t>
+            </a:r>
+            <a:endParaRPr lang="en-IN" sz="4000" dirty="0"/>
+          </a:p>
+        </p:txBody>
+      </p:sp>
+      <p:sp>
+        <p:nvSpPr>
+          <p:cNvPr id="3" name="Rectangle 2">
+            <a:extLst>
+              <a:ext uri="{FF2B5EF4-FFF2-40B4-BE49-F238E27FC236}">
+                <a16:creationId xmlns:a16="http://schemas.microsoft.com/office/drawing/2014/main" id="{74F054A0-4674-48EC-8F86-E8FFDE6C155D}"/>
+              </a:ext>
+            </a:extLst>
+          </p:cNvPr>
+          <p:cNvSpPr/>
+          <p:nvPr/>
+        </p:nvSpPr>
+        <p:spPr>
+          <a:xfrm>
+            <a:off x="1649203" y="1289154"/>
+            <a:ext cx="9743322" cy="59961"/>
+          </a:xfrm>
+          <a:prstGeom prst="rect">
+            <a:avLst/>
+          </a:prstGeom>
+        </p:spPr>
+        <p:style>
+          <a:lnRef idx="0">
+            <a:schemeClr val="accent6"/>
+          </a:lnRef>
+          <a:fillRef idx="3">
+            <a:schemeClr val="accent6"/>
+          </a:fillRef>
+          <a:effectRef idx="3">
+            <a:schemeClr val="accent6"/>
+          </a:effectRef>
+          <a:fontRef idx="minor">
+            <a:schemeClr val="lt1"/>
+          </a:fontRef>
+        </p:style>
+        <p:txBody>
+          <a:bodyPr rtlCol="0" anchor="ctr"/>
+          <a:lstStyle/>
+          <a:p>
+            <a:pPr algn="ctr"/>
+            <a:endParaRPr lang="en-IN"/>
+          </a:p>
+        </p:txBody>
+      </p:sp>
+      <p:pic>
+        <p:nvPicPr>
+          <p:cNvPr id="8" name="Picture 7">
+            <a:extLst>
+              <a:ext uri="{FF2B5EF4-FFF2-40B4-BE49-F238E27FC236}">
+                <a16:creationId xmlns:a16="http://schemas.microsoft.com/office/drawing/2014/main" id="{94AC3652-EA4D-48D0-BCBD-F0972378C79D}"/>
+              </a:ext>
+            </a:extLst>
+          </p:cNvPr>
+          <p:cNvPicPr>
+            <a:picLocks noChangeAspect="1"/>
+          </p:cNvPicPr>
+          <p:nvPr/>
+        </p:nvPicPr>
+        <p:blipFill>
+          <a:blip r:embed="rId2">
+            <a:extLst>
+              <a:ext uri="{28A0092B-C50C-407E-A947-70E740481C1C}">
+                <a14:useLocalDpi xmlns:a14="http://schemas.microsoft.com/office/drawing/2010/main" val="0"/>
+              </a:ext>
+            </a:extLst>
+          </a:blip>
+          <a:stretch>
+            <a:fillRect/>
+          </a:stretch>
+        </p:blipFill>
+        <p:spPr>
+          <a:xfrm>
+            <a:off x="2295378" y="1422185"/>
+            <a:ext cx="6803652" cy="4866189"/>
+          </a:xfrm>
+          <a:prstGeom prst="rect">
+            <a:avLst/>
+          </a:prstGeom>
+        </p:spPr>
+      </p:pic>
+    </p:spTree>
+    <p:extLst>
+      <p:ext uri="{BB962C8B-B14F-4D97-AF65-F5344CB8AC3E}">
+        <p14:creationId xmlns:p14="http://schemas.microsoft.com/office/powerpoint/2010/main" val="3134068972"/>
+      </p:ext>
+    </p:extLst>
+  </p:cSld>
+  <p:clrMapOvr>
+    <a:masterClrMapping/>
+  </p:clrMapOvr>
+  <p:transition spd="slow">
+    <p:wipe/>
+  </p:transition>
+</p:sld>
+</file>
+
+<file path=ppt/slides/slide26.xml><?xml version="1.0" encoding="utf-8"?>
+<p:sld xmlns:a="http://schemas.openxmlformats.org/drawingml/2006/main" xmlns:r="http://schemas.openxmlformats.org/officeDocument/2006/relationships" xmlns:p="http://schemas.openxmlformats.org/presentationml/2006/main">
+  <p:cSld>
+    <p:spTree>
+      <p:nvGrpSpPr>
+        <p:cNvPr id="1" name=""/>
+        <p:cNvGrpSpPr/>
+        <p:nvPr/>
+      </p:nvGrpSpPr>
+      <p:grpSpPr>
+        <a:xfrm>
+          <a:off x="0" y="0"/>
+          <a:ext cx="0" cy="0"/>
+          <a:chOff x="0" y="0"/>
+          <a:chExt cx="0" cy="0"/>
+        </a:xfrm>
+      </p:grpSpPr>
+      <p:sp>
+        <p:nvSpPr>
+          <p:cNvPr id="2" name="Title 1">
+            <a:extLst>
+              <a:ext uri="{FF2B5EF4-FFF2-40B4-BE49-F238E27FC236}">
+                <a16:creationId xmlns:a16="http://schemas.microsoft.com/office/drawing/2014/main" id="{1D1C873C-48D5-4475-BF62-474CE434F2E4}"/>
+              </a:ext>
+            </a:extLst>
+          </p:cNvPr>
+          <p:cNvSpPr>
+            <a:spLocks noGrp="1"/>
+          </p:cNvSpPr>
+          <p:nvPr>
+            <p:ph type="title"/>
+          </p:nvPr>
+        </p:nvSpPr>
+        <p:spPr>
+          <a:xfrm>
+            <a:off x="1616439" y="569626"/>
+            <a:ext cx="10018711" cy="779489"/>
+          </a:xfrm>
+        </p:spPr>
+        <p:txBody>
+          <a:bodyPr>
+            <a:normAutofit/>
+          </a:bodyPr>
+          <a:lstStyle/>
+          <a:p>
+            <a:pPr algn="l"/>
+            <a:r>
+              <a:rPr lang="en-IN" sz="4000" dirty="0"/>
+              <a:t>COMPARING MODELS</a:t>
+            </a:r>
+          </a:p>
+        </p:txBody>
+      </p:sp>
+      <p:sp>
+        <p:nvSpPr>
+          <p:cNvPr id="3" name="Rectangle 2">
+            <a:extLst>
+              <a:ext uri="{FF2B5EF4-FFF2-40B4-BE49-F238E27FC236}">
+                <a16:creationId xmlns:a16="http://schemas.microsoft.com/office/drawing/2014/main" id="{74F054A0-4674-48EC-8F86-E8FFDE6C155D}"/>
+              </a:ext>
+            </a:extLst>
+          </p:cNvPr>
+          <p:cNvSpPr/>
+          <p:nvPr/>
+        </p:nvSpPr>
+        <p:spPr>
+          <a:xfrm>
+            <a:off x="1649203" y="1289154"/>
+            <a:ext cx="9743322" cy="59961"/>
+          </a:xfrm>
+          <a:prstGeom prst="rect">
+            <a:avLst/>
+          </a:prstGeom>
+        </p:spPr>
+        <p:style>
+          <a:lnRef idx="0">
+            <a:schemeClr val="accent6"/>
+          </a:lnRef>
+          <a:fillRef idx="3">
+            <a:schemeClr val="accent6"/>
+          </a:fillRef>
+          <a:effectRef idx="3">
+            <a:schemeClr val="accent6"/>
+          </a:effectRef>
+          <a:fontRef idx="minor">
+            <a:schemeClr val="lt1"/>
+          </a:fontRef>
+        </p:style>
+        <p:txBody>
+          <a:bodyPr rtlCol="0" anchor="ctr"/>
+          <a:lstStyle/>
+          <a:p>
+            <a:pPr algn="ctr"/>
+            <a:endParaRPr lang="en-IN"/>
+          </a:p>
+        </p:txBody>
+      </p:sp>
+      <p:sp>
+        <p:nvSpPr>
+          <p:cNvPr id="5" name="Title 1">
+            <a:extLst>
+              <a:ext uri="{FF2B5EF4-FFF2-40B4-BE49-F238E27FC236}">
+                <a16:creationId xmlns:a16="http://schemas.microsoft.com/office/drawing/2014/main" id="{CB2AB175-D6E3-4E44-A31C-45C3ADAC4676}"/>
+              </a:ext>
+            </a:extLst>
+          </p:cNvPr>
+          <p:cNvSpPr txBox="1">
+            <a:spLocks/>
+          </p:cNvSpPr>
+          <p:nvPr/>
+        </p:nvSpPr>
+        <p:spPr>
+          <a:xfrm>
+            <a:off x="1616439" y="1349115"/>
+            <a:ext cx="9913780" cy="779489"/>
+          </a:xfrm>
+          <a:prstGeom prst="rect">
+            <a:avLst/>
+          </a:prstGeom>
+          <a:effectLst/>
+        </p:spPr>
+        <p:txBody>
+          <a:bodyPr vert="horz" lIns="91440" tIns="45720" rIns="91440" bIns="45720" rtlCol="0" anchor="ctr">
+            <a:normAutofit/>
+          </a:bodyPr>
+          <a:lstStyle>
+            <a:lvl1pPr algn="ctr" defTabSz="457200" rtl="0" eaLnBrk="1" latinLnBrk="0" hangingPunct="1">
+              <a:spcBef>
+                <a:spcPct val="0"/>
+              </a:spcBef>
+              <a:buNone/>
+              <a:defRPr sz="3200" b="0" kern="1200" cap="none">
+                <a:ln w="3175" cmpd="sng">
+                  <a:noFill/>
+                </a:ln>
+                <a:solidFill>
+                  <a:schemeClr val="tx1"/>
+                </a:solidFill>
+                <a:effectLst/>
+                <a:latin typeface="+mj-lt"/>
+                <a:ea typeface="+mj-ea"/>
+                <a:cs typeface="+mj-cs"/>
+              </a:defRPr>
+            </a:lvl1pPr>
+            <a:lvl2pPr eaLnBrk="1" hangingPunct="1">
+              <a:defRPr>
+                <a:solidFill>
+                  <a:schemeClr val="tx2"/>
+                </a:solidFill>
+              </a:defRPr>
+            </a:lvl2pPr>
+            <a:lvl3pPr eaLnBrk="1" hangingPunct="1">
+              <a:defRPr>
+                <a:solidFill>
+                  <a:schemeClr val="tx2"/>
+                </a:solidFill>
+              </a:defRPr>
+            </a:lvl3pPr>
+            <a:lvl4pPr eaLnBrk="1" hangingPunct="1">
+              <a:defRPr>
+                <a:solidFill>
+                  <a:schemeClr val="tx2"/>
+                </a:solidFill>
+              </a:defRPr>
+            </a:lvl4pPr>
+            <a:lvl5pPr eaLnBrk="1" hangingPunct="1">
+              <a:defRPr>
+                <a:solidFill>
+                  <a:schemeClr val="tx2"/>
+                </a:solidFill>
+              </a:defRPr>
+            </a:lvl5pPr>
+            <a:lvl6pPr eaLnBrk="1" hangingPunct="1">
+              <a:defRPr>
+                <a:solidFill>
+                  <a:schemeClr val="tx2"/>
+                </a:solidFill>
+              </a:defRPr>
+            </a:lvl6pPr>
+            <a:lvl7pPr eaLnBrk="1" hangingPunct="1">
+              <a:defRPr>
+                <a:solidFill>
+                  <a:schemeClr val="tx2"/>
+                </a:solidFill>
+              </a:defRPr>
+            </a:lvl7pPr>
+            <a:lvl8pPr eaLnBrk="1" hangingPunct="1">
+              <a:defRPr>
+                <a:solidFill>
+                  <a:schemeClr val="tx2"/>
+                </a:solidFill>
+              </a:defRPr>
+            </a:lvl8pPr>
+            <a:lvl9pPr eaLnBrk="1" hangingPunct="1">
+              <a:defRPr>
+                <a:solidFill>
+                  <a:schemeClr val="tx2"/>
+                </a:solidFill>
+              </a:defRPr>
+            </a:lvl9pPr>
+          </a:lstStyle>
+          <a:p>
+            <a:pPr algn="l"/>
+            <a:r>
+              <a:rPr lang="en-IN" sz="2400" dirty="0"/>
+              <a:t>Comparing all the models with there accuracy</a:t>
+            </a:r>
+          </a:p>
+        </p:txBody>
+      </p:sp>
+      <p:pic>
+        <p:nvPicPr>
+          <p:cNvPr id="6" name="Picture 5">
+            <a:extLst>
+              <a:ext uri="{FF2B5EF4-FFF2-40B4-BE49-F238E27FC236}">
+                <a16:creationId xmlns:a16="http://schemas.microsoft.com/office/drawing/2014/main" id="{FDD6419F-B90A-4B2B-93A4-2EF20657AB69}"/>
+              </a:ext>
+            </a:extLst>
+          </p:cNvPr>
+          <p:cNvPicPr>
+            <a:picLocks noChangeAspect="1"/>
+          </p:cNvPicPr>
+          <p:nvPr/>
+        </p:nvPicPr>
+        <p:blipFill>
+          <a:blip r:embed="rId2">
+            <a:extLst>
+              <a:ext uri="{28A0092B-C50C-407E-A947-70E740481C1C}">
+                <a14:useLocalDpi xmlns:a14="http://schemas.microsoft.com/office/drawing/2010/main" val="0"/>
+              </a:ext>
+            </a:extLst>
+          </a:blip>
+          <a:stretch>
+            <a:fillRect/>
+          </a:stretch>
+        </p:blipFill>
+        <p:spPr>
+          <a:xfrm>
+            <a:off x="2808750" y="2068643"/>
+            <a:ext cx="7245412" cy="4557009"/>
+          </a:xfrm>
+          <a:prstGeom prst="rect">
+            <a:avLst/>
+          </a:prstGeom>
+        </p:spPr>
+      </p:pic>
+    </p:spTree>
+    <p:extLst>
+      <p:ext uri="{BB962C8B-B14F-4D97-AF65-F5344CB8AC3E}">
+        <p14:creationId xmlns:p14="http://schemas.microsoft.com/office/powerpoint/2010/main" val="1862750991"/>
+      </p:ext>
+    </p:extLst>
+  </p:cSld>
+  <p:clrMapOvr>
+    <a:masterClrMapping/>
+  </p:clrMapOvr>
+  <p:transition spd="slow">
+    <p:wipe/>
+  </p:transition>
+</p:sld>
+</file>
+
+<file path=ppt/slides/slide27.xml><?xml version="1.0" encoding="utf-8"?>
+<p:sld xmlns:a="http://schemas.openxmlformats.org/drawingml/2006/main" xmlns:r="http://schemas.openxmlformats.org/officeDocument/2006/relationships" xmlns:p="http://schemas.openxmlformats.org/presentationml/2006/main">
+  <p:cSld>
+    <p:spTree>
+      <p:nvGrpSpPr>
+        <p:cNvPr id="1" name=""/>
+        <p:cNvGrpSpPr/>
+        <p:nvPr/>
+      </p:nvGrpSpPr>
+      <p:grpSpPr>
+        <a:xfrm>
+          <a:off x="0" y="0"/>
+          <a:ext cx="0" cy="0"/>
+          <a:chOff x="0" y="0"/>
+          <a:chExt cx="0" cy="0"/>
+        </a:xfrm>
+      </p:grpSpPr>
+      <p:sp>
+        <p:nvSpPr>
+          <p:cNvPr id="2" name="Title 1">
+            <a:extLst>
+              <a:ext uri="{FF2B5EF4-FFF2-40B4-BE49-F238E27FC236}">
+                <a16:creationId xmlns:a16="http://schemas.microsoft.com/office/drawing/2014/main" id="{1D1C873C-48D5-4475-BF62-474CE434F2E4}"/>
+              </a:ext>
+            </a:extLst>
+          </p:cNvPr>
+          <p:cNvSpPr>
+            <a:spLocks noGrp="1"/>
+          </p:cNvSpPr>
+          <p:nvPr>
+            <p:ph type="title"/>
+          </p:nvPr>
+        </p:nvSpPr>
+        <p:spPr>
+          <a:xfrm>
+            <a:off x="1616439" y="569626"/>
+            <a:ext cx="10018711" cy="779489"/>
+          </a:xfrm>
+        </p:spPr>
+        <p:txBody>
+          <a:bodyPr>
+            <a:normAutofit/>
+          </a:bodyPr>
+          <a:lstStyle/>
+          <a:p>
+            <a:pPr algn="l"/>
+            <a:r>
+              <a:rPr lang="en-IN" sz="4000" dirty="0"/>
+              <a:t>CONCLUSION</a:t>
+            </a:r>
+          </a:p>
+        </p:txBody>
+      </p:sp>
+      <p:sp>
+        <p:nvSpPr>
+          <p:cNvPr id="3" name="Rectangle 2">
+            <a:extLst>
+              <a:ext uri="{FF2B5EF4-FFF2-40B4-BE49-F238E27FC236}">
+                <a16:creationId xmlns:a16="http://schemas.microsoft.com/office/drawing/2014/main" id="{74F054A0-4674-48EC-8F86-E8FFDE6C155D}"/>
+              </a:ext>
+            </a:extLst>
+          </p:cNvPr>
+          <p:cNvSpPr/>
+          <p:nvPr/>
+        </p:nvSpPr>
+        <p:spPr>
+          <a:xfrm>
+            <a:off x="1649203" y="1289154"/>
+            <a:ext cx="9743322" cy="59961"/>
+          </a:xfrm>
+          <a:prstGeom prst="rect">
+            <a:avLst/>
+          </a:prstGeom>
+        </p:spPr>
+        <p:style>
+          <a:lnRef idx="0">
+            <a:schemeClr val="accent6"/>
+          </a:lnRef>
+          <a:fillRef idx="3">
+            <a:schemeClr val="accent6"/>
+          </a:fillRef>
+          <a:effectRef idx="3">
+            <a:schemeClr val="accent6"/>
+          </a:effectRef>
+          <a:fontRef idx="minor">
+            <a:schemeClr val="lt1"/>
+          </a:fontRef>
+        </p:style>
+        <p:txBody>
+          <a:bodyPr rtlCol="0" anchor="ctr"/>
+          <a:lstStyle/>
+          <a:p>
+            <a:pPr algn="ctr"/>
+            <a:endParaRPr lang="en-IN"/>
+          </a:p>
+        </p:txBody>
+      </p:sp>
       <p:sp>
         <p:nvSpPr>
           <p:cNvPr id="5" name="Title 1">
@@ -9251,6 +11474,324 @@
     <p:extLst>
       <p:ext uri="{BB962C8B-B14F-4D97-AF65-F5344CB8AC3E}">
         <p14:creationId xmlns:p14="http://schemas.microsoft.com/office/powerpoint/2010/main" val="430525681"/>
+      </p:ext>
+    </p:extLst>
+  </p:cSld>
+  <p:clrMapOvr>
+    <a:masterClrMapping/>
+  </p:clrMapOvr>
+  <p:transition spd="slow">
+    <p:wipe/>
+  </p:transition>
+</p:sld>
+</file>
+
+<file path=ppt/slides/slide28.xml><?xml version="1.0" encoding="utf-8"?>
+<p:sld xmlns:a="http://schemas.openxmlformats.org/drawingml/2006/main" xmlns:r="http://schemas.openxmlformats.org/officeDocument/2006/relationships" xmlns:p="http://schemas.openxmlformats.org/presentationml/2006/main">
+  <p:cSld>
+    <p:spTree>
+      <p:nvGrpSpPr>
+        <p:cNvPr id="1" name=""/>
+        <p:cNvGrpSpPr/>
+        <p:nvPr/>
+      </p:nvGrpSpPr>
+      <p:grpSpPr>
+        <a:xfrm>
+          <a:off x="0" y="0"/>
+          <a:ext cx="0" cy="0"/>
+          <a:chOff x="0" y="0"/>
+          <a:chExt cx="0" cy="0"/>
+        </a:xfrm>
+      </p:grpSpPr>
+      <p:sp>
+        <p:nvSpPr>
+          <p:cNvPr id="2" name="Title 1">
+            <a:extLst>
+              <a:ext uri="{FF2B5EF4-FFF2-40B4-BE49-F238E27FC236}">
+                <a16:creationId xmlns:a16="http://schemas.microsoft.com/office/drawing/2014/main" id="{1D1C873C-48D5-4475-BF62-474CE434F2E4}"/>
+              </a:ext>
+            </a:extLst>
+          </p:cNvPr>
+          <p:cNvSpPr>
+            <a:spLocks noGrp="1"/>
+          </p:cNvSpPr>
+          <p:nvPr>
+            <p:ph type="title"/>
+          </p:nvPr>
+        </p:nvSpPr>
+        <p:spPr>
+          <a:xfrm>
+            <a:off x="1616439" y="569626"/>
+            <a:ext cx="10018711" cy="779489"/>
+          </a:xfrm>
+        </p:spPr>
+        <p:txBody>
+          <a:bodyPr>
+            <a:normAutofit/>
+          </a:bodyPr>
+          <a:lstStyle/>
+          <a:p>
+            <a:pPr algn="l"/>
+            <a:r>
+              <a:rPr lang="en-IN" sz="4000" dirty="0"/>
+              <a:t>REFRENCES</a:t>
+            </a:r>
+          </a:p>
+        </p:txBody>
+      </p:sp>
+      <p:sp>
+        <p:nvSpPr>
+          <p:cNvPr id="3" name="Rectangle 2">
+            <a:extLst>
+              <a:ext uri="{FF2B5EF4-FFF2-40B4-BE49-F238E27FC236}">
+                <a16:creationId xmlns:a16="http://schemas.microsoft.com/office/drawing/2014/main" id="{74F054A0-4674-48EC-8F86-E8FFDE6C155D}"/>
+              </a:ext>
+            </a:extLst>
+          </p:cNvPr>
+          <p:cNvSpPr/>
+          <p:nvPr/>
+        </p:nvSpPr>
+        <p:spPr>
+          <a:xfrm>
+            <a:off x="1649203" y="1289154"/>
+            <a:ext cx="9743322" cy="59961"/>
+          </a:xfrm>
+          <a:prstGeom prst="rect">
+            <a:avLst/>
+          </a:prstGeom>
+        </p:spPr>
+        <p:style>
+          <a:lnRef idx="0">
+            <a:schemeClr val="accent6"/>
+          </a:lnRef>
+          <a:fillRef idx="3">
+            <a:schemeClr val="accent6"/>
+          </a:fillRef>
+          <a:effectRef idx="3">
+            <a:schemeClr val="accent6"/>
+          </a:effectRef>
+          <a:fontRef idx="minor">
+            <a:schemeClr val="lt1"/>
+          </a:fontRef>
+        </p:style>
+        <p:txBody>
+          <a:bodyPr rtlCol="0" anchor="ctr"/>
+          <a:lstStyle/>
+          <a:p>
+            <a:pPr algn="ctr"/>
+            <a:endParaRPr lang="en-IN"/>
+          </a:p>
+        </p:txBody>
+      </p:sp>
+      <p:sp>
+        <p:nvSpPr>
+          <p:cNvPr id="5" name="Title 1">
+            <a:extLst>
+              <a:ext uri="{FF2B5EF4-FFF2-40B4-BE49-F238E27FC236}">
+                <a16:creationId xmlns:a16="http://schemas.microsoft.com/office/drawing/2014/main" id="{CB2AB175-D6E3-4E44-A31C-45C3ADAC4676}"/>
+              </a:ext>
+            </a:extLst>
+          </p:cNvPr>
+          <p:cNvSpPr txBox="1">
+            <a:spLocks/>
+          </p:cNvSpPr>
+          <p:nvPr/>
+        </p:nvSpPr>
+        <p:spPr>
+          <a:xfrm>
+            <a:off x="1511508" y="1349115"/>
+            <a:ext cx="10018711" cy="4407108"/>
+          </a:xfrm>
+          <a:prstGeom prst="rect">
+            <a:avLst/>
+          </a:prstGeom>
+          <a:effectLst/>
+        </p:spPr>
+        <p:txBody>
+          <a:bodyPr vert="horz" lIns="91440" tIns="45720" rIns="91440" bIns="45720" rtlCol="0" anchor="t">
+            <a:normAutofit/>
+          </a:bodyPr>
+          <a:lstStyle>
+            <a:lvl1pPr algn="ctr" defTabSz="457200" rtl="0" eaLnBrk="1" latinLnBrk="0" hangingPunct="1">
+              <a:spcBef>
+                <a:spcPct val="0"/>
+              </a:spcBef>
+              <a:buNone/>
+              <a:defRPr sz="3200" b="0" kern="1200" cap="none">
+                <a:ln w="3175" cmpd="sng">
+                  <a:noFill/>
+                </a:ln>
+                <a:solidFill>
+                  <a:schemeClr val="tx1"/>
+                </a:solidFill>
+                <a:effectLst/>
+                <a:latin typeface="+mj-lt"/>
+                <a:ea typeface="+mj-ea"/>
+                <a:cs typeface="+mj-cs"/>
+              </a:defRPr>
+            </a:lvl1pPr>
+            <a:lvl2pPr eaLnBrk="1" hangingPunct="1">
+              <a:defRPr>
+                <a:solidFill>
+                  <a:schemeClr val="tx2"/>
+                </a:solidFill>
+              </a:defRPr>
+            </a:lvl2pPr>
+            <a:lvl3pPr eaLnBrk="1" hangingPunct="1">
+              <a:defRPr>
+                <a:solidFill>
+                  <a:schemeClr val="tx2"/>
+                </a:solidFill>
+              </a:defRPr>
+            </a:lvl3pPr>
+            <a:lvl4pPr eaLnBrk="1" hangingPunct="1">
+              <a:defRPr>
+                <a:solidFill>
+                  <a:schemeClr val="tx2"/>
+                </a:solidFill>
+              </a:defRPr>
+            </a:lvl4pPr>
+            <a:lvl5pPr eaLnBrk="1" hangingPunct="1">
+              <a:defRPr>
+                <a:solidFill>
+                  <a:schemeClr val="tx2"/>
+                </a:solidFill>
+              </a:defRPr>
+            </a:lvl5pPr>
+            <a:lvl6pPr eaLnBrk="1" hangingPunct="1">
+              <a:defRPr>
+                <a:solidFill>
+                  <a:schemeClr val="tx2"/>
+                </a:solidFill>
+              </a:defRPr>
+            </a:lvl6pPr>
+            <a:lvl7pPr eaLnBrk="1" hangingPunct="1">
+              <a:defRPr>
+                <a:solidFill>
+                  <a:schemeClr val="tx2"/>
+                </a:solidFill>
+              </a:defRPr>
+            </a:lvl7pPr>
+            <a:lvl8pPr eaLnBrk="1" hangingPunct="1">
+              <a:defRPr>
+                <a:solidFill>
+                  <a:schemeClr val="tx2"/>
+                </a:solidFill>
+              </a:defRPr>
+            </a:lvl8pPr>
+            <a:lvl9pPr eaLnBrk="1" hangingPunct="1">
+              <a:defRPr>
+                <a:solidFill>
+                  <a:schemeClr val="tx2"/>
+                </a:solidFill>
+              </a:defRPr>
+            </a:lvl9pPr>
+          </a:lstStyle>
+          <a:p>
+            <a:pPr marL="342900" indent="-342900" algn="l">
+              <a:buFont typeface="Arial" panose="020B0604020202020204" pitchFamily="34" charset="0"/>
+              <a:buChar char="•"/>
+            </a:pPr>
+            <a:r>
+              <a:rPr lang="en-US" sz="2400" dirty="0"/>
+              <a:t>GeeksforGeeks.org for python guidelines.</a:t>
+            </a:r>
+          </a:p>
+          <a:p>
+            <a:pPr marL="342900" indent="-342900" algn="l">
+              <a:buFont typeface="Arial" panose="020B0604020202020204" pitchFamily="34" charset="0"/>
+              <a:buChar char="•"/>
+            </a:pPr>
+            <a:r>
+              <a:rPr lang="en-US" sz="2400" dirty="0"/>
+              <a:t>Quora.com for assistance in Machine Learning codes.</a:t>
+            </a:r>
+          </a:p>
+          <a:p>
+            <a:pPr marL="342900" indent="-342900" algn="l">
+              <a:buFont typeface="Arial" panose="020B0604020202020204" pitchFamily="34" charset="0"/>
+              <a:buChar char="•"/>
+            </a:pPr>
+            <a:r>
+              <a:rPr lang="en-US" sz="2400" dirty="0"/>
+              <a:t>Numpy.org and matplotlip.org for complete knowledge about the libraries</a:t>
+            </a:r>
+            <a:endParaRPr lang="en-IN" sz="2400" dirty="0"/>
+          </a:p>
+        </p:txBody>
+      </p:sp>
+    </p:spTree>
+    <p:extLst>
+      <p:ext uri="{BB962C8B-B14F-4D97-AF65-F5344CB8AC3E}">
+        <p14:creationId xmlns:p14="http://schemas.microsoft.com/office/powerpoint/2010/main" val="3245854638"/>
+      </p:ext>
+    </p:extLst>
+  </p:cSld>
+  <p:clrMapOvr>
+    <a:masterClrMapping/>
+  </p:clrMapOvr>
+  <p:transition spd="slow">
+    <p:wipe/>
+  </p:transition>
+</p:sld>
+</file>
+
+<file path=ppt/slides/slide29.xml><?xml version="1.0" encoding="utf-8"?>
+<p:sld xmlns:a="http://schemas.openxmlformats.org/drawingml/2006/main" xmlns:r="http://schemas.openxmlformats.org/officeDocument/2006/relationships" xmlns:p="http://schemas.openxmlformats.org/presentationml/2006/main">
+  <p:cSld>
+    <p:spTree>
+      <p:nvGrpSpPr>
+        <p:cNvPr id="1" name=""/>
+        <p:cNvGrpSpPr/>
+        <p:nvPr/>
+      </p:nvGrpSpPr>
+      <p:grpSpPr>
+        <a:xfrm>
+          <a:off x="0" y="0"/>
+          <a:ext cx="0" cy="0"/>
+          <a:chOff x="0" y="0"/>
+          <a:chExt cx="0" cy="0"/>
+        </a:xfrm>
+      </p:grpSpPr>
+      <p:sp>
+        <p:nvSpPr>
+          <p:cNvPr id="2" name="Title 1">
+            <a:extLst>
+              <a:ext uri="{FF2B5EF4-FFF2-40B4-BE49-F238E27FC236}">
+                <a16:creationId xmlns:a16="http://schemas.microsoft.com/office/drawing/2014/main" id="{1D1C873C-48D5-4475-BF62-474CE434F2E4}"/>
+              </a:ext>
+            </a:extLst>
+          </p:cNvPr>
+          <p:cNvSpPr>
+            <a:spLocks noGrp="1"/>
+          </p:cNvSpPr>
+          <p:nvPr>
+            <p:ph type="title"/>
+          </p:nvPr>
+        </p:nvSpPr>
+        <p:spPr>
+          <a:xfrm>
+            <a:off x="1616439" y="569626"/>
+            <a:ext cx="10018711" cy="5831174"/>
+          </a:xfrm>
+        </p:spPr>
+        <p:txBody>
+          <a:bodyPr>
+            <a:normAutofit/>
+          </a:bodyPr>
+          <a:lstStyle/>
+          <a:p>
+            <a:r>
+              <a:rPr lang="en-IN" sz="7200" dirty="0"/>
+              <a:t>THANK YOU</a:t>
+            </a:r>
+          </a:p>
+        </p:txBody>
+      </p:sp>
+    </p:spTree>
+    <p:extLst>
+      <p:ext uri="{BB962C8B-B14F-4D97-AF65-F5344CB8AC3E}">
+        <p14:creationId xmlns:p14="http://schemas.microsoft.com/office/powerpoint/2010/main" val="282611418"/>
       </p:ext>
     </p:extLst>
   </p:cSld>
@@ -9285,7 +11826,7 @@
           <p:cNvPr id="2" name="Title 1">
             <a:extLst>
               <a:ext uri="{FF2B5EF4-FFF2-40B4-BE49-F238E27FC236}">
-                <a16:creationId xmlns:a16="http://schemas.microsoft.com/office/drawing/2014/main" id="{9A3F1C5B-85C0-400C-B5BE-22468C27EC35}"/>
+                <a16:creationId xmlns:a16="http://schemas.microsoft.com/office/drawing/2014/main" id="{03E3DB15-A188-4B9F-8910-486447078BD1}"/>
               </a:ext>
             </a:extLst>
           </p:cNvPr>
@@ -9298,8 +11839,8 @@
         </p:nvSpPr>
         <p:spPr>
           <a:xfrm>
-            <a:off x="1729724" y="191125"/>
-            <a:ext cx="9773301" cy="1447800"/>
+            <a:off x="1653124" y="151227"/>
+            <a:ext cx="10018711" cy="1565031"/>
           </a:xfrm>
         </p:spPr>
         <p:txBody>
@@ -9311,7 +11852,7 @@
             <a:pPr algn="l"/>
             <a:r>
               <a:rPr lang="en-IN" sz="4000" dirty="0"/>
-              <a:t>REQUIRED</a:t>
+              <a:t>INTRODUCTION</a:t>
             </a:r>
           </a:p>
         </p:txBody>
@@ -9321,7 +11862,7 @@
           <p:cNvPr id="3" name="Text Placeholder 2">
             <a:extLst>
               <a:ext uri="{FF2B5EF4-FFF2-40B4-BE49-F238E27FC236}">
-                <a16:creationId xmlns:a16="http://schemas.microsoft.com/office/drawing/2014/main" id="{1D71D239-1692-4203-848D-3B660429DA8E}"/>
+                <a16:creationId xmlns:a16="http://schemas.microsoft.com/office/drawing/2014/main" id="{D51727EC-2925-47D0-A90F-B699DFC525E5}"/>
               </a:ext>
             </a:extLst>
           </p:cNvPr>
@@ -9334,9 +11875,12 @@
         </p:nvSpPr>
         <p:spPr>
           <a:xfrm>
-            <a:off x="1729723" y="2046156"/>
-            <a:ext cx="9773301" cy="1011836"/>
-          </a:xfrm>
+            <a:off x="1653125" y="1422400"/>
+            <a:ext cx="9544528" cy="4206407"/>
+          </a:xfrm>
+          <a:ln>
+            <a:noFill/>
+          </a:ln>
         </p:spPr>
         <p:txBody>
           <a:bodyPr anchor="t">
@@ -9344,41 +11888,25 @@
           </a:bodyPr>
           <a:lstStyle/>
           <a:p>
-            <a:pPr algn="l">
+            <a:pPr algn="just">
               <a:buClr>
                 <a:schemeClr val="tx1"/>
               </a:buClr>
             </a:pPr>
             <a:r>
-              <a:rPr lang="en-IN" sz="2400" dirty="0"/>
-              <a:t>TOOL  USED :</a:t>
-            </a:r>
-          </a:p>
-          <a:p>
-            <a:pPr marL="1257300" lvl="2" indent="-342900">
-              <a:buClr>
-                <a:schemeClr val="tx1"/>
-              </a:buClr>
-              <a:buFont typeface="Arial" panose="020B0604020202020204" pitchFamily="34" charset="0"/>
-              <a:buChar char="•"/>
-            </a:pPr>
-            <a:r>
-              <a:rPr lang="en-IN" sz="2000" dirty="0" err="1"/>
-              <a:t>Jupyter</a:t>
-            </a:r>
-            <a:r>
-              <a:rPr lang="en-IN" sz="2000" dirty="0"/>
-              <a:t> Notebook</a:t>
-            </a:r>
-          </a:p>
-        </p:txBody>
-      </p:sp>
-      <p:sp>
-        <p:nvSpPr>
-          <p:cNvPr id="4" name="Rectangle 3">
+              <a:rPr lang="en-US" dirty="0"/>
+              <a:t>The RMS Titanic was a British passenger liner that struck an iceberg on her maiden voyage and sank, taking the lives of more than 1500 passengers. We are interested in predicting the survival probability for a given passenger. There are many factors which played into which passengers made it into lifeboats and which passengers did not, most notably gender and class assignment. Our purpose is to find a conclusion using different predicting models by the data given a sample of 342 survivors and find if this hypothesis is true or not.</a:t>
+            </a:r>
+            <a:endParaRPr lang="en-IN" dirty="0"/>
+          </a:p>
+        </p:txBody>
+      </p:sp>
+      <p:sp>
+        <p:nvSpPr>
+          <p:cNvPr id="5" name="Rectangle 4">
             <a:extLst>
               <a:ext uri="{FF2B5EF4-FFF2-40B4-BE49-F238E27FC236}">
-                <a16:creationId xmlns:a16="http://schemas.microsoft.com/office/drawing/2014/main" id="{D3333F90-2EEA-498E-B2AA-BFF4DAC98F15}"/>
+                <a16:creationId xmlns:a16="http://schemas.microsoft.com/office/drawing/2014/main" id="{D6CD02F0-DC17-430A-B9D7-5F6B9DF2F449}"/>
               </a:ext>
             </a:extLst>
           </p:cNvPr>
@@ -9387,8 +11915,8 @@
         </p:nvSpPr>
         <p:spPr>
           <a:xfrm>
-            <a:off x="1729723" y="1334124"/>
-            <a:ext cx="9773301" cy="74951"/>
+            <a:off x="1653124" y="1229193"/>
+            <a:ext cx="9544528" cy="59961"/>
           </a:xfrm>
           <a:prstGeom prst="rect">
             <a:avLst/>
@@ -9417,384 +11945,10 @@
           </a:p>
         </p:txBody>
       </p:sp>
-      <p:sp>
-        <p:nvSpPr>
-          <p:cNvPr id="5" name="Text Placeholder 2">
-            <a:extLst>
-              <a:ext uri="{FF2B5EF4-FFF2-40B4-BE49-F238E27FC236}">
-                <a16:creationId xmlns:a16="http://schemas.microsoft.com/office/drawing/2014/main" id="{B9B5D752-B5F5-4527-87DA-25692E2B8820}"/>
-              </a:ext>
-            </a:extLst>
-          </p:cNvPr>
-          <p:cNvSpPr txBox="1">
-            <a:spLocks/>
-          </p:cNvSpPr>
-          <p:nvPr/>
-        </p:nvSpPr>
-        <p:spPr>
-          <a:xfrm>
-            <a:off x="1729723" y="3902441"/>
-            <a:ext cx="9773301" cy="2393428"/>
-          </a:xfrm>
-          <a:prstGeom prst="rect">
-            <a:avLst/>
-          </a:prstGeom>
-        </p:spPr>
-        <p:txBody>
-          <a:bodyPr vert="horz" lIns="91440" tIns="45720" rIns="91440" bIns="45720" rtlCol="0" anchor="t">
-            <a:normAutofit/>
-          </a:bodyPr>
-          <a:lstStyle>
-            <a:lvl1pPr marL="0" indent="0" algn="ctr" defTabSz="457200" rtl="0" eaLnBrk="1" latinLnBrk="0" hangingPunct="1">
-              <a:spcBef>
-                <a:spcPct val="20000"/>
-              </a:spcBef>
-              <a:spcAft>
-                <a:spcPts val="600"/>
-              </a:spcAft>
-              <a:buClr>
-                <a:schemeClr val="accent1">
-                  <a:lumMod val="75000"/>
-                </a:schemeClr>
-              </a:buClr>
-              <a:buSzPct val="145000"/>
-              <a:buFont typeface="Arial"/>
-              <a:buNone/>
-              <a:defRPr sz="2000" kern="1200" cap="none">
-                <a:solidFill>
-                  <a:schemeClr val="tx1"/>
-                </a:solidFill>
-                <a:effectLst/>
-                <a:latin typeface="+mn-lt"/>
-                <a:ea typeface="+mn-ea"/>
-                <a:cs typeface="+mn-cs"/>
-              </a:defRPr>
-            </a:lvl1pPr>
-            <a:lvl2pPr marL="457200" indent="0" algn="l" defTabSz="457200" rtl="0" eaLnBrk="1" latinLnBrk="0" hangingPunct="1">
-              <a:spcBef>
-                <a:spcPct val="20000"/>
-              </a:spcBef>
-              <a:spcAft>
-                <a:spcPts val="600"/>
-              </a:spcAft>
-              <a:buClr>
-                <a:schemeClr val="accent1">
-                  <a:lumMod val="75000"/>
-                </a:schemeClr>
-              </a:buClr>
-              <a:buSzPct val="145000"/>
-              <a:buFont typeface="Arial"/>
-              <a:buNone/>
-              <a:defRPr sz="1800" kern="1200" cap="none">
-                <a:solidFill>
-                  <a:schemeClr val="tx1">
-                    <a:tint val="75000"/>
-                  </a:schemeClr>
-                </a:solidFill>
-                <a:effectLst/>
-                <a:latin typeface="+mn-lt"/>
-                <a:ea typeface="+mn-ea"/>
-                <a:cs typeface="+mn-cs"/>
-              </a:defRPr>
-            </a:lvl2pPr>
-            <a:lvl3pPr marL="914400" indent="0" algn="l" defTabSz="457200" rtl="0" eaLnBrk="1" latinLnBrk="0" hangingPunct="1">
-              <a:spcBef>
-                <a:spcPct val="20000"/>
-              </a:spcBef>
-              <a:spcAft>
-                <a:spcPts val="600"/>
-              </a:spcAft>
-              <a:buClr>
-                <a:schemeClr val="accent1">
-                  <a:lumMod val="75000"/>
-                </a:schemeClr>
-              </a:buClr>
-              <a:buSzPct val="145000"/>
-              <a:buFont typeface="Arial"/>
-              <a:buNone/>
-              <a:defRPr sz="1600" kern="1200" cap="none">
-                <a:solidFill>
-                  <a:schemeClr val="tx1">
-                    <a:tint val="75000"/>
-                  </a:schemeClr>
-                </a:solidFill>
-                <a:effectLst/>
-                <a:latin typeface="+mn-lt"/>
-                <a:ea typeface="+mn-ea"/>
-                <a:cs typeface="+mn-cs"/>
-              </a:defRPr>
-            </a:lvl3pPr>
-            <a:lvl4pPr marL="1371600" indent="0" algn="l" defTabSz="457200" rtl="0" eaLnBrk="1" latinLnBrk="0" hangingPunct="1">
-              <a:spcBef>
-                <a:spcPct val="20000"/>
-              </a:spcBef>
-              <a:spcAft>
-                <a:spcPts val="600"/>
-              </a:spcAft>
-              <a:buClr>
-                <a:schemeClr val="accent1">
-                  <a:lumMod val="75000"/>
-                </a:schemeClr>
-              </a:buClr>
-              <a:buSzPct val="145000"/>
-              <a:buFont typeface="Arial"/>
-              <a:buNone/>
-              <a:defRPr sz="1400" kern="1200" cap="none">
-                <a:solidFill>
-                  <a:schemeClr val="tx1">
-                    <a:tint val="75000"/>
-                  </a:schemeClr>
-                </a:solidFill>
-                <a:effectLst/>
-                <a:latin typeface="+mn-lt"/>
-                <a:ea typeface="+mn-ea"/>
-                <a:cs typeface="+mn-cs"/>
-              </a:defRPr>
-            </a:lvl4pPr>
-            <a:lvl5pPr marL="1828800" indent="0" algn="l" defTabSz="457200" rtl="0" eaLnBrk="1" latinLnBrk="0" hangingPunct="1">
-              <a:spcBef>
-                <a:spcPct val="20000"/>
-              </a:spcBef>
-              <a:spcAft>
-                <a:spcPts val="600"/>
-              </a:spcAft>
-              <a:buClr>
-                <a:schemeClr val="accent1">
-                  <a:lumMod val="75000"/>
-                </a:schemeClr>
-              </a:buClr>
-              <a:buSzPct val="145000"/>
-              <a:buFont typeface="Arial"/>
-              <a:buNone/>
-              <a:defRPr sz="1400" kern="1200" cap="none">
-                <a:solidFill>
-                  <a:schemeClr val="tx1">
-                    <a:tint val="75000"/>
-                  </a:schemeClr>
-                </a:solidFill>
-                <a:effectLst/>
-                <a:latin typeface="+mn-lt"/>
-                <a:ea typeface="+mn-ea"/>
-                <a:cs typeface="+mn-cs"/>
-              </a:defRPr>
-            </a:lvl5pPr>
-            <a:lvl6pPr marL="2286000" indent="0" algn="l" defTabSz="457200" rtl="0" eaLnBrk="1" latinLnBrk="0" hangingPunct="1">
-              <a:spcBef>
-                <a:spcPct val="20000"/>
-              </a:spcBef>
-              <a:spcAft>
-                <a:spcPts val="600"/>
-              </a:spcAft>
-              <a:buClr>
-                <a:schemeClr val="accent1">
-                  <a:lumMod val="75000"/>
-                </a:schemeClr>
-              </a:buClr>
-              <a:buSzPct val="145000"/>
-              <a:buFont typeface="Arial"/>
-              <a:buNone/>
-              <a:defRPr sz="1400" kern="1200" cap="none">
-                <a:solidFill>
-                  <a:schemeClr val="tx1">
-                    <a:tint val="75000"/>
-                  </a:schemeClr>
-                </a:solidFill>
-                <a:effectLst/>
-                <a:latin typeface="+mn-lt"/>
-                <a:ea typeface="+mn-ea"/>
-                <a:cs typeface="+mn-cs"/>
-              </a:defRPr>
-            </a:lvl6pPr>
-            <a:lvl7pPr marL="2743200" indent="0" algn="l" defTabSz="457200" rtl="0" eaLnBrk="1" latinLnBrk="0" hangingPunct="1">
-              <a:spcBef>
-                <a:spcPct val="20000"/>
-              </a:spcBef>
-              <a:spcAft>
-                <a:spcPts val="600"/>
-              </a:spcAft>
-              <a:buClr>
-                <a:schemeClr val="accent1">
-                  <a:lumMod val="75000"/>
-                </a:schemeClr>
-              </a:buClr>
-              <a:buSzPct val="145000"/>
-              <a:buFont typeface="Arial"/>
-              <a:buNone/>
-              <a:defRPr sz="1400" kern="1200" cap="none">
-                <a:solidFill>
-                  <a:schemeClr val="tx1">
-                    <a:tint val="75000"/>
-                  </a:schemeClr>
-                </a:solidFill>
-                <a:effectLst/>
-                <a:latin typeface="+mn-lt"/>
-                <a:ea typeface="+mn-ea"/>
-                <a:cs typeface="+mn-cs"/>
-              </a:defRPr>
-            </a:lvl7pPr>
-            <a:lvl8pPr marL="3200400" indent="0" algn="l" defTabSz="457200" rtl="0" eaLnBrk="1" latinLnBrk="0" hangingPunct="1">
-              <a:spcBef>
-                <a:spcPct val="20000"/>
-              </a:spcBef>
-              <a:spcAft>
-                <a:spcPts val="600"/>
-              </a:spcAft>
-              <a:buClr>
-                <a:schemeClr val="accent1">
-                  <a:lumMod val="75000"/>
-                </a:schemeClr>
-              </a:buClr>
-              <a:buSzPct val="145000"/>
-              <a:buFont typeface="Arial"/>
-              <a:buNone/>
-              <a:defRPr sz="1400" kern="1200" cap="none">
-                <a:solidFill>
-                  <a:schemeClr val="tx1">
-                    <a:tint val="75000"/>
-                  </a:schemeClr>
-                </a:solidFill>
-                <a:effectLst/>
-                <a:latin typeface="+mn-lt"/>
-                <a:ea typeface="+mn-ea"/>
-                <a:cs typeface="+mn-cs"/>
-              </a:defRPr>
-            </a:lvl8pPr>
-            <a:lvl9pPr marL="3657600" indent="0" algn="l" defTabSz="457200" rtl="0" eaLnBrk="1" latinLnBrk="0" hangingPunct="1">
-              <a:spcBef>
-                <a:spcPct val="20000"/>
-              </a:spcBef>
-              <a:spcAft>
-                <a:spcPts val="600"/>
-              </a:spcAft>
-              <a:buClr>
-                <a:schemeClr val="accent1">
-                  <a:lumMod val="75000"/>
-                </a:schemeClr>
-              </a:buClr>
-              <a:buSzPct val="145000"/>
-              <a:buFont typeface="Arial"/>
-              <a:buNone/>
-              <a:defRPr sz="1400" kern="1200" cap="none">
-                <a:solidFill>
-                  <a:schemeClr val="tx1">
-                    <a:tint val="75000"/>
-                  </a:schemeClr>
-                </a:solidFill>
-                <a:effectLst/>
-                <a:latin typeface="+mn-lt"/>
-                <a:ea typeface="+mn-ea"/>
-                <a:cs typeface="+mn-cs"/>
-              </a:defRPr>
-            </a:lvl9pPr>
-          </a:lstStyle>
-          <a:p>
-            <a:pPr algn="l">
-              <a:buClr>
-                <a:schemeClr val="tx1"/>
-              </a:buClr>
-            </a:pPr>
-            <a:r>
-              <a:rPr lang="en-IN" sz="2400" dirty="0"/>
-              <a:t>LIBRARY  USED :</a:t>
-            </a:r>
-          </a:p>
-          <a:p>
-            <a:pPr marL="1257300" lvl="2" indent="-342900">
-              <a:buClr>
-                <a:schemeClr val="tx1"/>
-              </a:buClr>
-              <a:buFont typeface="Arial" panose="020B0604020202020204" pitchFamily="34" charset="0"/>
-              <a:buChar char="•"/>
-            </a:pPr>
-            <a:r>
-              <a:rPr lang="en-IN" sz="2000" dirty="0" err="1"/>
-              <a:t>Analyzing</a:t>
-            </a:r>
-            <a:r>
-              <a:rPr lang="en-IN" sz="2000" dirty="0"/>
-              <a:t>: </a:t>
-            </a:r>
-            <a:r>
-              <a:rPr lang="en-IN" sz="2000" dirty="0" err="1"/>
-              <a:t>Numpy</a:t>
-            </a:r>
-            <a:r>
-              <a:rPr lang="en-IN" sz="2000" dirty="0"/>
-              <a:t>, Pandas, Sci-kit Learn</a:t>
-            </a:r>
-          </a:p>
-          <a:p>
-            <a:pPr marL="1257300" lvl="2" indent="-342900">
-              <a:buClr>
-                <a:schemeClr val="tx1"/>
-              </a:buClr>
-              <a:buFont typeface="Arial" panose="020B0604020202020204" pitchFamily="34" charset="0"/>
-              <a:buChar char="•"/>
-            </a:pPr>
-            <a:r>
-              <a:rPr lang="en-IN" sz="2000" dirty="0"/>
-              <a:t>Visualization: Matplotlib, Seaborn</a:t>
-            </a:r>
-          </a:p>
-          <a:p>
-            <a:pPr marL="1257300" lvl="2" indent="-342900">
-              <a:buClr>
-                <a:schemeClr val="tx1"/>
-              </a:buClr>
-              <a:buFont typeface="Arial" panose="020B0604020202020204" pitchFamily="34" charset="0"/>
-              <a:buChar char="•"/>
-            </a:pPr>
-            <a:r>
-              <a:rPr lang="en-IN" sz="2000" dirty="0"/>
-              <a:t>Prediction models: </a:t>
-            </a:r>
-            <a:r>
-              <a:rPr lang="en-IN" sz="2000" dirty="0" err="1"/>
-              <a:t>Decesion</a:t>
-            </a:r>
-            <a:r>
-              <a:rPr lang="en-IN" sz="2000" dirty="0"/>
-              <a:t> Tree, Random Forest Classifier, </a:t>
-            </a:r>
-            <a:r>
-              <a:rPr lang="en-IN" sz="2000" dirty="0" err="1"/>
-              <a:t>GaussianNB</a:t>
-            </a:r>
-            <a:r>
-              <a:rPr lang="en-IN" sz="2000" dirty="0"/>
-              <a:t>,</a:t>
-            </a:r>
-          </a:p>
-          <a:p>
-            <a:pPr lvl="2">
-              <a:buClr>
-                <a:schemeClr val="tx1"/>
-              </a:buClr>
-            </a:pPr>
-            <a:r>
-              <a:rPr lang="en-IN" sz="2000" dirty="0"/>
-              <a:t>					 </a:t>
-            </a:r>
-            <a:r>
-              <a:rPr lang="en-IN" sz="2000" dirty="0" err="1"/>
-              <a:t>Kneighbors</a:t>
-            </a:r>
-            <a:r>
-              <a:rPr lang="en-IN" sz="2000" dirty="0"/>
-              <a:t> Classifier, Logistic Regression,</a:t>
-            </a:r>
-            <a:r>
-              <a:rPr lang="en-IN" dirty="0"/>
-              <a:t>  SVM</a:t>
-            </a:r>
-            <a:endParaRPr lang="en-IN" sz="2000" b="1" dirty="0"/>
-          </a:p>
-        </p:txBody>
-      </p:sp>
     </p:spTree>
     <p:extLst>
       <p:ext uri="{BB962C8B-B14F-4D97-AF65-F5344CB8AC3E}">
-        <p14:creationId xmlns:p14="http://schemas.microsoft.com/office/powerpoint/2010/main" val="2797923875"/>
+        <p14:creationId xmlns:p14="http://schemas.microsoft.com/office/powerpoint/2010/main" val="1066380841"/>
       </p:ext>
     </p:extLst>
   </p:cSld>
@@ -9829,7 +11983,7 @@
           <p:cNvPr id="2" name="Title 1">
             <a:extLst>
               <a:ext uri="{FF2B5EF4-FFF2-40B4-BE49-F238E27FC236}">
-                <a16:creationId xmlns:a16="http://schemas.microsoft.com/office/drawing/2014/main" id="{1D1C873C-48D5-4475-BF62-474CE434F2E4}"/>
+                <a16:creationId xmlns:a16="http://schemas.microsoft.com/office/drawing/2014/main" id="{03E3DB15-A188-4B9F-8910-486447078BD1}"/>
               </a:ext>
             </a:extLst>
           </p:cNvPr>
@@ -9842,78 +11996,93 @@
         </p:nvSpPr>
         <p:spPr>
           <a:xfrm>
-            <a:off x="1616439" y="-677124"/>
-            <a:ext cx="10018711" cy="3048000"/>
+            <a:off x="1653124" y="654756"/>
+            <a:ext cx="10018711" cy="634398"/>
           </a:xfrm>
         </p:spPr>
         <p:txBody>
           <a:bodyPr>
+            <a:normAutofit fontScale="90000"/>
+          </a:bodyPr>
+          <a:lstStyle/>
+          <a:p>
+            <a:pPr algn="l"/>
+            <a:r>
+              <a:rPr lang="en-IN" sz="4000" dirty="0"/>
+              <a:t>PROBLEM STATEMENT</a:t>
+            </a:r>
+          </a:p>
+        </p:txBody>
+      </p:sp>
+      <p:sp>
+        <p:nvSpPr>
+          <p:cNvPr id="3" name="Text Placeholder 2">
+            <a:extLst>
+              <a:ext uri="{FF2B5EF4-FFF2-40B4-BE49-F238E27FC236}">
+                <a16:creationId xmlns:a16="http://schemas.microsoft.com/office/drawing/2014/main" id="{D51727EC-2925-47D0-A90F-B699DFC525E5}"/>
+              </a:ext>
+            </a:extLst>
+          </p:cNvPr>
+          <p:cNvSpPr>
+            <a:spLocks noGrp="1"/>
+          </p:cNvSpPr>
+          <p:nvPr>
+            <p:ph type="body" idx="1"/>
+          </p:nvPr>
+        </p:nvSpPr>
+        <p:spPr>
+          <a:xfrm>
+            <a:off x="1653125" y="1493652"/>
+            <a:ext cx="9544528" cy="4135156"/>
+          </a:xfrm>
+          <a:ln>
+            <a:noFill/>
+          </a:ln>
+        </p:spPr>
+        <p:txBody>
+          <a:bodyPr anchor="t">
             <a:normAutofit/>
           </a:bodyPr>
           <a:lstStyle/>
           <a:p>
-            <a:pPr algn="l"/>
-            <a:r>
-              <a:rPr lang="en-IN" sz="4000" dirty="0"/>
-              <a:t>DATA   VISUALIZATION</a:t>
-            </a:r>
-          </a:p>
-        </p:txBody>
-      </p:sp>
-      <p:sp>
-        <p:nvSpPr>
-          <p:cNvPr id="6" name="Text Placeholder 5">
-            <a:extLst>
-              <a:ext uri="{FF2B5EF4-FFF2-40B4-BE49-F238E27FC236}">
-                <a16:creationId xmlns:a16="http://schemas.microsoft.com/office/drawing/2014/main" id="{C67787DD-8D7A-4908-BC9D-1662A06AE8E9}"/>
-              </a:ext>
-            </a:extLst>
-          </p:cNvPr>
-          <p:cNvSpPr>
-            <a:spLocks noGrp="1"/>
-          </p:cNvSpPr>
-          <p:nvPr>
-            <p:ph type="body" idx="1"/>
-          </p:nvPr>
-        </p:nvSpPr>
-        <p:spPr>
-          <a:xfrm>
-            <a:off x="1511507" y="1470495"/>
-            <a:ext cx="10018713" cy="723900"/>
-          </a:xfrm>
-        </p:spPr>
-        <p:txBody>
-          <a:bodyPr>
-            <a:normAutofit/>
-          </a:bodyPr>
-          <a:lstStyle/>
-          <a:p>
-            <a:pPr algn="l">
+            <a:pPr algn="just">
               <a:buClr>
                 <a:schemeClr val="tx1"/>
               </a:buClr>
             </a:pPr>
             <a:r>
-              <a:rPr lang="en-IN" sz="2400" dirty="0"/>
-              <a:t> </a:t>
-            </a:r>
-            <a:r>
-              <a:rPr lang="en-IN" sz="2400" dirty="0" err="1"/>
-              <a:t>Analyzing</a:t>
-            </a:r>
-            <a:r>
-              <a:rPr lang="en-IN" sz="2400" dirty="0"/>
-              <a:t> Data</a:t>
-            </a:r>
-          </a:p>
-        </p:txBody>
-      </p:sp>
-      <p:sp>
-        <p:nvSpPr>
-          <p:cNvPr id="3" name="Rectangle 2">
+              <a:rPr lang="en-US" dirty="0"/>
+              <a:t>Hypothesis: Certain sources claim that the survivors belonged to one of the following categories- Women, Children and/or Upper Class</a:t>
+            </a:r>
+          </a:p>
+          <a:p>
+            <a:pPr algn="just">
+              <a:buClr>
+                <a:schemeClr val="tx1"/>
+              </a:buClr>
+            </a:pPr>
+            <a:endParaRPr lang="en-US" dirty="0"/>
+          </a:p>
+          <a:p>
+            <a:pPr algn="just">
+              <a:buClr>
+                <a:schemeClr val="tx1"/>
+              </a:buClr>
+            </a:pPr>
+            <a:r>
+              <a:rPr lang="en-US" dirty="0"/>
+              <a:t>Our problem to confirm if this hypothesis is true or not using the given sample of 342 survivors data and derive conclusions using different models in R</a:t>
+            </a:r>
+            <a:endParaRPr lang="en-IN" dirty="0"/>
+          </a:p>
+        </p:txBody>
+      </p:sp>
+      <p:sp>
+        <p:nvSpPr>
+          <p:cNvPr id="5" name="Rectangle 4">
             <a:extLst>
               <a:ext uri="{FF2B5EF4-FFF2-40B4-BE49-F238E27FC236}">
-                <a16:creationId xmlns:a16="http://schemas.microsoft.com/office/drawing/2014/main" id="{74F054A0-4674-48EC-8F86-E8FFDE6C155D}"/>
+                <a16:creationId xmlns:a16="http://schemas.microsoft.com/office/drawing/2014/main" id="{D6CD02F0-DC17-430A-B9D7-5F6B9DF2F449}"/>
               </a:ext>
             </a:extLst>
           </p:cNvPr>
@@ -9922,8 +12091,8 @@
         </p:nvSpPr>
         <p:spPr>
           <a:xfrm>
-            <a:off x="1649203" y="1289154"/>
-            <a:ext cx="9743322" cy="59961"/>
+            <a:off x="1653124" y="1229193"/>
+            <a:ext cx="9544528" cy="59961"/>
           </a:xfrm>
           <a:prstGeom prst="rect">
             <a:avLst/>
@@ -9952,330 +12121,10 @@
           </a:p>
         </p:txBody>
       </p:sp>
-      <p:pic>
-        <p:nvPicPr>
-          <p:cNvPr id="5" name="Picture 4">
-            <a:extLst>
-              <a:ext uri="{FF2B5EF4-FFF2-40B4-BE49-F238E27FC236}">
-                <a16:creationId xmlns:a16="http://schemas.microsoft.com/office/drawing/2014/main" id="{E6E8BD31-34C9-4EBF-A9E0-8E811BD0EAE3}"/>
-              </a:ext>
-            </a:extLst>
-          </p:cNvPr>
-          <p:cNvPicPr>
-            <a:picLocks noChangeAspect="1"/>
-          </p:cNvPicPr>
-          <p:nvPr/>
-        </p:nvPicPr>
-        <p:blipFill>
-          <a:blip r:embed="rId2">
-            <a:extLst>
-              <a:ext uri="{28A0092B-C50C-407E-A947-70E740481C1C}">
-                <a14:useLocalDpi xmlns:a14="http://schemas.microsoft.com/office/drawing/2010/main" val="0"/>
-              </a:ext>
-            </a:extLst>
-          </a:blip>
-          <a:stretch>
-            <a:fillRect/>
-          </a:stretch>
-        </p:blipFill>
-        <p:spPr>
-          <a:xfrm>
-            <a:off x="1649203" y="2190023"/>
-            <a:ext cx="6490741" cy="3378823"/>
-          </a:xfrm>
-          <a:prstGeom prst="rect">
-            <a:avLst/>
-          </a:prstGeom>
-        </p:spPr>
-      </p:pic>
-      <p:sp>
-        <p:nvSpPr>
-          <p:cNvPr id="7" name="Text Placeholder 5">
-            <a:extLst>
-              <a:ext uri="{FF2B5EF4-FFF2-40B4-BE49-F238E27FC236}">
-                <a16:creationId xmlns:a16="http://schemas.microsoft.com/office/drawing/2014/main" id="{A62020C8-B02B-4AB1-9A58-83F1A7CD64D2}"/>
-              </a:ext>
-            </a:extLst>
-          </p:cNvPr>
-          <p:cNvSpPr txBox="1">
-            <a:spLocks/>
-          </p:cNvSpPr>
-          <p:nvPr/>
-        </p:nvSpPr>
-        <p:spPr>
-          <a:xfrm>
-            <a:off x="8139945" y="2190022"/>
-            <a:ext cx="3600138" cy="3378823"/>
-          </a:xfrm>
-          <a:prstGeom prst="rect">
-            <a:avLst/>
-          </a:prstGeom>
-        </p:spPr>
-        <p:txBody>
-          <a:bodyPr vert="horz" lIns="91440" tIns="45720" rIns="91440" bIns="45720" rtlCol="0" anchor="t">
-            <a:normAutofit/>
-          </a:bodyPr>
-          <a:lstStyle>
-            <a:lvl1pPr marL="0" indent="0" algn="ctr" defTabSz="457200" rtl="0" eaLnBrk="1" latinLnBrk="0" hangingPunct="1">
-              <a:spcBef>
-                <a:spcPct val="20000"/>
-              </a:spcBef>
-              <a:spcAft>
-                <a:spcPts val="600"/>
-              </a:spcAft>
-              <a:buClr>
-                <a:schemeClr val="accent1">
-                  <a:lumMod val="75000"/>
-                </a:schemeClr>
-              </a:buClr>
-              <a:buSzPct val="145000"/>
-              <a:buFont typeface="Arial"/>
-              <a:buNone/>
-              <a:defRPr sz="2000" kern="1200" cap="none">
-                <a:solidFill>
-                  <a:schemeClr val="tx1"/>
-                </a:solidFill>
-                <a:effectLst/>
-                <a:latin typeface="+mn-lt"/>
-                <a:ea typeface="+mn-ea"/>
-                <a:cs typeface="+mn-cs"/>
-              </a:defRPr>
-            </a:lvl1pPr>
-            <a:lvl2pPr marL="457200" indent="0" algn="l" defTabSz="457200" rtl="0" eaLnBrk="1" latinLnBrk="0" hangingPunct="1">
-              <a:spcBef>
-                <a:spcPct val="20000"/>
-              </a:spcBef>
-              <a:spcAft>
-                <a:spcPts val="600"/>
-              </a:spcAft>
-              <a:buClr>
-                <a:schemeClr val="accent1">
-                  <a:lumMod val="75000"/>
-                </a:schemeClr>
-              </a:buClr>
-              <a:buSzPct val="145000"/>
-              <a:buFont typeface="Arial"/>
-              <a:buNone/>
-              <a:defRPr sz="1800" kern="1200" cap="none">
-                <a:solidFill>
-                  <a:schemeClr val="tx1">
-                    <a:tint val="75000"/>
-                  </a:schemeClr>
-                </a:solidFill>
-                <a:effectLst/>
-                <a:latin typeface="+mn-lt"/>
-                <a:ea typeface="+mn-ea"/>
-                <a:cs typeface="+mn-cs"/>
-              </a:defRPr>
-            </a:lvl2pPr>
-            <a:lvl3pPr marL="914400" indent="0" algn="l" defTabSz="457200" rtl="0" eaLnBrk="1" latinLnBrk="0" hangingPunct="1">
-              <a:spcBef>
-                <a:spcPct val="20000"/>
-              </a:spcBef>
-              <a:spcAft>
-                <a:spcPts val="600"/>
-              </a:spcAft>
-              <a:buClr>
-                <a:schemeClr val="accent1">
-                  <a:lumMod val="75000"/>
-                </a:schemeClr>
-              </a:buClr>
-              <a:buSzPct val="145000"/>
-              <a:buFont typeface="Arial"/>
-              <a:buNone/>
-              <a:defRPr sz="1600" kern="1200" cap="none">
-                <a:solidFill>
-                  <a:schemeClr val="tx1">
-                    <a:tint val="75000"/>
-                  </a:schemeClr>
-                </a:solidFill>
-                <a:effectLst/>
-                <a:latin typeface="+mn-lt"/>
-                <a:ea typeface="+mn-ea"/>
-                <a:cs typeface="+mn-cs"/>
-              </a:defRPr>
-            </a:lvl3pPr>
-            <a:lvl4pPr marL="1371600" indent="0" algn="l" defTabSz="457200" rtl="0" eaLnBrk="1" latinLnBrk="0" hangingPunct="1">
-              <a:spcBef>
-                <a:spcPct val="20000"/>
-              </a:spcBef>
-              <a:spcAft>
-                <a:spcPts val="600"/>
-              </a:spcAft>
-              <a:buClr>
-                <a:schemeClr val="accent1">
-                  <a:lumMod val="75000"/>
-                </a:schemeClr>
-              </a:buClr>
-              <a:buSzPct val="145000"/>
-              <a:buFont typeface="Arial"/>
-              <a:buNone/>
-              <a:defRPr sz="1400" kern="1200" cap="none">
-                <a:solidFill>
-                  <a:schemeClr val="tx1">
-                    <a:tint val="75000"/>
-                  </a:schemeClr>
-                </a:solidFill>
-                <a:effectLst/>
-                <a:latin typeface="+mn-lt"/>
-                <a:ea typeface="+mn-ea"/>
-                <a:cs typeface="+mn-cs"/>
-              </a:defRPr>
-            </a:lvl4pPr>
-            <a:lvl5pPr marL="1828800" indent="0" algn="l" defTabSz="457200" rtl="0" eaLnBrk="1" latinLnBrk="0" hangingPunct="1">
-              <a:spcBef>
-                <a:spcPct val="20000"/>
-              </a:spcBef>
-              <a:spcAft>
-                <a:spcPts val="600"/>
-              </a:spcAft>
-              <a:buClr>
-                <a:schemeClr val="accent1">
-                  <a:lumMod val="75000"/>
-                </a:schemeClr>
-              </a:buClr>
-              <a:buSzPct val="145000"/>
-              <a:buFont typeface="Arial"/>
-              <a:buNone/>
-              <a:defRPr sz="1400" kern="1200" cap="none">
-                <a:solidFill>
-                  <a:schemeClr val="tx1">
-                    <a:tint val="75000"/>
-                  </a:schemeClr>
-                </a:solidFill>
-                <a:effectLst/>
-                <a:latin typeface="+mn-lt"/>
-                <a:ea typeface="+mn-ea"/>
-                <a:cs typeface="+mn-cs"/>
-              </a:defRPr>
-            </a:lvl5pPr>
-            <a:lvl6pPr marL="2286000" indent="0" algn="l" defTabSz="457200" rtl="0" eaLnBrk="1" latinLnBrk="0" hangingPunct="1">
-              <a:spcBef>
-                <a:spcPct val="20000"/>
-              </a:spcBef>
-              <a:spcAft>
-                <a:spcPts val="600"/>
-              </a:spcAft>
-              <a:buClr>
-                <a:schemeClr val="accent1">
-                  <a:lumMod val="75000"/>
-                </a:schemeClr>
-              </a:buClr>
-              <a:buSzPct val="145000"/>
-              <a:buFont typeface="Arial"/>
-              <a:buNone/>
-              <a:defRPr sz="1400" kern="1200" cap="none">
-                <a:solidFill>
-                  <a:schemeClr val="tx1">
-                    <a:tint val="75000"/>
-                  </a:schemeClr>
-                </a:solidFill>
-                <a:effectLst/>
-                <a:latin typeface="+mn-lt"/>
-                <a:ea typeface="+mn-ea"/>
-                <a:cs typeface="+mn-cs"/>
-              </a:defRPr>
-            </a:lvl6pPr>
-            <a:lvl7pPr marL="2743200" indent="0" algn="l" defTabSz="457200" rtl="0" eaLnBrk="1" latinLnBrk="0" hangingPunct="1">
-              <a:spcBef>
-                <a:spcPct val="20000"/>
-              </a:spcBef>
-              <a:spcAft>
-                <a:spcPts val="600"/>
-              </a:spcAft>
-              <a:buClr>
-                <a:schemeClr val="accent1">
-                  <a:lumMod val="75000"/>
-                </a:schemeClr>
-              </a:buClr>
-              <a:buSzPct val="145000"/>
-              <a:buFont typeface="Arial"/>
-              <a:buNone/>
-              <a:defRPr sz="1400" kern="1200" cap="none">
-                <a:solidFill>
-                  <a:schemeClr val="tx1">
-                    <a:tint val="75000"/>
-                  </a:schemeClr>
-                </a:solidFill>
-                <a:effectLst/>
-                <a:latin typeface="+mn-lt"/>
-                <a:ea typeface="+mn-ea"/>
-                <a:cs typeface="+mn-cs"/>
-              </a:defRPr>
-            </a:lvl7pPr>
-            <a:lvl8pPr marL="3200400" indent="0" algn="l" defTabSz="457200" rtl="0" eaLnBrk="1" latinLnBrk="0" hangingPunct="1">
-              <a:spcBef>
-                <a:spcPct val="20000"/>
-              </a:spcBef>
-              <a:spcAft>
-                <a:spcPts val="600"/>
-              </a:spcAft>
-              <a:buClr>
-                <a:schemeClr val="accent1">
-                  <a:lumMod val="75000"/>
-                </a:schemeClr>
-              </a:buClr>
-              <a:buSzPct val="145000"/>
-              <a:buFont typeface="Arial"/>
-              <a:buNone/>
-              <a:defRPr sz="1400" kern="1200" cap="none">
-                <a:solidFill>
-                  <a:schemeClr val="tx1">
-                    <a:tint val="75000"/>
-                  </a:schemeClr>
-                </a:solidFill>
-                <a:effectLst/>
-                <a:latin typeface="+mn-lt"/>
-                <a:ea typeface="+mn-ea"/>
-                <a:cs typeface="+mn-cs"/>
-              </a:defRPr>
-            </a:lvl8pPr>
-            <a:lvl9pPr marL="3657600" indent="0" algn="l" defTabSz="457200" rtl="0" eaLnBrk="1" latinLnBrk="0" hangingPunct="1">
-              <a:spcBef>
-                <a:spcPct val="20000"/>
-              </a:spcBef>
-              <a:spcAft>
-                <a:spcPts val="600"/>
-              </a:spcAft>
-              <a:buClr>
-                <a:schemeClr val="accent1">
-                  <a:lumMod val="75000"/>
-                </a:schemeClr>
-              </a:buClr>
-              <a:buSzPct val="145000"/>
-              <a:buFont typeface="Arial"/>
-              <a:buNone/>
-              <a:defRPr sz="1400" kern="1200" cap="none">
-                <a:solidFill>
-                  <a:schemeClr val="tx1">
-                    <a:tint val="75000"/>
-                  </a:schemeClr>
-                </a:solidFill>
-                <a:effectLst/>
-                <a:latin typeface="+mn-lt"/>
-                <a:ea typeface="+mn-ea"/>
-                <a:cs typeface="+mn-cs"/>
-              </a:defRPr>
-            </a:lvl9pPr>
-          </a:lstStyle>
-          <a:p>
-            <a:pPr algn="l">
-              <a:buClr>
-                <a:schemeClr val="tx1"/>
-              </a:buClr>
-            </a:pPr>
-            <a:r>
-              <a:rPr lang="en-US" dirty="0"/>
-              <a:t>From this data, we get that there are 891 total rows with there mean, min, and max values to visualize the data.</a:t>
-            </a:r>
-            <a:endParaRPr lang="en-IN" dirty="0"/>
-          </a:p>
-        </p:txBody>
-      </p:sp>
     </p:spTree>
     <p:extLst>
       <p:ext uri="{BB962C8B-B14F-4D97-AF65-F5344CB8AC3E}">
-        <p14:creationId xmlns:p14="http://schemas.microsoft.com/office/powerpoint/2010/main" val="1637052244"/>
+        <p14:creationId xmlns:p14="http://schemas.microsoft.com/office/powerpoint/2010/main" val="2583304675"/>
       </p:ext>
     </p:extLst>
   </p:cSld>
@@ -10310,7 +12159,7 @@
           <p:cNvPr id="2" name="Title 1">
             <a:extLst>
               <a:ext uri="{FF2B5EF4-FFF2-40B4-BE49-F238E27FC236}">
-                <a16:creationId xmlns:a16="http://schemas.microsoft.com/office/drawing/2014/main" id="{1D1C873C-48D5-4475-BF62-474CE434F2E4}"/>
+                <a16:creationId xmlns:a16="http://schemas.microsoft.com/office/drawing/2014/main" id="{03E3DB15-A188-4B9F-8910-486447078BD1}"/>
               </a:ext>
             </a:extLst>
           </p:cNvPr>
@@ -10323,30 +12172,30 @@
         </p:nvSpPr>
         <p:spPr>
           <a:xfrm>
-            <a:off x="1616439" y="-677124"/>
-            <a:ext cx="10018711" cy="3048000"/>
+            <a:off x="1653124" y="654756"/>
+            <a:ext cx="10018711" cy="634398"/>
           </a:xfrm>
         </p:spPr>
         <p:txBody>
           <a:bodyPr>
-            <a:normAutofit/>
+            <a:normAutofit fontScale="90000"/>
           </a:bodyPr>
           <a:lstStyle/>
           <a:p>
             <a:pPr algn="l"/>
             <a:r>
               <a:rPr lang="en-IN" sz="4000" dirty="0"/>
-              <a:t>DATA   VISUALIZATION</a:t>
-            </a:r>
-          </a:p>
-        </p:txBody>
-      </p:sp>
-      <p:sp>
-        <p:nvSpPr>
-          <p:cNvPr id="6" name="Text Placeholder 5">
+              <a:t>OBJECTIVE</a:t>
+            </a:r>
+          </a:p>
+        </p:txBody>
+      </p:sp>
+      <p:sp>
+        <p:nvSpPr>
+          <p:cNvPr id="3" name="Text Placeholder 2">
             <a:extLst>
               <a:ext uri="{FF2B5EF4-FFF2-40B4-BE49-F238E27FC236}">
-                <a16:creationId xmlns:a16="http://schemas.microsoft.com/office/drawing/2014/main" id="{C67787DD-8D7A-4908-BC9D-1662A06AE8E9}"/>
+                <a16:creationId xmlns:a16="http://schemas.microsoft.com/office/drawing/2014/main" id="{D51727EC-2925-47D0-A90F-B699DFC525E5}"/>
               </a:ext>
             </a:extLst>
           </p:cNvPr>
@@ -10359,9 +12208,12 @@
         </p:nvSpPr>
         <p:spPr>
           <a:xfrm>
-            <a:off x="1139109" y="1455043"/>
-            <a:ext cx="9913781" cy="538188"/>
-          </a:xfrm>
+            <a:off x="1653125" y="1493652"/>
+            <a:ext cx="9544528" cy="4135156"/>
+          </a:xfrm>
+          <a:ln>
+            <a:noFill/>
+          </a:ln>
         </p:spPr>
         <p:txBody>
           <a:bodyPr anchor="t">
@@ -10369,40 +12221,52 @@
           </a:bodyPr>
           <a:lstStyle/>
           <a:p>
-            <a:pPr lvl="1">
+            <a:pPr marL="342900" indent="-342900" algn="just">
               <a:buClr>
                 <a:schemeClr val="tx1"/>
               </a:buClr>
+              <a:buFont typeface="Arial" panose="020B0604020202020204" pitchFamily="34" charset="0"/>
+              <a:buChar char="•"/>
             </a:pPr>
             <a:r>
-              <a:rPr lang="en-IN" sz="2400" dirty="0"/>
-              <a:t>Comparing  </a:t>
-            </a:r>
-            <a:r>
-              <a:rPr lang="en-IN" sz="2400" dirty="0" err="1"/>
-              <a:t>Pclass</a:t>
-            </a:r>
-            <a:r>
-              <a:rPr lang="en-IN" sz="2400" dirty="0"/>
-              <a:t> with Survived</a:t>
-            </a:r>
-          </a:p>
-          <a:p>
-            <a:pPr lvl="1">
+              <a:rPr lang="en-IN" dirty="0"/>
+              <a:t>Need to predict the probability of the survival based on the data available on various machine learning algorithms.</a:t>
+            </a:r>
+          </a:p>
+          <a:p>
+            <a:pPr marL="342900" indent="-342900" algn="just">
               <a:buClr>
                 <a:schemeClr val="tx1"/>
               </a:buClr>
+              <a:buFont typeface="Arial" panose="020B0604020202020204" pitchFamily="34" charset="0"/>
+              <a:buChar char="•"/>
             </a:pPr>
-            <a:endParaRPr lang="en-IN" sz="2400" dirty="0"/>
-          </a:p>
-        </p:txBody>
-      </p:sp>
-      <p:sp>
-        <p:nvSpPr>
-          <p:cNvPr id="3" name="Rectangle 2">
+            <a:r>
+              <a:rPr lang="en-IN" dirty="0"/>
+              <a:t>Compare some machine learning algorithms on the train.csv dataset.</a:t>
+            </a:r>
+          </a:p>
+          <a:p>
+            <a:pPr marL="342900" indent="-342900" algn="just">
+              <a:buClr>
+                <a:schemeClr val="tx1"/>
+              </a:buClr>
+              <a:buFont typeface="Arial" panose="020B0604020202020204" pitchFamily="34" charset="0"/>
+              <a:buChar char="•"/>
+            </a:pPr>
+            <a:r>
+              <a:rPr lang="en-IN" dirty="0"/>
+              <a:t>Check and Select the important attribute for prediction.</a:t>
+            </a:r>
+          </a:p>
+        </p:txBody>
+      </p:sp>
+      <p:sp>
+        <p:nvSpPr>
+          <p:cNvPr id="5" name="Rectangle 4">
             <a:extLst>
               <a:ext uri="{FF2B5EF4-FFF2-40B4-BE49-F238E27FC236}">
-                <a16:creationId xmlns:a16="http://schemas.microsoft.com/office/drawing/2014/main" id="{74F054A0-4674-48EC-8F86-E8FFDE6C155D}"/>
+                <a16:creationId xmlns:a16="http://schemas.microsoft.com/office/drawing/2014/main" id="{D6CD02F0-DC17-430A-B9D7-5F6B9DF2F449}"/>
               </a:ext>
             </a:extLst>
           </p:cNvPr>
@@ -10411,8 +12275,8 @@
         </p:nvSpPr>
         <p:spPr>
           <a:xfrm>
-            <a:off x="1649203" y="1289154"/>
-            <a:ext cx="9743322" cy="59961"/>
+            <a:off x="1653124" y="1229193"/>
+            <a:ext cx="9544528" cy="59961"/>
           </a:xfrm>
           <a:prstGeom prst="rect">
             <a:avLst/>
@@ -10441,162 +12305,10 @@
           </a:p>
         </p:txBody>
       </p:sp>
-      <p:pic>
-        <p:nvPicPr>
-          <p:cNvPr id="7" name="Picture 6">
-            <a:extLst>
-              <a:ext uri="{FF2B5EF4-FFF2-40B4-BE49-F238E27FC236}">
-                <a16:creationId xmlns:a16="http://schemas.microsoft.com/office/drawing/2014/main" id="{2734B4A2-D384-43AB-B5B2-E86633B04945}"/>
-              </a:ext>
-            </a:extLst>
-          </p:cNvPr>
-          <p:cNvPicPr>
-            <a:picLocks noChangeAspect="1"/>
-          </p:cNvPicPr>
-          <p:nvPr/>
-        </p:nvPicPr>
-        <p:blipFill>
-          <a:blip r:embed="rId2">
-            <a:extLst>
-              <a:ext uri="{28A0092B-C50C-407E-A947-70E740481C1C}">
-                <a14:useLocalDpi xmlns:a14="http://schemas.microsoft.com/office/drawing/2010/main" val="0"/>
-              </a:ext>
-            </a:extLst>
-          </a:blip>
-          <a:stretch>
-            <a:fillRect/>
-          </a:stretch>
-        </p:blipFill>
-        <p:spPr>
-          <a:xfrm>
-            <a:off x="1649202" y="2099158"/>
-            <a:ext cx="6625367" cy="377646"/>
-          </a:xfrm>
-          <a:prstGeom prst="rect">
-            <a:avLst/>
-          </a:prstGeom>
-        </p:spPr>
-      </p:pic>
-      <p:pic>
-        <p:nvPicPr>
-          <p:cNvPr id="9" name="Picture 8">
-            <a:extLst>
-              <a:ext uri="{FF2B5EF4-FFF2-40B4-BE49-F238E27FC236}">
-                <a16:creationId xmlns:a16="http://schemas.microsoft.com/office/drawing/2014/main" id="{E94B2FD0-2CD2-4A8B-B51D-AC6B0EFB82DD}"/>
-              </a:ext>
-            </a:extLst>
-          </p:cNvPr>
-          <p:cNvPicPr>
-            <a:picLocks noChangeAspect="1"/>
-          </p:cNvPicPr>
-          <p:nvPr/>
-        </p:nvPicPr>
-        <p:blipFill>
-          <a:blip r:embed="rId3">
-            <a:extLst>
-              <a:ext uri="{28A0092B-C50C-407E-A947-70E740481C1C}">
-                <a14:useLocalDpi xmlns:a14="http://schemas.microsoft.com/office/drawing/2010/main" val="0"/>
-              </a:ext>
-            </a:extLst>
-          </a:blip>
-          <a:stretch>
-            <a:fillRect/>
-          </a:stretch>
-        </p:blipFill>
-        <p:spPr>
-          <a:xfrm>
-            <a:off x="1649202" y="3132490"/>
-            <a:ext cx="3020346" cy="2270467"/>
-          </a:xfrm>
-          <a:prstGeom prst="rect">
-            <a:avLst/>
-          </a:prstGeom>
-        </p:spPr>
-      </p:pic>
-      <p:pic>
-        <p:nvPicPr>
-          <p:cNvPr id="11" name="Picture 10">
-            <a:extLst>
-              <a:ext uri="{FF2B5EF4-FFF2-40B4-BE49-F238E27FC236}">
-                <a16:creationId xmlns:a16="http://schemas.microsoft.com/office/drawing/2014/main" id="{BCB5BFE6-C027-4196-88AA-F0213A10320F}"/>
-              </a:ext>
-            </a:extLst>
-          </p:cNvPr>
-          <p:cNvPicPr>
-            <a:picLocks noChangeAspect="1"/>
-          </p:cNvPicPr>
-          <p:nvPr/>
-        </p:nvPicPr>
-        <p:blipFill>
-          <a:blip r:embed="rId4">
-            <a:extLst>
-              <a:ext uri="{28A0092B-C50C-407E-A947-70E740481C1C}">
-                <a14:useLocalDpi xmlns:a14="http://schemas.microsoft.com/office/drawing/2010/main" val="0"/>
-              </a:ext>
-            </a:extLst>
-          </a:blip>
-          <a:stretch>
-            <a:fillRect/>
-          </a:stretch>
-        </p:blipFill>
-        <p:spPr>
-          <a:xfrm>
-            <a:off x="6834775" y="2802200"/>
-            <a:ext cx="4800375" cy="3283807"/>
-          </a:xfrm>
-          <a:prstGeom prst="rect">
-            <a:avLst/>
-          </a:prstGeom>
-        </p:spPr>
-      </p:pic>
-      <p:sp>
-        <p:nvSpPr>
-          <p:cNvPr id="12" name="Rectangle 11">
-            <a:extLst>
-              <a:ext uri="{FF2B5EF4-FFF2-40B4-BE49-F238E27FC236}">
-                <a16:creationId xmlns:a16="http://schemas.microsoft.com/office/drawing/2014/main" id="{98EDB369-4D64-4115-94A5-7BDD2079B491}"/>
-              </a:ext>
-            </a:extLst>
-          </p:cNvPr>
-          <p:cNvSpPr/>
-          <p:nvPr/>
-        </p:nvSpPr>
-        <p:spPr>
-          <a:xfrm>
-            <a:off x="5696262" y="2802200"/>
-            <a:ext cx="74951" cy="3478679"/>
-          </a:xfrm>
-          <a:prstGeom prst="rect">
-            <a:avLst/>
-          </a:prstGeom>
-        </p:spPr>
-        <p:style>
-          <a:lnRef idx="0">
-            <a:schemeClr val="accent3"/>
-          </a:lnRef>
-          <a:fillRef idx="3">
-            <a:schemeClr val="accent3"/>
-          </a:fillRef>
-          <a:effectRef idx="3">
-            <a:schemeClr val="accent3"/>
-          </a:effectRef>
-          <a:fontRef idx="minor">
-            <a:schemeClr val="lt1"/>
-          </a:fontRef>
-        </p:style>
-        <p:txBody>
-          <a:bodyPr rtlCol="0" anchor="ctr"/>
-          <a:lstStyle/>
-          <a:p>
-            <a:pPr algn="ctr"/>
-            <a:endParaRPr lang="en-IN"/>
-          </a:p>
-        </p:txBody>
-      </p:sp>
     </p:spTree>
     <p:extLst>
       <p:ext uri="{BB962C8B-B14F-4D97-AF65-F5344CB8AC3E}">
-        <p14:creationId xmlns:p14="http://schemas.microsoft.com/office/powerpoint/2010/main" val="80207388"/>
+        <p14:creationId xmlns:p14="http://schemas.microsoft.com/office/powerpoint/2010/main" val="24508334"/>
       </p:ext>
     </p:extLst>
   </p:cSld>
@@ -10631,7 +12343,7 @@
           <p:cNvPr id="2" name="Title 1">
             <a:extLst>
               <a:ext uri="{FF2B5EF4-FFF2-40B4-BE49-F238E27FC236}">
-                <a16:creationId xmlns:a16="http://schemas.microsoft.com/office/drawing/2014/main" id="{1D1C873C-48D5-4475-BF62-474CE434F2E4}"/>
+                <a16:creationId xmlns:a16="http://schemas.microsoft.com/office/drawing/2014/main" id="{03E3DB15-A188-4B9F-8910-486447078BD1}"/>
               </a:ext>
             </a:extLst>
           </p:cNvPr>
@@ -10644,8 +12356,8 @@
         </p:nvSpPr>
         <p:spPr>
           <a:xfrm>
-            <a:off x="1616439" y="-677124"/>
-            <a:ext cx="10018711" cy="3048000"/>
+            <a:off x="1653124" y="151227"/>
+            <a:ext cx="10018711" cy="1565031"/>
           </a:xfrm>
         </p:spPr>
         <p:txBody>
@@ -10657,17 +12369,17 @@
             <a:pPr algn="l"/>
             <a:r>
               <a:rPr lang="en-IN" sz="4000" dirty="0"/>
-              <a:t>DATA   VISUALIZATION</a:t>
-            </a:r>
-          </a:p>
-        </p:txBody>
-      </p:sp>
-      <p:sp>
-        <p:nvSpPr>
-          <p:cNvPr id="6" name="Text Placeholder 5">
+              <a:t>FEASIBILITY STUDY</a:t>
+            </a:r>
+          </a:p>
+        </p:txBody>
+      </p:sp>
+      <p:sp>
+        <p:nvSpPr>
+          <p:cNvPr id="3" name="Text Placeholder 2">
             <a:extLst>
               <a:ext uri="{FF2B5EF4-FFF2-40B4-BE49-F238E27FC236}">
-                <a16:creationId xmlns:a16="http://schemas.microsoft.com/office/drawing/2014/main" id="{C67787DD-8D7A-4908-BC9D-1662A06AE8E9}"/>
+                <a16:creationId xmlns:a16="http://schemas.microsoft.com/office/drawing/2014/main" id="{D51727EC-2925-47D0-A90F-B699DFC525E5}"/>
               </a:ext>
             </a:extLst>
           </p:cNvPr>
@@ -10680,9 +12392,12 @@
         </p:nvSpPr>
         <p:spPr>
           <a:xfrm>
-            <a:off x="1139109" y="1455043"/>
-            <a:ext cx="9913781" cy="538188"/>
-          </a:xfrm>
+            <a:off x="1653124" y="1716258"/>
+            <a:ext cx="10018711" cy="4537786"/>
+          </a:xfrm>
+          <a:ln>
+            <a:noFill/>
+          </a:ln>
         </p:spPr>
         <p:txBody>
           <a:bodyPr anchor="t">
@@ -10690,32 +12405,85 @@
           </a:bodyPr>
           <a:lstStyle/>
           <a:p>
-            <a:pPr lvl="1">
-              <a:buClr>
-                <a:schemeClr val="tx1"/>
-              </a:buClr>
+            <a:pPr algn="l">
+              <a:buFont typeface="Wingdings" panose="05000000000000000000" pitchFamily="2" charset="2"/>
+              <a:buChar char="v"/>
             </a:pPr>
             <a:r>
-              <a:rPr lang="en-IN" sz="2400" dirty="0"/>
-              <a:t>Comparing  Sex with Survived</a:t>
-            </a:r>
-          </a:p>
-          <a:p>
-            <a:pPr lvl="1">
-              <a:buClr>
-                <a:schemeClr val="tx1"/>
-              </a:buClr>
+              <a:rPr lang="en-US" sz="1600" dirty="0">
+                <a:latin typeface="Times New Roman" panose="02020603050405020304" pitchFamily="18" charset="0"/>
+                <a:cs typeface="Times New Roman" panose="02020603050405020304" pitchFamily="18" charset="0"/>
+              </a:rPr>
+              <a:t>Feasibility of a system means ensuring that the system, which we are going to implement, is efficient and adorable. </a:t>
+            </a:r>
+          </a:p>
+          <a:p>
+            <a:pPr algn="l">
+              <a:buFont typeface="Wingdings" panose="05000000000000000000" pitchFamily="2" charset="2"/>
+              <a:buChar char="v"/>
             </a:pPr>
-            <a:endParaRPr lang="en-IN" sz="2400" dirty="0"/>
-          </a:p>
-        </p:txBody>
-      </p:sp>
-      <p:sp>
-        <p:nvSpPr>
-          <p:cNvPr id="3" name="Rectangle 2">
+            <a:r>
+              <a:rPr lang="en-US" sz="1600" dirty="0">
+                <a:latin typeface="Times New Roman" panose="02020603050405020304" pitchFamily="18" charset="0"/>
+                <a:cs typeface="Times New Roman" panose="02020603050405020304" pitchFamily="18" charset="0"/>
+              </a:rPr>
+              <a:t>There are three major areas which are to be taken in consideration. </a:t>
+            </a:r>
+          </a:p>
+          <a:p>
+            <a:pPr algn="l"/>
+            <a:endParaRPr lang="en-US" sz="1600" dirty="0">
+              <a:latin typeface="Times New Roman" panose="02020603050405020304" pitchFamily="18" charset="0"/>
+              <a:cs typeface="Times New Roman" panose="02020603050405020304" pitchFamily="18" charset="0"/>
+            </a:endParaRPr>
+          </a:p>
+          <a:p>
+            <a:pPr algn="l">
+              <a:buFont typeface="+mj-lt"/>
+              <a:buAutoNum type="arabicParenR"/>
+            </a:pPr>
+            <a:r>
+              <a:rPr lang="en-US" sz="1600" dirty="0">
+                <a:latin typeface="Times New Roman" panose="02020603050405020304" pitchFamily="18" charset="0"/>
+                <a:cs typeface="Times New Roman" panose="02020603050405020304" pitchFamily="18" charset="0"/>
+              </a:rPr>
+              <a:t>Economic feasibility: Development of this application is highly economically feasible. It is free to use.</a:t>
+            </a:r>
+          </a:p>
+          <a:p>
+            <a:pPr algn="l">
+              <a:buFont typeface="+mj-lt"/>
+              <a:buAutoNum type="arabicParenR"/>
+            </a:pPr>
+            <a:r>
+              <a:rPr lang="en-US" sz="1600" dirty="0">
+                <a:latin typeface="Times New Roman" panose="02020603050405020304" pitchFamily="18" charset="0"/>
+                <a:cs typeface="Times New Roman" panose="02020603050405020304" pitchFamily="18" charset="0"/>
+              </a:rPr>
+              <a:t>Technical feasibility: The technical requirement for the system is economic. The current project is feasible because it can run on any computer once converted into executable file, and hence it does not require any additional hardware or software. </a:t>
+            </a:r>
+          </a:p>
+          <a:p>
+            <a:pPr algn="l">
+              <a:buFont typeface="+mj-lt"/>
+              <a:buAutoNum type="arabicParenR"/>
+            </a:pPr>
+            <a:r>
+              <a:rPr lang="en-US" sz="1600" dirty="0">
+                <a:latin typeface="Times New Roman" panose="02020603050405020304" pitchFamily="18" charset="0"/>
+                <a:cs typeface="Times New Roman" panose="02020603050405020304" pitchFamily="18" charset="0"/>
+              </a:rPr>
+              <a:t>Operational feasibility: It is simple and easy to use. User require no special training for operating the system.</a:t>
+            </a:r>
+          </a:p>
+        </p:txBody>
+      </p:sp>
+      <p:sp>
+        <p:nvSpPr>
+          <p:cNvPr id="5" name="Rectangle 4">
             <a:extLst>
               <a:ext uri="{FF2B5EF4-FFF2-40B4-BE49-F238E27FC236}">
-                <a16:creationId xmlns:a16="http://schemas.microsoft.com/office/drawing/2014/main" id="{74F054A0-4674-48EC-8F86-E8FFDE6C155D}"/>
+                <a16:creationId xmlns:a16="http://schemas.microsoft.com/office/drawing/2014/main" id="{D6CD02F0-DC17-430A-B9D7-5F6B9DF2F449}"/>
               </a:ext>
             </a:extLst>
           </p:cNvPr>
@@ -10724,8 +12492,8 @@
         </p:nvSpPr>
         <p:spPr>
           <a:xfrm>
-            <a:off x="1649203" y="1289154"/>
-            <a:ext cx="9743322" cy="59961"/>
+            <a:off x="1653124" y="1229193"/>
+            <a:ext cx="9544528" cy="59961"/>
           </a:xfrm>
           <a:prstGeom prst="rect">
             <a:avLst/>
@@ -10754,162 +12522,10 @@
           </a:p>
         </p:txBody>
       </p:sp>
-      <p:sp>
-        <p:nvSpPr>
-          <p:cNvPr id="12" name="Rectangle 11">
-            <a:extLst>
-              <a:ext uri="{FF2B5EF4-FFF2-40B4-BE49-F238E27FC236}">
-                <a16:creationId xmlns:a16="http://schemas.microsoft.com/office/drawing/2014/main" id="{98EDB369-4D64-4115-94A5-7BDD2079B491}"/>
-              </a:ext>
-            </a:extLst>
-          </p:cNvPr>
-          <p:cNvSpPr/>
-          <p:nvPr/>
-        </p:nvSpPr>
-        <p:spPr>
-          <a:xfrm>
-            <a:off x="5696262" y="2802200"/>
-            <a:ext cx="74951" cy="3478679"/>
-          </a:xfrm>
-          <a:prstGeom prst="rect">
-            <a:avLst/>
-          </a:prstGeom>
-        </p:spPr>
-        <p:style>
-          <a:lnRef idx="0">
-            <a:schemeClr val="accent3"/>
-          </a:lnRef>
-          <a:fillRef idx="3">
-            <a:schemeClr val="accent3"/>
-          </a:fillRef>
-          <a:effectRef idx="3">
-            <a:schemeClr val="accent3"/>
-          </a:effectRef>
-          <a:fontRef idx="minor">
-            <a:schemeClr val="lt1"/>
-          </a:fontRef>
-        </p:style>
-        <p:txBody>
-          <a:bodyPr rtlCol="0" anchor="ctr"/>
-          <a:lstStyle/>
-          <a:p>
-            <a:pPr algn="ctr"/>
-            <a:endParaRPr lang="en-IN"/>
-          </a:p>
-        </p:txBody>
-      </p:sp>
-      <p:pic>
-        <p:nvPicPr>
-          <p:cNvPr id="5" name="Picture 4">
-            <a:extLst>
-              <a:ext uri="{FF2B5EF4-FFF2-40B4-BE49-F238E27FC236}">
-                <a16:creationId xmlns:a16="http://schemas.microsoft.com/office/drawing/2014/main" id="{BFF3CB95-8832-4F04-A875-9E2088E565B5}"/>
-              </a:ext>
-            </a:extLst>
-          </p:cNvPr>
-          <p:cNvPicPr>
-            <a:picLocks noChangeAspect="1"/>
-          </p:cNvPicPr>
-          <p:nvPr/>
-        </p:nvPicPr>
-        <p:blipFill>
-          <a:blip r:embed="rId2">
-            <a:extLst>
-              <a:ext uri="{28A0092B-C50C-407E-A947-70E740481C1C}">
-                <a14:useLocalDpi xmlns:a14="http://schemas.microsoft.com/office/drawing/2010/main" val="0"/>
-              </a:ext>
-            </a:extLst>
-          </a:blip>
-          <a:stretch>
-            <a:fillRect/>
-          </a:stretch>
-        </p:blipFill>
-        <p:spPr>
-          <a:xfrm>
-            <a:off x="1623933" y="1919282"/>
-            <a:ext cx="6681436" cy="334741"/>
-          </a:xfrm>
-          <a:prstGeom prst="rect">
-            <a:avLst/>
-          </a:prstGeom>
-        </p:spPr>
-      </p:pic>
-      <p:pic>
-        <p:nvPicPr>
-          <p:cNvPr id="10" name="Picture 9">
-            <a:extLst>
-              <a:ext uri="{FF2B5EF4-FFF2-40B4-BE49-F238E27FC236}">
-                <a16:creationId xmlns:a16="http://schemas.microsoft.com/office/drawing/2014/main" id="{6FBE43B7-FEAC-4D06-A258-A72F0186C71F}"/>
-              </a:ext>
-            </a:extLst>
-          </p:cNvPr>
-          <p:cNvPicPr>
-            <a:picLocks noChangeAspect="1"/>
-          </p:cNvPicPr>
-          <p:nvPr/>
-        </p:nvPicPr>
-        <p:blipFill>
-          <a:blip r:embed="rId3">
-            <a:extLst>
-              <a:ext uri="{28A0092B-C50C-407E-A947-70E740481C1C}">
-                <a14:useLocalDpi xmlns:a14="http://schemas.microsoft.com/office/drawing/2010/main" val="0"/>
-              </a:ext>
-            </a:extLst>
-          </a:blip>
-          <a:stretch>
-            <a:fillRect/>
-          </a:stretch>
-        </p:blipFill>
-        <p:spPr>
-          <a:xfrm>
-            <a:off x="1649203" y="3120385"/>
-            <a:ext cx="2596754" cy="1576601"/>
-          </a:xfrm>
-          <a:prstGeom prst="rect">
-            <a:avLst/>
-          </a:prstGeom>
-        </p:spPr>
-      </p:pic>
-      <p:pic>
-        <p:nvPicPr>
-          <p:cNvPr id="14" name="Picture 13">
-            <a:extLst>
-              <a:ext uri="{FF2B5EF4-FFF2-40B4-BE49-F238E27FC236}">
-                <a16:creationId xmlns:a16="http://schemas.microsoft.com/office/drawing/2014/main" id="{0C5CCA10-1BB3-4FBD-A463-05BD46D37285}"/>
-              </a:ext>
-            </a:extLst>
-          </p:cNvPr>
-          <p:cNvPicPr>
-            <a:picLocks noChangeAspect="1"/>
-          </p:cNvPicPr>
-          <p:nvPr/>
-        </p:nvPicPr>
-        <p:blipFill>
-          <a:blip r:embed="rId4">
-            <a:extLst>
-              <a:ext uri="{28A0092B-C50C-407E-A947-70E740481C1C}">
-                <a14:useLocalDpi xmlns:a14="http://schemas.microsoft.com/office/drawing/2010/main" val="0"/>
-              </a:ext>
-            </a:extLst>
-          </a:blip>
-          <a:stretch>
-            <a:fillRect/>
-          </a:stretch>
-        </p:blipFill>
-        <p:spPr>
-          <a:xfrm>
-            <a:off x="6612178" y="2802200"/>
-            <a:ext cx="4780348" cy="3343767"/>
-          </a:xfrm>
-          <a:prstGeom prst="rect">
-            <a:avLst/>
-          </a:prstGeom>
-        </p:spPr>
-      </p:pic>
     </p:spTree>
     <p:extLst>
       <p:ext uri="{BB962C8B-B14F-4D97-AF65-F5344CB8AC3E}">
-        <p14:creationId xmlns:p14="http://schemas.microsoft.com/office/powerpoint/2010/main" val="2693296323"/>
+        <p14:creationId xmlns:p14="http://schemas.microsoft.com/office/powerpoint/2010/main" val="3182811978"/>
       </p:ext>
     </p:extLst>
   </p:cSld>
@@ -10944,7 +12560,7 @@
           <p:cNvPr id="2" name="Title 1">
             <a:extLst>
               <a:ext uri="{FF2B5EF4-FFF2-40B4-BE49-F238E27FC236}">
-                <a16:creationId xmlns:a16="http://schemas.microsoft.com/office/drawing/2014/main" id="{1D1C873C-48D5-4475-BF62-474CE434F2E4}"/>
+                <a16:creationId xmlns:a16="http://schemas.microsoft.com/office/drawing/2014/main" id="{9A3F1C5B-85C0-400C-B5BE-22468C27EC35}"/>
               </a:ext>
             </a:extLst>
           </p:cNvPr>
@@ -10957,8 +12573,8 @@
         </p:nvSpPr>
         <p:spPr>
           <a:xfrm>
-            <a:off x="1616439" y="-677124"/>
-            <a:ext cx="10018711" cy="3048000"/>
+            <a:off x="1729724" y="191125"/>
+            <a:ext cx="9773301" cy="1447800"/>
           </a:xfrm>
         </p:spPr>
         <p:txBody>
@@ -10967,76 +12583,164 @@
           </a:bodyPr>
           <a:lstStyle/>
           <a:p>
-            <a:pPr algn="l"/>
-            <a:r>
-              <a:rPr lang="en-IN" sz="4000" dirty="0"/>
-              <a:t>DATA   VISUALIZATION</a:t>
-            </a:r>
-          </a:p>
-        </p:txBody>
-      </p:sp>
-      <p:sp>
-        <p:nvSpPr>
-          <p:cNvPr id="6" name="Text Placeholder 5">
-            <a:extLst>
-              <a:ext uri="{FF2B5EF4-FFF2-40B4-BE49-F238E27FC236}">
-                <a16:creationId xmlns:a16="http://schemas.microsoft.com/office/drawing/2014/main" id="{C67787DD-8D7A-4908-BC9D-1662A06AE8E9}"/>
-              </a:ext>
-            </a:extLst>
-          </p:cNvPr>
-          <p:cNvSpPr>
-            <a:spLocks noGrp="1"/>
-          </p:cNvSpPr>
-          <p:nvPr>
-            <p:ph type="body" idx="1"/>
-          </p:nvPr>
-        </p:nvSpPr>
-        <p:spPr>
-          <a:xfrm>
-            <a:off x="1139109" y="1455043"/>
-            <a:ext cx="9913781" cy="538188"/>
-          </a:xfrm>
-        </p:spPr>
-        <p:txBody>
-          <a:bodyPr anchor="t">
-            <a:normAutofit/>
-          </a:bodyPr>
-          <a:lstStyle/>
-          <a:p>
-            <a:pPr lvl="1">
+            <a:pPr algn="l">
               <a:buClr>
                 <a:schemeClr val="tx1"/>
               </a:buClr>
             </a:pPr>
             <a:r>
-              <a:rPr lang="en-IN" sz="2400" dirty="0"/>
-              <a:t>Comparing  </a:t>
-            </a:r>
-            <a:r>
-              <a:rPr lang="en-IN" sz="2400" dirty="0" err="1"/>
-              <a:t>SibSp</a:t>
-            </a:r>
-            <a:r>
-              <a:rPr lang="en-IN" sz="2400" dirty="0"/>
-              <a:t> with Survived</a:t>
-            </a:r>
-          </a:p>
-          <a:p>
-            <a:pPr lvl="1">
+              <a:rPr lang="en-US" sz="4000" dirty="0"/>
+              <a:t>HARDWARE REQUIREMENT</a:t>
+            </a:r>
+          </a:p>
+        </p:txBody>
+      </p:sp>
+      <p:sp>
+        <p:nvSpPr>
+          <p:cNvPr id="3" name="Text Placeholder 2">
+            <a:extLst>
+              <a:ext uri="{FF2B5EF4-FFF2-40B4-BE49-F238E27FC236}">
+                <a16:creationId xmlns:a16="http://schemas.microsoft.com/office/drawing/2014/main" id="{1D71D239-1692-4203-848D-3B660429DA8E}"/>
+              </a:ext>
+            </a:extLst>
+          </p:cNvPr>
+          <p:cNvSpPr>
+            <a:spLocks noGrp="1"/>
+          </p:cNvSpPr>
+          <p:nvPr>
+            <p:ph type="body" idx="1"/>
+          </p:nvPr>
+        </p:nvSpPr>
+        <p:spPr>
+          <a:xfrm>
+            <a:off x="1729723" y="1638925"/>
+            <a:ext cx="9773301" cy="4908631"/>
+          </a:xfrm>
+        </p:spPr>
+        <p:txBody>
+          <a:bodyPr anchor="t">
+            <a:normAutofit/>
+          </a:bodyPr>
+          <a:lstStyle/>
+          <a:p>
+            <a:pPr algn="l">
               <a:buClr>
                 <a:schemeClr val="tx1"/>
               </a:buClr>
             </a:pPr>
-            <a:endParaRPr lang="en-IN" sz="2400" dirty="0"/>
-          </a:p>
-        </p:txBody>
-      </p:sp>
-      <p:sp>
-        <p:nvSpPr>
-          <p:cNvPr id="3" name="Rectangle 2">
+            <a:r>
+              <a:rPr lang="en-US" sz="1600" dirty="0"/>
+              <a:t>This system doesn’t require any hardware interface . The one used here is monitor, keyboard and mouse.</a:t>
+            </a:r>
+          </a:p>
+          <a:p>
+            <a:pPr algn="l">
+              <a:buClr>
+                <a:schemeClr val="tx1"/>
+              </a:buClr>
+            </a:pPr>
+            <a:r>
+              <a:rPr lang="en-US" sz="1600" dirty="0"/>
+              <a:t>The system should have these hardware requirements:</a:t>
+            </a:r>
+          </a:p>
+          <a:p>
+            <a:pPr algn="l">
+              <a:buClr>
+                <a:schemeClr val="tx1"/>
+              </a:buClr>
+            </a:pPr>
+            <a:r>
+              <a:rPr lang="en-US" sz="1600" dirty="0"/>
+              <a:t>Processor – 64 bit distribution capable of running 32 bit applications.</a:t>
+            </a:r>
+          </a:p>
+          <a:p>
+            <a:pPr algn="l">
+              <a:buClr>
+                <a:schemeClr val="tx1"/>
+              </a:buClr>
+            </a:pPr>
+            <a:r>
+              <a:rPr lang="en-US" sz="1600" dirty="0"/>
+              <a:t>Keyboard – 104 keys</a:t>
+            </a:r>
+          </a:p>
+          <a:p>
+            <a:pPr algn="l">
+              <a:buClr>
+                <a:schemeClr val="tx1"/>
+              </a:buClr>
+            </a:pPr>
+            <a:r>
+              <a:rPr lang="en-US" sz="1600" dirty="0"/>
+              <a:t>RAM – 3 GB minimum, 8 GB RAM recommended.</a:t>
+            </a:r>
+          </a:p>
+          <a:p>
+            <a:pPr algn="l">
+              <a:buClr>
+                <a:schemeClr val="tx1"/>
+              </a:buClr>
+            </a:pPr>
+            <a:r>
+              <a:rPr lang="en-US" sz="1600" dirty="0"/>
+              <a:t>Monitor – 14’’ VGA COLOR</a:t>
+            </a:r>
+          </a:p>
+          <a:p>
+            <a:pPr algn="l">
+              <a:buClr>
+                <a:schemeClr val="tx1"/>
+              </a:buClr>
+            </a:pPr>
+            <a:r>
+              <a:rPr lang="en-US" sz="1600" dirty="0"/>
+              <a:t>Mouse – Logitech Serial Mouse</a:t>
+            </a:r>
+          </a:p>
+          <a:p>
+            <a:pPr algn="l">
+              <a:buClr>
+                <a:schemeClr val="tx1"/>
+              </a:buClr>
+            </a:pPr>
+            <a:r>
+              <a:rPr lang="en-US" sz="1600" dirty="0"/>
+              <a:t>Memory – 512 GB or above</a:t>
+            </a:r>
+          </a:p>
+          <a:p>
+            <a:pPr algn="l">
+              <a:buClr>
+                <a:schemeClr val="tx1"/>
+              </a:buClr>
+            </a:pPr>
+            <a:r>
+              <a:rPr lang="en-US" sz="1600" dirty="0"/>
+              <a:t>Hard Disk – 10 GB or above.</a:t>
+            </a:r>
+          </a:p>
+          <a:p>
+            <a:pPr algn="l">
+              <a:buClr>
+                <a:schemeClr val="tx1"/>
+              </a:buClr>
+            </a:pPr>
+            <a:r>
+              <a:rPr lang="en-US" sz="1600" dirty="0"/>
+              <a:t>Disk Space – 2 GB of available disk space minimum.</a:t>
+            </a:r>
+            <a:endParaRPr lang="en-IN" sz="1600" dirty="0"/>
+          </a:p>
+        </p:txBody>
+      </p:sp>
+      <p:sp>
+        <p:nvSpPr>
+          <p:cNvPr id="4" name="Rectangle 3">
             <a:extLst>
               <a:ext uri="{FF2B5EF4-FFF2-40B4-BE49-F238E27FC236}">
-                <a16:creationId xmlns:a16="http://schemas.microsoft.com/office/drawing/2014/main" id="{74F054A0-4674-48EC-8F86-E8FFDE6C155D}"/>
+                <a16:creationId xmlns:a16="http://schemas.microsoft.com/office/drawing/2014/main" id="{D3333F90-2EEA-498E-B2AA-BFF4DAC98F15}"/>
               </a:ext>
             </a:extLst>
           </p:cNvPr>
@@ -11045,8 +12749,8 @@
         </p:nvSpPr>
         <p:spPr>
           <a:xfrm>
-            <a:off x="1649203" y="1289154"/>
-            <a:ext cx="9743322" cy="59961"/>
+            <a:off x="1729723" y="1334124"/>
+            <a:ext cx="9773301" cy="74951"/>
           </a:xfrm>
           <a:prstGeom prst="rect">
             <a:avLst/>
@@ -11075,162 +12779,10 @@
           </a:p>
         </p:txBody>
       </p:sp>
-      <p:sp>
-        <p:nvSpPr>
-          <p:cNvPr id="12" name="Rectangle 11">
-            <a:extLst>
-              <a:ext uri="{FF2B5EF4-FFF2-40B4-BE49-F238E27FC236}">
-                <a16:creationId xmlns:a16="http://schemas.microsoft.com/office/drawing/2014/main" id="{98EDB369-4D64-4115-94A5-7BDD2079B491}"/>
-              </a:ext>
-            </a:extLst>
-          </p:cNvPr>
-          <p:cNvSpPr/>
-          <p:nvPr/>
-        </p:nvSpPr>
-        <p:spPr>
-          <a:xfrm>
-            <a:off x="5696262" y="2802200"/>
-            <a:ext cx="74951" cy="3478679"/>
-          </a:xfrm>
-          <a:prstGeom prst="rect">
-            <a:avLst/>
-          </a:prstGeom>
-        </p:spPr>
-        <p:style>
-          <a:lnRef idx="0">
-            <a:schemeClr val="accent3"/>
-          </a:lnRef>
-          <a:fillRef idx="3">
-            <a:schemeClr val="accent3"/>
-          </a:fillRef>
-          <a:effectRef idx="3">
-            <a:schemeClr val="accent3"/>
-          </a:effectRef>
-          <a:fontRef idx="minor">
-            <a:schemeClr val="lt1"/>
-          </a:fontRef>
-        </p:style>
-        <p:txBody>
-          <a:bodyPr rtlCol="0" anchor="ctr"/>
-          <a:lstStyle/>
-          <a:p>
-            <a:pPr algn="ctr"/>
-            <a:endParaRPr lang="en-IN"/>
-          </a:p>
-        </p:txBody>
-      </p:sp>
-      <p:pic>
-        <p:nvPicPr>
-          <p:cNvPr id="5" name="Picture 4">
-            <a:extLst>
-              <a:ext uri="{FF2B5EF4-FFF2-40B4-BE49-F238E27FC236}">
-                <a16:creationId xmlns:a16="http://schemas.microsoft.com/office/drawing/2014/main" id="{B1ECC571-7E79-4310-8824-EB6A8E90B95F}"/>
-              </a:ext>
-            </a:extLst>
-          </p:cNvPr>
-          <p:cNvPicPr>
-            <a:picLocks noChangeAspect="1"/>
-          </p:cNvPicPr>
-          <p:nvPr/>
-        </p:nvPicPr>
-        <p:blipFill>
-          <a:blip r:embed="rId2">
-            <a:extLst>
-              <a:ext uri="{28A0092B-C50C-407E-A947-70E740481C1C}">
-                <a14:useLocalDpi xmlns:a14="http://schemas.microsoft.com/office/drawing/2010/main" val="0"/>
-              </a:ext>
-            </a:extLst>
-          </a:blip>
-          <a:stretch>
-            <a:fillRect/>
-          </a:stretch>
-        </p:blipFill>
-        <p:spPr>
-          <a:xfrm>
-            <a:off x="1616439" y="1993230"/>
-            <a:ext cx="6625367" cy="377646"/>
-          </a:xfrm>
-          <a:prstGeom prst="rect">
-            <a:avLst/>
-          </a:prstGeom>
-        </p:spPr>
-      </p:pic>
-      <p:pic>
-        <p:nvPicPr>
-          <p:cNvPr id="10" name="Picture 9">
-            <a:extLst>
-              <a:ext uri="{FF2B5EF4-FFF2-40B4-BE49-F238E27FC236}">
-                <a16:creationId xmlns:a16="http://schemas.microsoft.com/office/drawing/2014/main" id="{97132A56-574C-458E-9382-419322481345}"/>
-              </a:ext>
-            </a:extLst>
-          </p:cNvPr>
-          <p:cNvPicPr>
-            <a:picLocks noChangeAspect="1"/>
-          </p:cNvPicPr>
-          <p:nvPr/>
-        </p:nvPicPr>
-        <p:blipFill>
-          <a:blip r:embed="rId3">
-            <a:extLst>
-              <a:ext uri="{28A0092B-C50C-407E-A947-70E740481C1C}">
-                <a14:useLocalDpi xmlns:a14="http://schemas.microsoft.com/office/drawing/2010/main" val="0"/>
-              </a:ext>
-            </a:extLst>
-          </a:blip>
-          <a:stretch>
-            <a:fillRect/>
-          </a:stretch>
-        </p:blipFill>
-        <p:spPr>
-          <a:xfrm>
-            <a:off x="1649203" y="2802200"/>
-            <a:ext cx="1978417" cy="3119256"/>
-          </a:xfrm>
-          <a:prstGeom prst="rect">
-            <a:avLst/>
-          </a:prstGeom>
-        </p:spPr>
-      </p:pic>
-      <p:pic>
-        <p:nvPicPr>
-          <p:cNvPr id="14" name="Picture 13">
-            <a:extLst>
-              <a:ext uri="{FF2B5EF4-FFF2-40B4-BE49-F238E27FC236}">
-                <a16:creationId xmlns:a16="http://schemas.microsoft.com/office/drawing/2014/main" id="{813B1734-73F3-4C52-A004-F5AB6058DEF7}"/>
-              </a:ext>
-            </a:extLst>
-          </p:cNvPr>
-          <p:cNvPicPr>
-            <a:picLocks noChangeAspect="1"/>
-          </p:cNvPicPr>
-          <p:nvPr/>
-        </p:nvPicPr>
-        <p:blipFill>
-          <a:blip r:embed="rId4">
-            <a:extLst>
-              <a:ext uri="{28A0092B-C50C-407E-A947-70E740481C1C}">
-                <a14:useLocalDpi xmlns:a14="http://schemas.microsoft.com/office/drawing/2010/main" val="0"/>
-              </a:ext>
-            </a:extLst>
-          </a:blip>
-          <a:stretch>
-            <a:fillRect/>
-          </a:stretch>
-        </p:blipFill>
-        <p:spPr>
-          <a:xfrm>
-            <a:off x="6346838" y="2802200"/>
-            <a:ext cx="5007188" cy="3478678"/>
-          </a:xfrm>
-          <a:prstGeom prst="rect">
-            <a:avLst/>
-          </a:prstGeom>
-        </p:spPr>
-      </p:pic>
     </p:spTree>
     <p:extLst>
       <p:ext uri="{BB962C8B-B14F-4D97-AF65-F5344CB8AC3E}">
-        <p14:creationId xmlns:p14="http://schemas.microsoft.com/office/powerpoint/2010/main" val="1410007095"/>
+        <p14:creationId xmlns:p14="http://schemas.microsoft.com/office/powerpoint/2010/main" val="2400421020"/>
       </p:ext>
     </p:extLst>
   </p:cSld>
@@ -11265,7 +12817,7 @@
           <p:cNvPr id="2" name="Title 1">
             <a:extLst>
               <a:ext uri="{FF2B5EF4-FFF2-40B4-BE49-F238E27FC236}">
-                <a16:creationId xmlns:a16="http://schemas.microsoft.com/office/drawing/2014/main" id="{1D1C873C-48D5-4475-BF62-474CE434F2E4}"/>
+                <a16:creationId xmlns:a16="http://schemas.microsoft.com/office/drawing/2014/main" id="{9A3F1C5B-85C0-400C-B5BE-22468C27EC35}"/>
               </a:ext>
             </a:extLst>
           </p:cNvPr>
@@ -11278,8 +12830,8 @@
         </p:nvSpPr>
         <p:spPr>
           <a:xfrm>
-            <a:off x="1616439" y="-677124"/>
-            <a:ext cx="10018711" cy="3048000"/>
+            <a:off x="1729724" y="191125"/>
+            <a:ext cx="9773301" cy="1447800"/>
           </a:xfrm>
         </p:spPr>
         <p:txBody>
@@ -11288,68 +12840,81 @@
           </a:bodyPr>
           <a:lstStyle/>
           <a:p>
-            <a:pPr algn="l"/>
-            <a:r>
-              <a:rPr lang="en-IN" sz="4000" dirty="0"/>
-              <a:t>DATA   VISUALIZATION</a:t>
-            </a:r>
-          </a:p>
-        </p:txBody>
-      </p:sp>
-      <p:sp>
-        <p:nvSpPr>
-          <p:cNvPr id="6" name="Text Placeholder 5">
-            <a:extLst>
-              <a:ext uri="{FF2B5EF4-FFF2-40B4-BE49-F238E27FC236}">
-                <a16:creationId xmlns:a16="http://schemas.microsoft.com/office/drawing/2014/main" id="{C67787DD-8D7A-4908-BC9D-1662A06AE8E9}"/>
-              </a:ext>
-            </a:extLst>
-          </p:cNvPr>
-          <p:cNvSpPr>
-            <a:spLocks noGrp="1"/>
-          </p:cNvSpPr>
-          <p:nvPr>
-            <p:ph type="body" idx="1"/>
-          </p:nvPr>
-        </p:nvSpPr>
-        <p:spPr>
-          <a:xfrm>
-            <a:off x="1139109" y="1455043"/>
-            <a:ext cx="9913781" cy="538188"/>
-          </a:xfrm>
-        </p:spPr>
-        <p:txBody>
-          <a:bodyPr anchor="t">
-            <a:normAutofit/>
-          </a:bodyPr>
-          <a:lstStyle/>
-          <a:p>
-            <a:pPr lvl="1">
+            <a:pPr algn="l">
               <a:buClr>
                 <a:schemeClr val="tx1"/>
               </a:buClr>
             </a:pPr>
             <a:r>
-              <a:rPr lang="en-IN" sz="2400" dirty="0"/>
-              <a:t>Comparing  Parch with Survived</a:t>
-            </a:r>
-          </a:p>
-          <a:p>
-            <a:pPr lvl="1">
+              <a:rPr lang="en-US" sz="4000" dirty="0"/>
+              <a:t>SOFTWARE REQUIREMENT</a:t>
+            </a:r>
+          </a:p>
+        </p:txBody>
+      </p:sp>
+      <p:sp>
+        <p:nvSpPr>
+          <p:cNvPr id="3" name="Text Placeholder 2">
+            <a:extLst>
+              <a:ext uri="{FF2B5EF4-FFF2-40B4-BE49-F238E27FC236}">
+                <a16:creationId xmlns:a16="http://schemas.microsoft.com/office/drawing/2014/main" id="{1D71D239-1692-4203-848D-3B660429DA8E}"/>
+              </a:ext>
+            </a:extLst>
+          </p:cNvPr>
+          <p:cNvSpPr>
+            <a:spLocks noGrp="1"/>
+          </p:cNvSpPr>
+          <p:nvPr>
+            <p:ph type="body" idx="1"/>
+          </p:nvPr>
+        </p:nvSpPr>
+        <p:spPr>
+          <a:xfrm>
+            <a:off x="1729722" y="1643922"/>
+            <a:ext cx="9773301" cy="1011836"/>
+          </a:xfrm>
+        </p:spPr>
+        <p:txBody>
+          <a:bodyPr anchor="t">
+            <a:normAutofit/>
+          </a:bodyPr>
+          <a:lstStyle/>
+          <a:p>
+            <a:pPr algn="l">
               <a:buClr>
                 <a:schemeClr val="tx1"/>
               </a:buClr>
             </a:pPr>
-            <a:endParaRPr lang="en-IN" sz="2400" dirty="0"/>
-          </a:p>
-        </p:txBody>
-      </p:sp>
-      <p:sp>
-        <p:nvSpPr>
-          <p:cNvPr id="3" name="Rectangle 2">
+            <a:r>
+              <a:rPr lang="en-IN" sz="2400" dirty="0"/>
+              <a:t>TOOL  USED :</a:t>
+            </a:r>
+          </a:p>
+          <a:p>
+            <a:pPr marL="1257300" lvl="2" indent="-342900">
+              <a:buClr>
+                <a:schemeClr val="tx1"/>
+              </a:buClr>
+              <a:buFont typeface="Arial" panose="020B0604020202020204" pitchFamily="34" charset="0"/>
+              <a:buChar char="•"/>
+            </a:pPr>
+            <a:r>
+              <a:rPr lang="en-IN" dirty="0" err="1"/>
+              <a:t>Jupyter</a:t>
+            </a:r>
+            <a:r>
+              <a:rPr lang="en-IN" dirty="0"/>
+              <a:t> Notebook</a:t>
+            </a:r>
+          </a:p>
+        </p:txBody>
+      </p:sp>
+      <p:sp>
+        <p:nvSpPr>
+          <p:cNvPr id="4" name="Rectangle 3">
             <a:extLst>
               <a:ext uri="{FF2B5EF4-FFF2-40B4-BE49-F238E27FC236}">
-                <a16:creationId xmlns:a16="http://schemas.microsoft.com/office/drawing/2014/main" id="{74F054A0-4674-48EC-8F86-E8FFDE6C155D}"/>
+                <a16:creationId xmlns:a16="http://schemas.microsoft.com/office/drawing/2014/main" id="{D3333F90-2EEA-498E-B2AA-BFF4DAC98F15}"/>
               </a:ext>
             </a:extLst>
           </p:cNvPr>
@@ -11358,8 +12923,8 @@
         </p:nvSpPr>
         <p:spPr>
           <a:xfrm>
-            <a:off x="1649203" y="1289154"/>
-            <a:ext cx="9743322" cy="59961"/>
+            <a:off x="1729723" y="1334124"/>
+            <a:ext cx="9773301" cy="74951"/>
           </a:xfrm>
           <a:prstGeom prst="rect">
             <a:avLst/>
@@ -11390,160 +12955,378 @@
       </p:sp>
       <p:sp>
         <p:nvSpPr>
-          <p:cNvPr id="12" name="Rectangle 11">
+          <p:cNvPr id="5" name="Text Placeholder 2">
             <a:extLst>
               <a:ext uri="{FF2B5EF4-FFF2-40B4-BE49-F238E27FC236}">
-                <a16:creationId xmlns:a16="http://schemas.microsoft.com/office/drawing/2014/main" id="{98EDB369-4D64-4115-94A5-7BDD2079B491}"/>
+                <a16:creationId xmlns:a16="http://schemas.microsoft.com/office/drawing/2014/main" id="{B9B5D752-B5F5-4527-87DA-25692E2B8820}"/>
               </a:ext>
             </a:extLst>
           </p:cNvPr>
-          <p:cNvSpPr/>
+          <p:cNvSpPr txBox="1">
+            <a:spLocks/>
+          </p:cNvSpPr>
           <p:nvPr/>
         </p:nvSpPr>
         <p:spPr>
           <a:xfrm>
-            <a:off x="5696262" y="2802200"/>
-            <a:ext cx="74951" cy="3478679"/>
+            <a:off x="1729721" y="3005529"/>
+            <a:ext cx="9773301" cy="2393428"/>
           </a:xfrm>
           <a:prstGeom prst="rect">
             <a:avLst/>
           </a:prstGeom>
         </p:spPr>
-        <p:style>
-          <a:lnRef idx="0">
-            <a:schemeClr val="accent3"/>
-          </a:lnRef>
-          <a:fillRef idx="3">
-            <a:schemeClr val="accent3"/>
-          </a:fillRef>
-          <a:effectRef idx="3">
-            <a:schemeClr val="accent3"/>
-          </a:effectRef>
-          <a:fontRef idx="minor">
-            <a:schemeClr val="lt1"/>
-          </a:fontRef>
-        </p:style>
-        <p:txBody>
-          <a:bodyPr rtlCol="0" anchor="ctr"/>
-          <a:lstStyle/>
-          <a:p>
-            <a:pPr algn="ctr"/>
-            <a:endParaRPr lang="en-IN"/>
-          </a:p>
-        </p:txBody>
-      </p:sp>
-      <p:pic>
-        <p:nvPicPr>
-          <p:cNvPr id="5" name="Picture 4">
-            <a:extLst>
-              <a:ext uri="{FF2B5EF4-FFF2-40B4-BE49-F238E27FC236}">
-                <a16:creationId xmlns:a16="http://schemas.microsoft.com/office/drawing/2014/main" id="{DEF1F1AC-7D70-4034-8E7C-8B19CD6B68DE}"/>
-              </a:ext>
-            </a:extLst>
-          </p:cNvPr>
-          <p:cNvPicPr>
-            <a:picLocks noChangeAspect="1"/>
-          </p:cNvPicPr>
-          <p:nvPr/>
-        </p:nvPicPr>
-        <p:blipFill>
-          <a:blip r:embed="rId2">
-            <a:extLst>
-              <a:ext uri="{28A0092B-C50C-407E-A947-70E740481C1C}">
-                <a14:useLocalDpi xmlns:a14="http://schemas.microsoft.com/office/drawing/2010/main" val="0"/>
-              </a:ext>
-            </a:extLst>
-          </a:blip>
-          <a:stretch>
-            <a:fillRect/>
-          </a:stretch>
-        </p:blipFill>
-        <p:spPr>
-          <a:xfrm>
-            <a:off x="1649202" y="1991650"/>
-            <a:ext cx="7060083" cy="379226"/>
-          </a:xfrm>
-          <a:prstGeom prst="rect">
-            <a:avLst/>
-          </a:prstGeom>
-        </p:spPr>
-      </p:pic>
-      <p:pic>
-        <p:nvPicPr>
-          <p:cNvPr id="10" name="Picture 9">
-            <a:extLst>
-              <a:ext uri="{FF2B5EF4-FFF2-40B4-BE49-F238E27FC236}">
-                <a16:creationId xmlns:a16="http://schemas.microsoft.com/office/drawing/2014/main" id="{807F1D8C-2D9F-4823-9567-9EE4D0F2402B}"/>
-              </a:ext>
-            </a:extLst>
-          </p:cNvPr>
-          <p:cNvPicPr>
-            <a:picLocks noChangeAspect="1"/>
-          </p:cNvPicPr>
-          <p:nvPr/>
-        </p:nvPicPr>
-        <p:blipFill>
-          <a:blip r:embed="rId3">
-            <a:extLst>
-              <a:ext uri="{28A0092B-C50C-407E-A947-70E740481C1C}">
-                <a14:useLocalDpi xmlns:a14="http://schemas.microsoft.com/office/drawing/2010/main" val="0"/>
-              </a:ext>
-            </a:extLst>
-          </a:blip>
-          <a:stretch>
-            <a:fillRect/>
-          </a:stretch>
-        </p:blipFill>
-        <p:spPr>
-          <a:xfrm>
-            <a:off x="1616439" y="2802200"/>
-            <a:ext cx="2071559" cy="3283807"/>
-          </a:xfrm>
-          <a:prstGeom prst="rect">
-            <a:avLst/>
-          </a:prstGeom>
-        </p:spPr>
-      </p:pic>
-      <p:pic>
-        <p:nvPicPr>
-          <p:cNvPr id="14" name="Picture 13">
-            <a:extLst>
-              <a:ext uri="{FF2B5EF4-FFF2-40B4-BE49-F238E27FC236}">
-                <a16:creationId xmlns:a16="http://schemas.microsoft.com/office/drawing/2014/main" id="{6CE96BAB-53E3-4E07-8CDC-8D5C40D8264E}"/>
-              </a:ext>
-            </a:extLst>
-          </p:cNvPr>
-          <p:cNvPicPr>
-            <a:picLocks noChangeAspect="1"/>
-          </p:cNvPicPr>
-          <p:nvPr/>
-        </p:nvPicPr>
-        <p:blipFill>
-          <a:blip r:embed="rId4">
-            <a:extLst>
-              <a:ext uri="{28A0092B-C50C-407E-A947-70E740481C1C}">
-                <a14:useLocalDpi xmlns:a14="http://schemas.microsoft.com/office/drawing/2010/main" val="0"/>
-              </a:ext>
-            </a:extLst>
-          </a:blip>
-          <a:stretch>
-            <a:fillRect/>
-          </a:stretch>
-        </p:blipFill>
-        <p:spPr>
-          <a:xfrm>
-            <a:off x="5947301" y="2802200"/>
-            <a:ext cx="5105589" cy="3478679"/>
-          </a:xfrm>
-          <a:prstGeom prst="rect">
-            <a:avLst/>
-          </a:prstGeom>
-        </p:spPr>
-      </p:pic>
+        <p:txBody>
+          <a:bodyPr vert="horz" lIns="91440" tIns="45720" rIns="91440" bIns="45720" rtlCol="0" anchor="t">
+            <a:normAutofit/>
+          </a:bodyPr>
+          <a:lstStyle>
+            <a:lvl1pPr marL="0" indent="0" algn="ctr" defTabSz="457200" rtl="0" eaLnBrk="1" latinLnBrk="0" hangingPunct="1">
+              <a:spcBef>
+                <a:spcPct val="20000"/>
+              </a:spcBef>
+              <a:spcAft>
+                <a:spcPts val="600"/>
+              </a:spcAft>
+              <a:buClr>
+                <a:schemeClr val="accent1">
+                  <a:lumMod val="75000"/>
+                </a:schemeClr>
+              </a:buClr>
+              <a:buSzPct val="145000"/>
+              <a:buFont typeface="Arial"/>
+              <a:buNone/>
+              <a:defRPr sz="2000" kern="1200" cap="none">
+                <a:solidFill>
+                  <a:schemeClr val="tx1"/>
+                </a:solidFill>
+                <a:effectLst/>
+                <a:latin typeface="+mn-lt"/>
+                <a:ea typeface="+mn-ea"/>
+                <a:cs typeface="+mn-cs"/>
+              </a:defRPr>
+            </a:lvl1pPr>
+            <a:lvl2pPr marL="457200" indent="0" algn="l" defTabSz="457200" rtl="0" eaLnBrk="1" latinLnBrk="0" hangingPunct="1">
+              <a:spcBef>
+                <a:spcPct val="20000"/>
+              </a:spcBef>
+              <a:spcAft>
+                <a:spcPts val="600"/>
+              </a:spcAft>
+              <a:buClr>
+                <a:schemeClr val="accent1">
+                  <a:lumMod val="75000"/>
+                </a:schemeClr>
+              </a:buClr>
+              <a:buSzPct val="145000"/>
+              <a:buFont typeface="Arial"/>
+              <a:buNone/>
+              <a:defRPr sz="1800" kern="1200" cap="none">
+                <a:solidFill>
+                  <a:schemeClr val="tx1">
+                    <a:tint val="75000"/>
+                  </a:schemeClr>
+                </a:solidFill>
+                <a:effectLst/>
+                <a:latin typeface="+mn-lt"/>
+                <a:ea typeface="+mn-ea"/>
+                <a:cs typeface="+mn-cs"/>
+              </a:defRPr>
+            </a:lvl2pPr>
+            <a:lvl3pPr marL="914400" indent="0" algn="l" defTabSz="457200" rtl="0" eaLnBrk="1" latinLnBrk="0" hangingPunct="1">
+              <a:spcBef>
+                <a:spcPct val="20000"/>
+              </a:spcBef>
+              <a:spcAft>
+                <a:spcPts val="600"/>
+              </a:spcAft>
+              <a:buClr>
+                <a:schemeClr val="accent1">
+                  <a:lumMod val="75000"/>
+                </a:schemeClr>
+              </a:buClr>
+              <a:buSzPct val="145000"/>
+              <a:buFont typeface="Arial"/>
+              <a:buNone/>
+              <a:defRPr sz="1600" kern="1200" cap="none">
+                <a:solidFill>
+                  <a:schemeClr val="tx1">
+                    <a:tint val="75000"/>
+                  </a:schemeClr>
+                </a:solidFill>
+                <a:effectLst/>
+                <a:latin typeface="+mn-lt"/>
+                <a:ea typeface="+mn-ea"/>
+                <a:cs typeface="+mn-cs"/>
+              </a:defRPr>
+            </a:lvl3pPr>
+            <a:lvl4pPr marL="1371600" indent="0" algn="l" defTabSz="457200" rtl="0" eaLnBrk="1" latinLnBrk="0" hangingPunct="1">
+              <a:spcBef>
+                <a:spcPct val="20000"/>
+              </a:spcBef>
+              <a:spcAft>
+                <a:spcPts val="600"/>
+              </a:spcAft>
+              <a:buClr>
+                <a:schemeClr val="accent1">
+                  <a:lumMod val="75000"/>
+                </a:schemeClr>
+              </a:buClr>
+              <a:buSzPct val="145000"/>
+              <a:buFont typeface="Arial"/>
+              <a:buNone/>
+              <a:defRPr sz="1400" kern="1200" cap="none">
+                <a:solidFill>
+                  <a:schemeClr val="tx1">
+                    <a:tint val="75000"/>
+                  </a:schemeClr>
+                </a:solidFill>
+                <a:effectLst/>
+                <a:latin typeface="+mn-lt"/>
+                <a:ea typeface="+mn-ea"/>
+                <a:cs typeface="+mn-cs"/>
+              </a:defRPr>
+            </a:lvl4pPr>
+            <a:lvl5pPr marL="1828800" indent="0" algn="l" defTabSz="457200" rtl="0" eaLnBrk="1" latinLnBrk="0" hangingPunct="1">
+              <a:spcBef>
+                <a:spcPct val="20000"/>
+              </a:spcBef>
+              <a:spcAft>
+                <a:spcPts val="600"/>
+              </a:spcAft>
+              <a:buClr>
+                <a:schemeClr val="accent1">
+                  <a:lumMod val="75000"/>
+                </a:schemeClr>
+              </a:buClr>
+              <a:buSzPct val="145000"/>
+              <a:buFont typeface="Arial"/>
+              <a:buNone/>
+              <a:defRPr sz="1400" kern="1200" cap="none">
+                <a:solidFill>
+                  <a:schemeClr val="tx1">
+                    <a:tint val="75000"/>
+                  </a:schemeClr>
+                </a:solidFill>
+                <a:effectLst/>
+                <a:latin typeface="+mn-lt"/>
+                <a:ea typeface="+mn-ea"/>
+                <a:cs typeface="+mn-cs"/>
+              </a:defRPr>
+            </a:lvl5pPr>
+            <a:lvl6pPr marL="2286000" indent="0" algn="l" defTabSz="457200" rtl="0" eaLnBrk="1" latinLnBrk="0" hangingPunct="1">
+              <a:spcBef>
+                <a:spcPct val="20000"/>
+              </a:spcBef>
+              <a:spcAft>
+                <a:spcPts val="600"/>
+              </a:spcAft>
+              <a:buClr>
+                <a:schemeClr val="accent1">
+                  <a:lumMod val="75000"/>
+                </a:schemeClr>
+              </a:buClr>
+              <a:buSzPct val="145000"/>
+              <a:buFont typeface="Arial"/>
+              <a:buNone/>
+              <a:defRPr sz="1400" kern="1200" cap="none">
+                <a:solidFill>
+                  <a:schemeClr val="tx1">
+                    <a:tint val="75000"/>
+                  </a:schemeClr>
+                </a:solidFill>
+                <a:effectLst/>
+                <a:latin typeface="+mn-lt"/>
+                <a:ea typeface="+mn-ea"/>
+                <a:cs typeface="+mn-cs"/>
+              </a:defRPr>
+            </a:lvl6pPr>
+            <a:lvl7pPr marL="2743200" indent="0" algn="l" defTabSz="457200" rtl="0" eaLnBrk="1" latinLnBrk="0" hangingPunct="1">
+              <a:spcBef>
+                <a:spcPct val="20000"/>
+              </a:spcBef>
+              <a:spcAft>
+                <a:spcPts val="600"/>
+              </a:spcAft>
+              <a:buClr>
+                <a:schemeClr val="accent1">
+                  <a:lumMod val="75000"/>
+                </a:schemeClr>
+              </a:buClr>
+              <a:buSzPct val="145000"/>
+              <a:buFont typeface="Arial"/>
+              <a:buNone/>
+              <a:defRPr sz="1400" kern="1200" cap="none">
+                <a:solidFill>
+                  <a:schemeClr val="tx1">
+                    <a:tint val="75000"/>
+                  </a:schemeClr>
+                </a:solidFill>
+                <a:effectLst/>
+                <a:latin typeface="+mn-lt"/>
+                <a:ea typeface="+mn-ea"/>
+                <a:cs typeface="+mn-cs"/>
+              </a:defRPr>
+            </a:lvl7pPr>
+            <a:lvl8pPr marL="3200400" indent="0" algn="l" defTabSz="457200" rtl="0" eaLnBrk="1" latinLnBrk="0" hangingPunct="1">
+              <a:spcBef>
+                <a:spcPct val="20000"/>
+              </a:spcBef>
+              <a:spcAft>
+                <a:spcPts val="600"/>
+              </a:spcAft>
+              <a:buClr>
+                <a:schemeClr val="accent1">
+                  <a:lumMod val="75000"/>
+                </a:schemeClr>
+              </a:buClr>
+              <a:buSzPct val="145000"/>
+              <a:buFont typeface="Arial"/>
+              <a:buNone/>
+              <a:defRPr sz="1400" kern="1200" cap="none">
+                <a:solidFill>
+                  <a:schemeClr val="tx1">
+                    <a:tint val="75000"/>
+                  </a:schemeClr>
+                </a:solidFill>
+                <a:effectLst/>
+                <a:latin typeface="+mn-lt"/>
+                <a:ea typeface="+mn-ea"/>
+                <a:cs typeface="+mn-cs"/>
+              </a:defRPr>
+            </a:lvl8pPr>
+            <a:lvl9pPr marL="3657600" indent="0" algn="l" defTabSz="457200" rtl="0" eaLnBrk="1" latinLnBrk="0" hangingPunct="1">
+              <a:spcBef>
+                <a:spcPct val="20000"/>
+              </a:spcBef>
+              <a:spcAft>
+                <a:spcPts val="600"/>
+              </a:spcAft>
+              <a:buClr>
+                <a:schemeClr val="accent1">
+                  <a:lumMod val="75000"/>
+                </a:schemeClr>
+              </a:buClr>
+              <a:buSzPct val="145000"/>
+              <a:buFont typeface="Arial"/>
+              <a:buNone/>
+              <a:defRPr sz="1400" kern="1200" cap="none">
+                <a:solidFill>
+                  <a:schemeClr val="tx1">
+                    <a:tint val="75000"/>
+                  </a:schemeClr>
+                </a:solidFill>
+                <a:effectLst/>
+                <a:latin typeface="+mn-lt"/>
+                <a:ea typeface="+mn-ea"/>
+                <a:cs typeface="+mn-cs"/>
+              </a:defRPr>
+            </a:lvl9pPr>
+          </a:lstStyle>
+          <a:p>
+            <a:pPr algn="l">
+              <a:buClr>
+                <a:schemeClr val="tx1"/>
+              </a:buClr>
+            </a:pPr>
+            <a:r>
+              <a:rPr lang="en-IN" sz="2400" dirty="0"/>
+              <a:t>LIBRARY  USED :</a:t>
+            </a:r>
+          </a:p>
+          <a:p>
+            <a:pPr marL="1257300" lvl="2" indent="-342900">
+              <a:buClr>
+                <a:schemeClr val="tx1"/>
+              </a:buClr>
+              <a:buFont typeface="Arial" panose="020B0604020202020204" pitchFamily="34" charset="0"/>
+              <a:buChar char="•"/>
+            </a:pPr>
+            <a:r>
+              <a:rPr lang="en-IN" dirty="0" err="1"/>
+              <a:t>Analyzing</a:t>
+            </a:r>
+            <a:r>
+              <a:rPr lang="en-IN" dirty="0"/>
+              <a:t>: </a:t>
+            </a:r>
+            <a:r>
+              <a:rPr lang="en-IN" dirty="0" err="1"/>
+              <a:t>Numpy</a:t>
+            </a:r>
+            <a:r>
+              <a:rPr lang="en-IN" dirty="0"/>
+              <a:t>, Pandas, Sci-kit Learn</a:t>
+            </a:r>
+          </a:p>
+          <a:p>
+            <a:pPr marL="1257300" lvl="2" indent="-342900">
+              <a:buClr>
+                <a:schemeClr val="tx1"/>
+              </a:buClr>
+              <a:buFont typeface="Arial" panose="020B0604020202020204" pitchFamily="34" charset="0"/>
+              <a:buChar char="•"/>
+            </a:pPr>
+            <a:r>
+              <a:rPr lang="en-IN" dirty="0"/>
+              <a:t>Visualization: Matplotlib, Seaborn</a:t>
+            </a:r>
+          </a:p>
+          <a:p>
+            <a:pPr marL="1257300" lvl="2" indent="-342900">
+              <a:buClr>
+                <a:schemeClr val="tx1"/>
+              </a:buClr>
+              <a:buFont typeface="Arial" panose="020B0604020202020204" pitchFamily="34" charset="0"/>
+              <a:buChar char="•"/>
+            </a:pPr>
+            <a:r>
+              <a:rPr lang="en-IN" dirty="0"/>
+              <a:t>Prediction models: </a:t>
+            </a:r>
+            <a:r>
+              <a:rPr lang="en-IN" dirty="0" err="1"/>
+              <a:t>Decesion</a:t>
+            </a:r>
+            <a:r>
+              <a:rPr lang="en-IN" dirty="0"/>
+              <a:t> Tree, Random Forest Classifier, </a:t>
+            </a:r>
+            <a:r>
+              <a:rPr lang="en-IN" dirty="0" err="1"/>
+              <a:t>GaussianNB</a:t>
+            </a:r>
+            <a:r>
+              <a:rPr lang="en-IN" dirty="0"/>
+              <a:t>,</a:t>
+            </a:r>
+          </a:p>
+          <a:p>
+            <a:pPr lvl="2">
+              <a:buClr>
+                <a:schemeClr val="tx1"/>
+              </a:buClr>
+            </a:pPr>
+            <a:r>
+              <a:rPr lang="en-IN" dirty="0"/>
+              <a:t>					 </a:t>
+            </a:r>
+            <a:r>
+              <a:rPr lang="en-IN" dirty="0" err="1"/>
+              <a:t>Kneighbors</a:t>
+            </a:r>
+            <a:r>
+              <a:rPr lang="en-IN" dirty="0"/>
+              <a:t> Classifier, Logistic Regression,  SVM</a:t>
+            </a:r>
+            <a:endParaRPr lang="en-IN" b="1" dirty="0"/>
+          </a:p>
+        </p:txBody>
+      </p:sp>
     </p:spTree>
     <p:extLst>
       <p:ext uri="{BB962C8B-B14F-4D97-AF65-F5344CB8AC3E}">
-        <p14:creationId xmlns:p14="http://schemas.microsoft.com/office/powerpoint/2010/main" val="237419994"/>
+        <p14:creationId xmlns:p14="http://schemas.microsoft.com/office/powerpoint/2010/main" val="2797923875"/>
       </p:ext>
     </p:extLst>
   </p:cSld>
@@ -11578,7 +13361,7 @@
           <p:cNvPr id="2" name="Title 1">
             <a:extLst>
               <a:ext uri="{FF2B5EF4-FFF2-40B4-BE49-F238E27FC236}">
-                <a16:creationId xmlns:a16="http://schemas.microsoft.com/office/drawing/2014/main" id="{1D1C873C-48D5-4475-BF62-474CE434F2E4}"/>
+                <a16:creationId xmlns:a16="http://schemas.microsoft.com/office/drawing/2014/main" id="{03E3DB15-A188-4B9F-8910-486447078BD1}"/>
               </a:ext>
             </a:extLst>
           </p:cNvPr>
@@ -11591,8 +13374,8 @@
         </p:nvSpPr>
         <p:spPr>
           <a:xfrm>
-            <a:off x="1616439" y="-677124"/>
-            <a:ext cx="10018711" cy="3048000"/>
+            <a:off x="1653124" y="151227"/>
+            <a:ext cx="10018711" cy="1565031"/>
           </a:xfrm>
         </p:spPr>
         <p:txBody>
@@ -11604,17 +13387,17 @@
             <a:pPr algn="l"/>
             <a:r>
               <a:rPr lang="en-IN" sz="4000" dirty="0"/>
-              <a:t>DATA   VISUALIZATION</a:t>
-            </a:r>
-          </a:p>
-        </p:txBody>
-      </p:sp>
-      <p:sp>
-        <p:nvSpPr>
-          <p:cNvPr id="6" name="Text Placeholder 5">
+              <a:t>TECHNOLOGIES REQUIRED</a:t>
+            </a:r>
+          </a:p>
+        </p:txBody>
+      </p:sp>
+      <p:sp>
+        <p:nvSpPr>
+          <p:cNvPr id="3" name="Text Placeholder 2">
             <a:extLst>
               <a:ext uri="{FF2B5EF4-FFF2-40B4-BE49-F238E27FC236}">
-                <a16:creationId xmlns:a16="http://schemas.microsoft.com/office/drawing/2014/main" id="{C67787DD-8D7A-4908-BC9D-1662A06AE8E9}"/>
+                <a16:creationId xmlns:a16="http://schemas.microsoft.com/office/drawing/2014/main" id="{D51727EC-2925-47D0-A90F-B699DFC525E5}"/>
               </a:ext>
             </a:extLst>
           </p:cNvPr>
@@ -11627,9 +13410,12 @@
         </p:nvSpPr>
         <p:spPr>
           <a:xfrm>
-            <a:off x="1139109" y="1455043"/>
-            <a:ext cx="9913781" cy="538188"/>
-          </a:xfrm>
+            <a:off x="1653125" y="1716258"/>
+            <a:ext cx="9544528" cy="4537786"/>
+          </a:xfrm>
+          <a:ln>
+            <a:noFill/>
+          </a:ln>
         </p:spPr>
         <p:txBody>
           <a:bodyPr anchor="t">
@@ -11637,32 +13423,43 @@
           </a:bodyPr>
           <a:lstStyle/>
           <a:p>
-            <a:pPr lvl="1">
-              <a:buClr>
-                <a:schemeClr val="tx1"/>
-              </a:buClr>
+            <a:pPr algn="just"/>
+            <a:r>
+              <a:rPr lang="en-US" sz="1600" dirty="0">
+                <a:latin typeface="Times New Roman" panose="02020603050405020304" pitchFamily="18" charset="0"/>
+                <a:cs typeface="Times New Roman" panose="02020603050405020304" pitchFamily="18" charset="0"/>
+              </a:rPr>
+              <a:t>PYTHON :- Python is a general purpose and high level programming language. We can use Python for developing desktop GUI applications, websites and web applications. Also, Python, as a HLL, allows you to focus on core functionality of the application by taking care of common programming tasks. The simple syntax rules of the programming language further makes it easier for us to keep the code base readable and application maintainable. The syntax rules of Python allow you to express concepts without writing additional code.</a:t>
+            </a:r>
+          </a:p>
+          <a:p>
+            <a:pPr algn="just">
+              <a:buFont typeface="Wingdings" panose="05000000000000000000" pitchFamily="2" charset="2"/>
+              <a:buChar char="v"/>
             </a:pPr>
-            <a:r>
-              <a:rPr lang="en-IN" sz="2400" dirty="0"/>
-              <a:t>Comparing  Embarked with Survived</a:t>
-            </a:r>
-          </a:p>
-          <a:p>
-            <a:pPr lvl="1">
-              <a:buClr>
-                <a:schemeClr val="tx1"/>
-              </a:buClr>
-            </a:pPr>
-            <a:endParaRPr lang="en-IN" sz="2400" dirty="0"/>
-          </a:p>
-        </p:txBody>
-      </p:sp>
-      <p:sp>
-        <p:nvSpPr>
-          <p:cNvPr id="3" name="Rectangle 2">
+            <a:endParaRPr lang="en-US" sz="1600" dirty="0">
+              <a:latin typeface="Times New Roman" panose="02020603050405020304" pitchFamily="18" charset="0"/>
+              <a:cs typeface="Times New Roman" panose="02020603050405020304" pitchFamily="18" charset="0"/>
+            </a:endParaRPr>
+          </a:p>
+          <a:p>
+            <a:pPr algn="just"/>
+            <a:r>
+              <a:rPr lang="en-US" sz="1600" dirty="0">
+                <a:latin typeface="Times New Roman" panose="02020603050405020304" pitchFamily="18" charset="0"/>
+                <a:cs typeface="Times New Roman" panose="02020603050405020304" pitchFamily="18" charset="0"/>
+              </a:rPr>
+              <a:t>MACHINE LEARNING :- Machine learning is an application of artificial intelligence (AI) that provides systems the ability to automatically learn and improve from experience without being explicitly programmed. Machine learning focuses on the development of computer programs that can access data and use it learn for themselves. The process of learning begins with observations or data, such as examples, direct experience, or instruction, in order to look for patterns in data and make better decisions in the future based on the examples that we provide. The primary aim is to allow the computers learn automatically without human intervention or assistance and adjust actions accordingly.</a:t>
+            </a:r>
+          </a:p>
+        </p:txBody>
+      </p:sp>
+      <p:sp>
+        <p:nvSpPr>
+          <p:cNvPr id="5" name="Rectangle 4">
             <a:extLst>
               <a:ext uri="{FF2B5EF4-FFF2-40B4-BE49-F238E27FC236}">
-                <a16:creationId xmlns:a16="http://schemas.microsoft.com/office/drawing/2014/main" id="{74F054A0-4674-48EC-8F86-E8FFDE6C155D}"/>
+                <a16:creationId xmlns:a16="http://schemas.microsoft.com/office/drawing/2014/main" id="{D6CD02F0-DC17-430A-B9D7-5F6B9DF2F449}"/>
               </a:ext>
             </a:extLst>
           </p:cNvPr>
@@ -11671,8 +13468,8 @@
         </p:nvSpPr>
         <p:spPr>
           <a:xfrm>
-            <a:off x="1649203" y="1289154"/>
-            <a:ext cx="9743322" cy="59961"/>
+            <a:off x="1653124" y="1229193"/>
+            <a:ext cx="9544528" cy="59961"/>
           </a:xfrm>
           <a:prstGeom prst="rect">
             <a:avLst/>
@@ -11701,162 +13498,10 @@
           </a:p>
         </p:txBody>
       </p:sp>
-      <p:sp>
-        <p:nvSpPr>
-          <p:cNvPr id="12" name="Rectangle 11">
-            <a:extLst>
-              <a:ext uri="{FF2B5EF4-FFF2-40B4-BE49-F238E27FC236}">
-                <a16:creationId xmlns:a16="http://schemas.microsoft.com/office/drawing/2014/main" id="{98EDB369-4D64-4115-94A5-7BDD2079B491}"/>
-              </a:ext>
-            </a:extLst>
-          </p:cNvPr>
-          <p:cNvSpPr/>
-          <p:nvPr/>
-        </p:nvSpPr>
-        <p:spPr>
-          <a:xfrm>
-            <a:off x="5696262" y="2802200"/>
-            <a:ext cx="74951" cy="3478679"/>
-          </a:xfrm>
-          <a:prstGeom prst="rect">
-            <a:avLst/>
-          </a:prstGeom>
-        </p:spPr>
-        <p:style>
-          <a:lnRef idx="0">
-            <a:schemeClr val="accent3"/>
-          </a:lnRef>
-          <a:fillRef idx="3">
-            <a:schemeClr val="accent3"/>
-          </a:fillRef>
-          <a:effectRef idx="3">
-            <a:schemeClr val="accent3"/>
-          </a:effectRef>
-          <a:fontRef idx="minor">
-            <a:schemeClr val="lt1"/>
-          </a:fontRef>
-        </p:style>
-        <p:txBody>
-          <a:bodyPr rtlCol="0" anchor="ctr"/>
-          <a:lstStyle/>
-          <a:p>
-            <a:pPr algn="ctr"/>
-            <a:endParaRPr lang="en-IN"/>
-          </a:p>
-        </p:txBody>
-      </p:sp>
-      <p:pic>
-        <p:nvPicPr>
-          <p:cNvPr id="5" name="Picture 4">
-            <a:extLst>
-              <a:ext uri="{FF2B5EF4-FFF2-40B4-BE49-F238E27FC236}">
-                <a16:creationId xmlns:a16="http://schemas.microsoft.com/office/drawing/2014/main" id="{3017FF28-823E-47E1-958B-9D21EB221FB7}"/>
-              </a:ext>
-            </a:extLst>
-          </p:cNvPr>
-          <p:cNvPicPr>
-            <a:picLocks noChangeAspect="1"/>
-          </p:cNvPicPr>
-          <p:nvPr/>
-        </p:nvPicPr>
-        <p:blipFill>
-          <a:blip r:embed="rId2">
-            <a:extLst>
-              <a:ext uri="{28A0092B-C50C-407E-A947-70E740481C1C}">
-                <a14:useLocalDpi xmlns:a14="http://schemas.microsoft.com/office/drawing/2010/main" val="0"/>
-              </a:ext>
-            </a:extLst>
-          </a:blip>
-          <a:stretch>
-            <a:fillRect/>
-          </a:stretch>
-        </p:blipFill>
-        <p:spPr>
-          <a:xfrm>
-            <a:off x="1649202" y="2002510"/>
-            <a:ext cx="8146541" cy="368366"/>
-          </a:xfrm>
-          <a:prstGeom prst="rect">
-            <a:avLst/>
-          </a:prstGeom>
-        </p:spPr>
-      </p:pic>
-      <p:pic>
-        <p:nvPicPr>
-          <p:cNvPr id="10" name="Picture 9">
-            <a:extLst>
-              <a:ext uri="{FF2B5EF4-FFF2-40B4-BE49-F238E27FC236}">
-                <a16:creationId xmlns:a16="http://schemas.microsoft.com/office/drawing/2014/main" id="{BCD3FF3E-417A-4732-83C5-ADCFA49B9815}"/>
-              </a:ext>
-            </a:extLst>
-          </p:cNvPr>
-          <p:cNvPicPr>
-            <a:picLocks noChangeAspect="1"/>
-          </p:cNvPicPr>
-          <p:nvPr/>
-        </p:nvPicPr>
-        <p:blipFill>
-          <a:blip r:embed="rId3">
-            <a:extLst>
-              <a:ext uri="{28A0092B-C50C-407E-A947-70E740481C1C}">
-                <a14:useLocalDpi xmlns:a14="http://schemas.microsoft.com/office/drawing/2010/main" val="0"/>
-              </a:ext>
-            </a:extLst>
-          </a:blip>
-          <a:stretch>
-            <a:fillRect/>
-          </a:stretch>
-        </p:blipFill>
-        <p:spPr>
-          <a:xfrm>
-            <a:off x="1649202" y="2802200"/>
-            <a:ext cx="3191810" cy="2114574"/>
-          </a:xfrm>
-          <a:prstGeom prst="rect">
-            <a:avLst/>
-          </a:prstGeom>
-        </p:spPr>
-      </p:pic>
-      <p:pic>
-        <p:nvPicPr>
-          <p:cNvPr id="14" name="Picture 13">
-            <a:extLst>
-              <a:ext uri="{FF2B5EF4-FFF2-40B4-BE49-F238E27FC236}">
-                <a16:creationId xmlns:a16="http://schemas.microsoft.com/office/drawing/2014/main" id="{1C931B53-B782-4737-86B9-B878EBA07B94}"/>
-              </a:ext>
-            </a:extLst>
-          </p:cNvPr>
-          <p:cNvPicPr>
-            <a:picLocks noChangeAspect="1"/>
-          </p:cNvPicPr>
-          <p:nvPr/>
-        </p:nvPicPr>
-        <p:blipFill>
-          <a:blip r:embed="rId4">
-            <a:extLst>
-              <a:ext uri="{28A0092B-C50C-407E-A947-70E740481C1C}">
-                <a14:useLocalDpi xmlns:a14="http://schemas.microsoft.com/office/drawing/2010/main" val="0"/>
-              </a:ext>
-            </a:extLst>
-          </a:blip>
-          <a:stretch>
-            <a:fillRect/>
-          </a:stretch>
-        </p:blipFill>
-        <p:spPr>
-          <a:xfrm>
-            <a:off x="6517093" y="2802199"/>
-            <a:ext cx="5118057" cy="3478679"/>
-          </a:xfrm>
-          <a:prstGeom prst="rect">
-            <a:avLst/>
-          </a:prstGeom>
-        </p:spPr>
-      </p:pic>
     </p:spTree>
     <p:extLst>
       <p:ext uri="{BB962C8B-B14F-4D97-AF65-F5344CB8AC3E}">
-        <p14:creationId xmlns:p14="http://schemas.microsoft.com/office/powerpoint/2010/main" val="3599123523"/>
+        <p14:creationId xmlns:p14="http://schemas.microsoft.com/office/powerpoint/2010/main" val="2856865483"/>
       </p:ext>
     </p:extLst>
   </p:cSld>

--- a/TITANIC SURVIVOR PREDICTION.pptx
+++ b/TITANIC SURVIVOR PREDICTION.pptx
@@ -655,7 +655,7 @@
             <a:fld id="{B61BEF0D-F0BB-DE4B-95CE-6DB70DBA9567}" type="datetimeFigureOut">
               <a:rPr lang="en-US" smtClean="0"/>
               <a:pPr/>
-              <a:t>1/12/2021</a:t>
+              <a:t>2/7/2021</a:t>
             </a:fld>
             <a:endParaRPr lang="en-US" dirty="0"/>
           </a:p>
@@ -952,7 +952,7 @@
             <a:fld id="{B61BEF0D-F0BB-DE4B-95CE-6DB70DBA9567}" type="datetimeFigureOut">
               <a:rPr lang="en-US" smtClean="0"/>
               <a:pPr/>
-              <a:t>1/12/2021</a:t>
+              <a:t>2/7/2021</a:t>
             </a:fld>
             <a:endParaRPr lang="en-US" dirty="0"/>
           </a:p>
@@ -1201,7 +1201,7 @@
             <a:fld id="{B61BEF0D-F0BB-DE4B-95CE-6DB70DBA9567}" type="datetimeFigureOut">
               <a:rPr lang="en-US" smtClean="0"/>
               <a:pPr/>
-              <a:t>1/12/2021</a:t>
+              <a:t>2/7/2021</a:t>
             </a:fld>
             <a:endParaRPr lang="en-US" dirty="0"/>
           </a:p>
@@ -1742,7 +1742,7 @@
             <a:fld id="{B61BEF0D-F0BB-DE4B-95CE-6DB70DBA9567}" type="datetimeFigureOut">
               <a:rPr lang="en-US" smtClean="0"/>
               <a:pPr/>
-              <a:t>1/12/2021</a:t>
+              <a:t>2/7/2021</a:t>
             </a:fld>
             <a:endParaRPr lang="en-US" dirty="0"/>
           </a:p>
@@ -1991,7 +1991,7 @@
             <a:fld id="{B61BEF0D-F0BB-DE4B-95CE-6DB70DBA9567}" type="datetimeFigureOut">
               <a:rPr lang="en-US" smtClean="0"/>
               <a:pPr/>
-              <a:t>1/12/2021</a:t>
+              <a:t>2/7/2021</a:t>
             </a:fld>
             <a:endParaRPr lang="en-US" dirty="0"/>
           </a:p>
@@ -2524,7 +2524,7 @@
             <a:fld id="{B61BEF0D-F0BB-DE4B-95CE-6DB70DBA9567}" type="datetimeFigureOut">
               <a:rPr lang="en-US" smtClean="0"/>
               <a:pPr/>
-              <a:t>1/12/2021</a:t>
+              <a:t>2/7/2021</a:t>
             </a:fld>
             <a:endParaRPr lang="en-US" dirty="0"/>
           </a:p>
@@ -2822,7 +2822,7 @@
             <a:fld id="{B61BEF0D-F0BB-DE4B-95CE-6DB70DBA9567}" type="datetimeFigureOut">
               <a:rPr lang="en-US" smtClean="0"/>
               <a:pPr/>
-              <a:t>1/12/2021</a:t>
+              <a:t>2/7/2021</a:t>
             </a:fld>
             <a:endParaRPr lang="en-US" dirty="0"/>
           </a:p>
@@ -2997,7 +2997,7 @@
             <a:fld id="{B61BEF0D-F0BB-DE4B-95CE-6DB70DBA9567}" type="datetimeFigureOut">
               <a:rPr lang="en-US" smtClean="0"/>
               <a:pPr/>
-              <a:t>1/12/2021</a:t>
+              <a:t>2/7/2021</a:t>
             </a:fld>
             <a:endParaRPr lang="en-US" dirty="0"/>
           </a:p>
@@ -3178,7 +3178,7 @@
             <a:fld id="{B61BEF0D-F0BB-DE4B-95CE-6DB70DBA9567}" type="datetimeFigureOut">
               <a:rPr lang="en-US" smtClean="0"/>
               <a:pPr/>
-              <a:t>1/12/2021</a:t>
+              <a:t>2/7/2021</a:t>
             </a:fld>
             <a:endParaRPr lang="en-US" dirty="0"/>
           </a:p>
@@ -3349,7 +3349,7 @@
             <a:fld id="{B61BEF0D-F0BB-DE4B-95CE-6DB70DBA9567}" type="datetimeFigureOut">
               <a:rPr lang="en-US" smtClean="0"/>
               <a:pPr/>
-              <a:t>1/12/2021</a:t>
+              <a:t>2/7/2021</a:t>
             </a:fld>
             <a:endParaRPr lang="en-US" dirty="0"/>
           </a:p>
@@ -3601,7 +3601,7 @@
             <a:fld id="{B61BEF0D-F0BB-DE4B-95CE-6DB70DBA9567}" type="datetimeFigureOut">
               <a:rPr lang="en-US" smtClean="0"/>
               <a:pPr/>
-              <a:t>1/12/2021</a:t>
+              <a:t>2/7/2021</a:t>
             </a:fld>
             <a:endParaRPr lang="en-US" dirty="0"/>
           </a:p>
@@ -3899,7 +3899,7 @@
             <a:fld id="{B61BEF0D-F0BB-DE4B-95CE-6DB70DBA9567}" type="datetimeFigureOut">
               <a:rPr lang="en-US" smtClean="0"/>
               <a:pPr/>
-              <a:t>1/12/2021</a:t>
+              <a:t>2/7/2021</a:t>
             </a:fld>
             <a:endParaRPr lang="en-US" dirty="0"/>
           </a:p>
@@ -4342,7 +4342,7 @@
             <a:fld id="{B61BEF0D-F0BB-DE4B-95CE-6DB70DBA9567}" type="datetimeFigureOut">
               <a:rPr lang="en-US" smtClean="0"/>
               <a:pPr/>
-              <a:t>1/12/2021</a:t>
+              <a:t>2/7/2021</a:t>
             </a:fld>
             <a:endParaRPr lang="en-US" dirty="0"/>
           </a:p>
@@ -4461,7 +4461,7 @@
             <a:fld id="{B61BEF0D-F0BB-DE4B-95CE-6DB70DBA9567}" type="datetimeFigureOut">
               <a:rPr lang="en-US" smtClean="0"/>
               <a:pPr/>
-              <a:t>1/12/2021</a:t>
+              <a:t>2/7/2021</a:t>
             </a:fld>
             <a:endParaRPr lang="en-US" dirty="0"/>
           </a:p>
@@ -4557,7 +4557,7 @@
             <a:fld id="{B61BEF0D-F0BB-DE4B-95CE-6DB70DBA9567}" type="datetimeFigureOut">
               <a:rPr lang="en-US" smtClean="0"/>
               <a:pPr/>
-              <a:t>1/12/2021</a:t>
+              <a:t>2/7/2021</a:t>
             </a:fld>
             <a:endParaRPr lang="en-US" dirty="0"/>
           </a:p>
@@ -4841,7 +4841,7 @@
             <a:fld id="{B61BEF0D-F0BB-DE4B-95CE-6DB70DBA9567}" type="datetimeFigureOut">
               <a:rPr lang="en-US" smtClean="0"/>
               <a:pPr/>
-              <a:t>1/12/2021</a:t>
+              <a:t>2/7/2021</a:t>
             </a:fld>
             <a:endParaRPr lang="en-US" dirty="0"/>
           </a:p>
@@ -5132,7 +5132,7 @@
           <a:p>
             <a:fld id="{8E67DEBC-032C-4F54-9D99-0B1037E4F17A}" type="datetimeFigureOut">
               <a:rPr lang="en-IN" smtClean="0"/>
-              <a:t>12-01-2021</a:t>
+              <a:t>07-02-2021</a:t>
             </a:fld>
             <a:endParaRPr lang="en-IN"/>
           </a:p>
@@ -5686,7 +5686,7 @@
             <a:fld id="{B61BEF0D-F0BB-DE4B-95CE-6DB70DBA9567}" type="datetimeFigureOut">
               <a:rPr lang="en-US" smtClean="0"/>
               <a:pPr/>
-              <a:t>1/12/2021</a:t>
+              <a:t>2/7/2021</a:t>
             </a:fld>
             <a:endParaRPr lang="en-US" dirty="0"/>
           </a:p>
@@ -7288,7 +7288,7 @@
             </a:pPr>
             <a:r>
               <a:rPr lang="en-IN" sz="2400" dirty="0"/>
-              <a:t>Comparing  Sex with Survived</a:t>
+              <a:t>Comparing  Gender with Survived</a:t>
             </a:r>
           </a:p>
           <a:p>
@@ -7391,10 +7391,10 @@
       </p:sp>
       <p:pic>
         <p:nvPicPr>
-          <p:cNvPr id="5" name="Picture 4">
+          <p:cNvPr id="7" name="Picture 6">
             <a:extLst>
               <a:ext uri="{FF2B5EF4-FFF2-40B4-BE49-F238E27FC236}">
-                <a16:creationId xmlns:a16="http://schemas.microsoft.com/office/drawing/2014/main" id="{BFF3CB95-8832-4F04-A875-9E2088E565B5}"/>
+                <a16:creationId xmlns:a16="http://schemas.microsoft.com/office/drawing/2014/main" id="{3F147964-1661-4705-B10A-6BC82D7ECC85}"/>
               </a:ext>
             </a:extLst>
           </p:cNvPr>
@@ -7417,8 +7417,8 @@
         </p:blipFill>
         <p:spPr>
           <a:xfrm>
-            <a:off x="1623933" y="1919282"/>
-            <a:ext cx="6681436" cy="334741"/>
+            <a:off x="1649204" y="2741923"/>
+            <a:ext cx="2851476" cy="1595231"/>
           </a:xfrm>
           <a:prstGeom prst="rect">
             <a:avLst/>
@@ -7427,10 +7427,10 @@
       </p:pic>
       <p:pic>
         <p:nvPicPr>
-          <p:cNvPr id="10" name="Picture 9">
+          <p:cNvPr id="9" name="Picture 8">
             <a:extLst>
               <a:ext uri="{FF2B5EF4-FFF2-40B4-BE49-F238E27FC236}">
-                <a16:creationId xmlns:a16="http://schemas.microsoft.com/office/drawing/2014/main" id="{6FBE43B7-FEAC-4D06-A258-A72F0186C71F}"/>
+                <a16:creationId xmlns:a16="http://schemas.microsoft.com/office/drawing/2014/main" id="{A60FCF84-2602-4FAE-AD99-9A90F5EE7010}"/>
               </a:ext>
             </a:extLst>
           </p:cNvPr>
@@ -7453,8 +7453,8 @@
         </p:blipFill>
         <p:spPr>
           <a:xfrm>
-            <a:off x="1649203" y="3120385"/>
-            <a:ext cx="2596754" cy="1576601"/>
+            <a:off x="1616439" y="2001699"/>
+            <a:ext cx="7847721" cy="373702"/>
           </a:xfrm>
           <a:prstGeom prst="rect">
             <a:avLst/>
@@ -7463,10 +7463,10 @@
       </p:pic>
       <p:pic>
         <p:nvPicPr>
-          <p:cNvPr id="14" name="Picture 13">
+          <p:cNvPr id="13" name="Picture 12">
             <a:extLst>
               <a:ext uri="{FF2B5EF4-FFF2-40B4-BE49-F238E27FC236}">
-                <a16:creationId xmlns:a16="http://schemas.microsoft.com/office/drawing/2014/main" id="{0C5CCA10-1BB3-4FBD-A463-05BD46D37285}"/>
+                <a16:creationId xmlns:a16="http://schemas.microsoft.com/office/drawing/2014/main" id="{CF5FF315-3DD3-4243-9DBA-6E698A5A1B31}"/>
               </a:ext>
             </a:extLst>
           </p:cNvPr>
@@ -7489,8 +7489,8 @@
         </p:blipFill>
         <p:spPr>
           <a:xfrm>
-            <a:off x="6612178" y="2802200"/>
-            <a:ext cx="4780348" cy="3343767"/>
+            <a:off x="6059544" y="2738771"/>
+            <a:ext cx="4664900" cy="3141912"/>
           </a:xfrm>
           <a:prstGeom prst="rect">
             <a:avLst/>
@@ -8246,6 +8246,14 @@
             </a:pPr>
             <a:endParaRPr lang="en-IN" sz="2400" dirty="0"/>
           </a:p>
+          <a:p>
+            <a:pPr lvl="1">
+              <a:buClr>
+                <a:schemeClr val="tx1"/>
+              </a:buClr>
+            </a:pPr>
+            <a:endParaRPr lang="en-IN" sz="2400" dirty="0"/>
+          </a:p>
         </p:txBody>
       </p:sp>
       <p:sp>
@@ -8444,6 +8452,300 @@
           </a:prstGeom>
         </p:spPr>
       </p:pic>
+      <p:sp>
+        <p:nvSpPr>
+          <p:cNvPr id="9" name="Text Placeholder 5">
+            <a:extLst>
+              <a:ext uri="{FF2B5EF4-FFF2-40B4-BE49-F238E27FC236}">
+                <a16:creationId xmlns:a16="http://schemas.microsoft.com/office/drawing/2014/main" id="{0F5A12A8-F8C0-4E61-8617-EFBDE76C4E66}"/>
+              </a:ext>
+            </a:extLst>
+          </p:cNvPr>
+          <p:cNvSpPr txBox="1">
+            <a:spLocks/>
+          </p:cNvSpPr>
+          <p:nvPr/>
+        </p:nvSpPr>
+        <p:spPr>
+          <a:xfrm>
+            <a:off x="1139108" y="5133863"/>
+            <a:ext cx="9913781" cy="538188"/>
+          </a:xfrm>
+          <a:prstGeom prst="rect">
+            <a:avLst/>
+          </a:prstGeom>
+        </p:spPr>
+        <p:txBody>
+          <a:bodyPr vert="horz" lIns="91440" tIns="45720" rIns="91440" bIns="45720" rtlCol="0" anchor="t">
+            <a:normAutofit/>
+          </a:bodyPr>
+          <a:lstStyle>
+            <a:lvl1pPr marL="0" indent="0" algn="ctr" defTabSz="457200" rtl="0" eaLnBrk="1" latinLnBrk="0" hangingPunct="1">
+              <a:spcBef>
+                <a:spcPct val="20000"/>
+              </a:spcBef>
+              <a:spcAft>
+                <a:spcPts val="600"/>
+              </a:spcAft>
+              <a:buClr>
+                <a:schemeClr val="accent1">
+                  <a:lumMod val="75000"/>
+                </a:schemeClr>
+              </a:buClr>
+              <a:buSzPct val="145000"/>
+              <a:buFont typeface="Arial"/>
+              <a:buNone/>
+              <a:defRPr sz="2000" kern="1200" cap="none">
+                <a:solidFill>
+                  <a:schemeClr val="tx1"/>
+                </a:solidFill>
+                <a:effectLst/>
+                <a:latin typeface="+mn-lt"/>
+                <a:ea typeface="+mn-ea"/>
+                <a:cs typeface="+mn-cs"/>
+              </a:defRPr>
+            </a:lvl1pPr>
+            <a:lvl2pPr marL="457200" indent="0" algn="l" defTabSz="457200" rtl="0" eaLnBrk="1" latinLnBrk="0" hangingPunct="1">
+              <a:spcBef>
+                <a:spcPct val="20000"/>
+              </a:spcBef>
+              <a:spcAft>
+                <a:spcPts val="600"/>
+              </a:spcAft>
+              <a:buClr>
+                <a:schemeClr val="accent1">
+                  <a:lumMod val="75000"/>
+                </a:schemeClr>
+              </a:buClr>
+              <a:buSzPct val="145000"/>
+              <a:buFont typeface="Arial"/>
+              <a:buNone/>
+              <a:defRPr sz="1800" kern="1200" cap="none">
+                <a:solidFill>
+                  <a:schemeClr val="tx1">
+                    <a:tint val="75000"/>
+                  </a:schemeClr>
+                </a:solidFill>
+                <a:effectLst/>
+                <a:latin typeface="+mn-lt"/>
+                <a:ea typeface="+mn-ea"/>
+                <a:cs typeface="+mn-cs"/>
+              </a:defRPr>
+            </a:lvl2pPr>
+            <a:lvl3pPr marL="914400" indent="0" algn="l" defTabSz="457200" rtl="0" eaLnBrk="1" latinLnBrk="0" hangingPunct="1">
+              <a:spcBef>
+                <a:spcPct val="20000"/>
+              </a:spcBef>
+              <a:spcAft>
+                <a:spcPts val="600"/>
+              </a:spcAft>
+              <a:buClr>
+                <a:schemeClr val="accent1">
+                  <a:lumMod val="75000"/>
+                </a:schemeClr>
+              </a:buClr>
+              <a:buSzPct val="145000"/>
+              <a:buFont typeface="Arial"/>
+              <a:buNone/>
+              <a:defRPr sz="1600" kern="1200" cap="none">
+                <a:solidFill>
+                  <a:schemeClr val="tx1">
+                    <a:tint val="75000"/>
+                  </a:schemeClr>
+                </a:solidFill>
+                <a:effectLst/>
+                <a:latin typeface="+mn-lt"/>
+                <a:ea typeface="+mn-ea"/>
+                <a:cs typeface="+mn-cs"/>
+              </a:defRPr>
+            </a:lvl3pPr>
+            <a:lvl4pPr marL="1371600" indent="0" algn="l" defTabSz="457200" rtl="0" eaLnBrk="1" latinLnBrk="0" hangingPunct="1">
+              <a:spcBef>
+                <a:spcPct val="20000"/>
+              </a:spcBef>
+              <a:spcAft>
+                <a:spcPts val="600"/>
+              </a:spcAft>
+              <a:buClr>
+                <a:schemeClr val="accent1">
+                  <a:lumMod val="75000"/>
+                </a:schemeClr>
+              </a:buClr>
+              <a:buSzPct val="145000"/>
+              <a:buFont typeface="Arial"/>
+              <a:buNone/>
+              <a:defRPr sz="1400" kern="1200" cap="none">
+                <a:solidFill>
+                  <a:schemeClr val="tx1">
+                    <a:tint val="75000"/>
+                  </a:schemeClr>
+                </a:solidFill>
+                <a:effectLst/>
+                <a:latin typeface="+mn-lt"/>
+                <a:ea typeface="+mn-ea"/>
+                <a:cs typeface="+mn-cs"/>
+              </a:defRPr>
+            </a:lvl4pPr>
+            <a:lvl5pPr marL="1828800" indent="0" algn="l" defTabSz="457200" rtl="0" eaLnBrk="1" latinLnBrk="0" hangingPunct="1">
+              <a:spcBef>
+                <a:spcPct val="20000"/>
+              </a:spcBef>
+              <a:spcAft>
+                <a:spcPts val="600"/>
+              </a:spcAft>
+              <a:buClr>
+                <a:schemeClr val="accent1">
+                  <a:lumMod val="75000"/>
+                </a:schemeClr>
+              </a:buClr>
+              <a:buSzPct val="145000"/>
+              <a:buFont typeface="Arial"/>
+              <a:buNone/>
+              <a:defRPr sz="1400" kern="1200" cap="none">
+                <a:solidFill>
+                  <a:schemeClr val="tx1">
+                    <a:tint val="75000"/>
+                  </a:schemeClr>
+                </a:solidFill>
+                <a:effectLst/>
+                <a:latin typeface="+mn-lt"/>
+                <a:ea typeface="+mn-ea"/>
+                <a:cs typeface="+mn-cs"/>
+              </a:defRPr>
+            </a:lvl5pPr>
+            <a:lvl6pPr marL="2286000" indent="0" algn="l" defTabSz="457200" rtl="0" eaLnBrk="1" latinLnBrk="0" hangingPunct="1">
+              <a:spcBef>
+                <a:spcPct val="20000"/>
+              </a:spcBef>
+              <a:spcAft>
+                <a:spcPts val="600"/>
+              </a:spcAft>
+              <a:buClr>
+                <a:schemeClr val="accent1">
+                  <a:lumMod val="75000"/>
+                </a:schemeClr>
+              </a:buClr>
+              <a:buSzPct val="145000"/>
+              <a:buFont typeface="Arial"/>
+              <a:buNone/>
+              <a:defRPr sz="1400" kern="1200" cap="none">
+                <a:solidFill>
+                  <a:schemeClr val="tx1">
+                    <a:tint val="75000"/>
+                  </a:schemeClr>
+                </a:solidFill>
+                <a:effectLst/>
+                <a:latin typeface="+mn-lt"/>
+                <a:ea typeface="+mn-ea"/>
+                <a:cs typeface="+mn-cs"/>
+              </a:defRPr>
+            </a:lvl6pPr>
+            <a:lvl7pPr marL="2743200" indent="0" algn="l" defTabSz="457200" rtl="0" eaLnBrk="1" latinLnBrk="0" hangingPunct="1">
+              <a:spcBef>
+                <a:spcPct val="20000"/>
+              </a:spcBef>
+              <a:spcAft>
+                <a:spcPts val="600"/>
+              </a:spcAft>
+              <a:buClr>
+                <a:schemeClr val="accent1">
+                  <a:lumMod val="75000"/>
+                </a:schemeClr>
+              </a:buClr>
+              <a:buSzPct val="145000"/>
+              <a:buFont typeface="Arial"/>
+              <a:buNone/>
+              <a:defRPr sz="1400" kern="1200" cap="none">
+                <a:solidFill>
+                  <a:schemeClr val="tx1">
+                    <a:tint val="75000"/>
+                  </a:schemeClr>
+                </a:solidFill>
+                <a:effectLst/>
+                <a:latin typeface="+mn-lt"/>
+                <a:ea typeface="+mn-ea"/>
+                <a:cs typeface="+mn-cs"/>
+              </a:defRPr>
+            </a:lvl7pPr>
+            <a:lvl8pPr marL="3200400" indent="0" algn="l" defTabSz="457200" rtl="0" eaLnBrk="1" latinLnBrk="0" hangingPunct="1">
+              <a:spcBef>
+                <a:spcPct val="20000"/>
+              </a:spcBef>
+              <a:spcAft>
+                <a:spcPts val="600"/>
+              </a:spcAft>
+              <a:buClr>
+                <a:schemeClr val="accent1">
+                  <a:lumMod val="75000"/>
+                </a:schemeClr>
+              </a:buClr>
+              <a:buSzPct val="145000"/>
+              <a:buFont typeface="Arial"/>
+              <a:buNone/>
+              <a:defRPr sz="1400" kern="1200" cap="none">
+                <a:solidFill>
+                  <a:schemeClr val="tx1">
+                    <a:tint val="75000"/>
+                  </a:schemeClr>
+                </a:solidFill>
+                <a:effectLst/>
+                <a:latin typeface="+mn-lt"/>
+                <a:ea typeface="+mn-ea"/>
+                <a:cs typeface="+mn-cs"/>
+              </a:defRPr>
+            </a:lvl8pPr>
+            <a:lvl9pPr marL="3657600" indent="0" algn="l" defTabSz="457200" rtl="0" eaLnBrk="1" latinLnBrk="0" hangingPunct="1">
+              <a:spcBef>
+                <a:spcPct val="20000"/>
+              </a:spcBef>
+              <a:spcAft>
+                <a:spcPts val="600"/>
+              </a:spcAft>
+              <a:buClr>
+                <a:schemeClr val="accent1">
+                  <a:lumMod val="75000"/>
+                </a:schemeClr>
+              </a:buClr>
+              <a:buSzPct val="145000"/>
+              <a:buFont typeface="Arial"/>
+              <a:buNone/>
+              <a:defRPr sz="1400" kern="1200" cap="none">
+                <a:solidFill>
+                  <a:schemeClr val="tx1">
+                    <a:tint val="75000"/>
+                  </a:schemeClr>
+                </a:solidFill>
+                <a:effectLst/>
+                <a:latin typeface="+mn-lt"/>
+                <a:ea typeface="+mn-ea"/>
+                <a:cs typeface="+mn-cs"/>
+              </a:defRPr>
+            </a:lvl9pPr>
+          </a:lstStyle>
+          <a:p>
+            <a:pPr lvl="1">
+              <a:buClr>
+                <a:schemeClr val="tx1"/>
+              </a:buClr>
+            </a:pPr>
+            <a:r>
+              <a:rPr lang="en-US" sz="1200" b="0" i="0" dirty="0">
+                <a:solidFill>
+                  <a:schemeClr val="tx1"/>
+                </a:solidFill>
+                <a:effectLst/>
+                <a:latin typeface="arial" panose="020B0604020202020204" pitchFamily="34" charset="0"/>
+              </a:rPr>
+              <a:t>(C = Cherbourg; Q = Queenstown; S = Southampton)</a:t>
+            </a:r>
+            <a:endParaRPr lang="en-IN" sz="1200" dirty="0">
+              <a:solidFill>
+                <a:schemeClr val="tx1"/>
+              </a:solidFill>
+            </a:endParaRPr>
+          </a:p>
+        </p:txBody>
+      </p:sp>
     </p:spTree>
     <p:extLst>
       <p:ext uri="{BB962C8B-B14F-4D97-AF65-F5344CB8AC3E}">
@@ -9013,42 +9315,6 @@
           </a:prstGeom>
         </p:spPr>
       </p:pic>
-      <p:pic>
-        <p:nvPicPr>
-          <p:cNvPr id="10" name="Picture 9">
-            <a:extLst>
-              <a:ext uri="{FF2B5EF4-FFF2-40B4-BE49-F238E27FC236}">
-                <a16:creationId xmlns:a16="http://schemas.microsoft.com/office/drawing/2014/main" id="{4F0AE0CB-8038-400C-9D48-F63F7066EA6B}"/>
-              </a:ext>
-            </a:extLst>
-          </p:cNvPr>
-          <p:cNvPicPr>
-            <a:picLocks noChangeAspect="1"/>
-          </p:cNvPicPr>
-          <p:nvPr/>
-        </p:nvPicPr>
-        <p:blipFill>
-          <a:blip r:embed="rId3">
-            <a:extLst>
-              <a:ext uri="{28A0092B-C50C-407E-A947-70E740481C1C}">
-                <a14:useLocalDpi xmlns:a14="http://schemas.microsoft.com/office/drawing/2010/main" val="0"/>
-              </a:ext>
-            </a:extLst>
-          </a:blip>
-          <a:stretch>
-            <a:fillRect/>
-          </a:stretch>
-        </p:blipFill>
-        <p:spPr>
-          <a:xfrm>
-            <a:off x="1755448" y="2537334"/>
-            <a:ext cx="2330402" cy="3533681"/>
-          </a:xfrm>
-          <a:prstGeom prst="rect">
-            <a:avLst/>
-          </a:prstGeom>
-        </p:spPr>
-      </p:pic>
       <p:sp>
         <p:nvSpPr>
           <p:cNvPr id="17" name="Text Placeholder 5">
@@ -9340,6 +9606,42 @@
           </a:p>
         </p:txBody>
       </p:sp>
+      <p:pic>
+        <p:nvPicPr>
+          <p:cNvPr id="5" name="Picture 4">
+            <a:extLst>
+              <a:ext uri="{FF2B5EF4-FFF2-40B4-BE49-F238E27FC236}">
+                <a16:creationId xmlns:a16="http://schemas.microsoft.com/office/drawing/2014/main" id="{37D7C64A-805F-48CD-8BB2-6A288761138A}"/>
+              </a:ext>
+            </a:extLst>
+          </p:cNvPr>
+          <p:cNvPicPr>
+            <a:picLocks noChangeAspect="1"/>
+          </p:cNvPicPr>
+          <p:nvPr/>
+        </p:nvPicPr>
+        <p:blipFill>
+          <a:blip r:embed="rId3">
+            <a:extLst>
+              <a:ext uri="{28A0092B-C50C-407E-A947-70E740481C1C}">
+                <a14:useLocalDpi xmlns:a14="http://schemas.microsoft.com/office/drawing/2010/main" val="0"/>
+              </a:ext>
+            </a:extLst>
+          </a:blip>
+          <a:stretch>
+            <a:fillRect/>
+          </a:stretch>
+        </p:blipFill>
+        <p:spPr>
+          <a:xfrm>
+            <a:off x="1755448" y="2591951"/>
+            <a:ext cx="2639992" cy="3560494"/>
+          </a:xfrm>
+          <a:prstGeom prst="rect">
+            <a:avLst/>
+          </a:prstGeom>
+        </p:spPr>
+      </p:pic>
     </p:spTree>
     <p:extLst>
       <p:ext uri="{BB962C8B-B14F-4D97-AF65-F5344CB8AC3E}">
@@ -9495,10 +9797,10 @@
       </p:sp>
       <p:pic>
         <p:nvPicPr>
-          <p:cNvPr id="5" name="Picture 4">
+          <p:cNvPr id="7" name="Picture 6">
             <a:extLst>
               <a:ext uri="{FF2B5EF4-FFF2-40B4-BE49-F238E27FC236}">
-                <a16:creationId xmlns:a16="http://schemas.microsoft.com/office/drawing/2014/main" id="{097DBD0A-A49E-4F17-BFD5-FD87F9B74946}"/>
+                <a16:creationId xmlns:a16="http://schemas.microsoft.com/office/drawing/2014/main" id="{2905BAE8-289C-49C5-85DD-3F97E685E12B}"/>
               </a:ext>
             </a:extLst>
           </p:cNvPr>
@@ -9521,8 +9823,8 @@
         </p:blipFill>
         <p:spPr>
           <a:xfrm>
-            <a:off x="1649203" y="3664847"/>
-            <a:ext cx="7280397" cy="1002374"/>
+            <a:off x="1649203" y="3675025"/>
+            <a:ext cx="8023822" cy="1009863"/>
           </a:xfrm>
           <a:prstGeom prst="rect">
             <a:avLst/>
@@ -9633,7 +9935,7 @@
             </a:pPr>
             <a:r>
               <a:rPr lang="en-US" sz="2400" dirty="0"/>
-              <a:t>From the data visualization, there are four main columns where the output depends upon. Age, Sex, P-class, Embarked. These features are stored in the X list and survived is stored in y.</a:t>
+              <a:t>From the data visualization, there are four main columns where the output depends upon. Age, Gender, P-class, Embarked. These features are stored in the X list and survived is stored in y.</a:t>
             </a:r>
             <a:endParaRPr lang="en-IN" sz="2400" dirty="0"/>
           </a:p>
@@ -9685,10 +9987,10 @@
       </p:sp>
       <p:pic>
         <p:nvPicPr>
-          <p:cNvPr id="7" name="Picture 6">
+          <p:cNvPr id="5" name="Picture 4">
             <a:extLst>
               <a:ext uri="{FF2B5EF4-FFF2-40B4-BE49-F238E27FC236}">
-                <a16:creationId xmlns:a16="http://schemas.microsoft.com/office/drawing/2014/main" id="{A1CD9F02-D61E-4229-BCBB-724549152C70}"/>
+                <a16:creationId xmlns:a16="http://schemas.microsoft.com/office/drawing/2014/main" id="{E856969A-0CAA-4B99-B7A8-E153C3DEA2FF}"/>
               </a:ext>
             </a:extLst>
           </p:cNvPr>
@@ -9711,8 +10013,8 @@
         </p:blipFill>
         <p:spPr>
           <a:xfrm>
-            <a:off x="1649203" y="2858443"/>
-            <a:ext cx="8686088" cy="2942750"/>
+            <a:off x="1694834" y="2939736"/>
+            <a:ext cx="7042765" cy="3155524"/>
           </a:xfrm>
           <a:prstGeom prst="rect">
             <a:avLst/>
@@ -11895,7 +12197,7 @@
             </a:pPr>
             <a:r>
               <a:rPr lang="en-US" dirty="0"/>
-              <a:t>The RMS Titanic was a British passenger liner that struck an iceberg on her maiden voyage and sank, taking the lives of more than 1500 passengers. We are interested in predicting the survival probability for a given passenger. There are many factors which played into which passengers made it into lifeboats and which passengers did not, most notably gender and class assignment. Our purpose is to find a conclusion using different predicting models by the data given a sample of 342 survivors and find if this hypothesis is true or not.</a:t>
+              <a:t>The RMS Titanic was a British passenger liner that struck an iceberg on her maiden voyage and sank, taking the lives of more than 1500 passengers. We are interested in predicting the survival probability for a given passenger. There are many factors which played into which passengers made it into lifeboats and which passengers did not. Our purpose is to find a conclusion using different predicting models by the data given a sample of 342 survivors and find if this hypothesis is true or not.</a:t>
             </a:r>
             <a:endParaRPr lang="en-IN" dirty="0"/>
           </a:p>
@@ -12071,7 +12373,7 @@
             </a:pPr>
             <a:r>
               <a:rPr lang="en-US" dirty="0"/>
-              <a:t>Our problem to confirm if this hypothesis is true or not using the given sample of 342 survivors data and derive conclusions using different models in R</a:t>
+              <a:t>Our problem to confirm if this hypothesis is true or not using the given sample of 342 survivors data and derive conclusions using different models.</a:t>
             </a:r>
             <a:endParaRPr lang="en-IN" dirty="0"/>
           </a:p>
@@ -13282,15 +13584,7 @@
             </a:pPr>
             <a:r>
               <a:rPr lang="en-IN" dirty="0"/>
-              <a:t>Prediction models: </a:t>
-            </a:r>
-            <a:r>
-              <a:rPr lang="en-IN" dirty="0" err="1"/>
-              <a:t>Decesion</a:t>
-            </a:r>
-            <a:r>
-              <a:rPr lang="en-IN" dirty="0"/>
-              <a:t> Tree, Random Forest Classifier, </a:t>
+              <a:t>Prediction models: Decision Tree, Random Forest Classifier, </a:t>
             </a:r>
             <a:r>
               <a:rPr lang="en-IN" dirty="0" err="1"/>
@@ -13309,15 +13603,7 @@
             </a:pPr>
             <a:r>
               <a:rPr lang="en-IN" dirty="0"/>
-              <a:t>					 </a:t>
-            </a:r>
-            <a:r>
-              <a:rPr lang="en-IN" dirty="0" err="1"/>
-              <a:t>Kneighbors</a:t>
-            </a:r>
-            <a:r>
-              <a:rPr lang="en-IN" dirty="0"/>
-              <a:t> Classifier, Logistic Regression,  SVM</a:t>
+              <a:t>					 Kneighbors Classifier, Logistic Regression,  SVM</a:t>
             </a:r>
             <a:endParaRPr lang="en-IN" b="1" dirty="0"/>
           </a:p>
